--- a/스마트폰 게임 프로그래밍 기획발표.pptx
+++ b/스마트폰 게임 프로그래밍 기획발표.pptx
@@ -9,7 +9,8 @@
     <p:sldId id="257" r:id="rId3"/>
     <p:sldId id="258" r:id="rId4"/>
     <p:sldId id="259" r:id="rId5"/>
-    <p:sldId id="260" r:id="rId6"/>
+    <p:sldId id="261" r:id="rId6"/>
+    <p:sldId id="260" r:id="rId7"/>
   </p:sldIdLst>
   <p:sldSz cx="12192000" cy="6858000"/>
   <p:notesSz cx="6858000" cy="9144000"/>
@@ -108,6 +109,11 @@
       </a:defRPr>
     </a:lvl9pPr>
   </p:defaultTextStyle>
+  <p:extLst>
+    <p:ext uri="{EFAFB233-063F-42B5-8137-9DF3F51BA10A}">
+      <p15:sldGuideLst xmlns:p15="http://schemas.microsoft.com/office/powerpoint/2012/main"/>
+    </p:ext>
+  </p:extLst>
 </p:presentation>
 </file>
 
@@ -1521,7 +1527,7 @@
             <a:fld id="{48A87A34-81AB-432B-8DAE-1953F412C126}" type="datetimeFigureOut">
               <a:rPr lang="en-US" dirty="0"/>
               <a:pPr/>
-              <a:t>5/23/2020</a:t>
+              <a:t>5/26/2020</a:t>
             </a:fld>
             <a:endParaRPr lang="en-US" dirty="0"/>
           </a:p>
@@ -2975,7 +2981,7 @@
           <a:p>
             <a:fld id="{48A87A34-81AB-432B-8DAE-1953F412C126}" type="datetimeFigureOut">
               <a:rPr lang="en-US" dirty="0"/>
-              <a:t>5/23/2020</a:t>
+              <a:t>5/26/2020</a:t>
             </a:fld>
             <a:endParaRPr lang="en-US" dirty="0"/>
           </a:p>
@@ -4423,7 +4429,7 @@
           <a:p>
             <a:fld id="{48A87A34-81AB-432B-8DAE-1953F412C126}" type="datetimeFigureOut">
               <a:rPr lang="en-US" dirty="0"/>
-              <a:t>5/23/2020</a:t>
+              <a:t>5/26/2020</a:t>
             </a:fld>
             <a:endParaRPr lang="en-US" dirty="0"/>
           </a:p>
@@ -5873,7 +5879,7 @@
           <a:p>
             <a:fld id="{48A87A34-81AB-432B-8DAE-1953F412C126}" type="datetimeFigureOut">
               <a:rPr lang="en-US" dirty="0"/>
-              <a:t>5/23/2020</a:t>
+              <a:t>5/26/2020</a:t>
             </a:fld>
             <a:endParaRPr lang="en-US" dirty="0"/>
           </a:p>
@@ -7376,7 +7382,7 @@
           <a:p>
             <a:fld id="{48A87A34-81AB-432B-8DAE-1953F412C126}" type="datetimeFigureOut">
               <a:rPr lang="en-US" dirty="0"/>
-              <a:t>5/23/2020</a:t>
+              <a:t>5/26/2020</a:t>
             </a:fld>
             <a:endParaRPr lang="en-US" dirty="0"/>
           </a:p>
@@ -8892,7 +8898,7 @@
           <a:p>
             <a:fld id="{48A87A34-81AB-432B-8DAE-1953F412C126}" type="datetimeFigureOut">
               <a:rPr lang="en-US" dirty="0"/>
-              <a:t>5/23/2020</a:t>
+              <a:t>5/26/2020</a:t>
             </a:fld>
             <a:endParaRPr lang="en-US" dirty="0"/>
           </a:p>
@@ -10552,7 +10558,7 @@
           <a:p>
             <a:fld id="{48A87A34-81AB-432B-8DAE-1953F412C126}" type="datetimeFigureOut">
               <a:rPr lang="en-US" dirty="0"/>
-              <a:t>5/23/2020</a:t>
+              <a:t>5/26/2020</a:t>
             </a:fld>
             <a:endParaRPr lang="en-US" dirty="0"/>
           </a:p>
@@ -11945,7 +11951,7 @@
           <a:p>
             <a:fld id="{48A87A34-81AB-432B-8DAE-1953F412C126}" type="datetimeFigureOut">
               <a:rPr lang="en-US" dirty="0"/>
-              <a:t>5/23/2020</a:t>
+              <a:t>5/26/2020</a:t>
             </a:fld>
             <a:endParaRPr lang="en-US" dirty="0"/>
           </a:p>
@@ -12040,7 +12046,7 @@
           <a:p>
             <a:fld id="{48A87A34-81AB-432B-8DAE-1953F412C126}" type="datetimeFigureOut">
               <a:rPr lang="en-US" dirty="0"/>
-              <a:t>5/23/2020</a:t>
+              <a:t>5/26/2020</a:t>
             </a:fld>
             <a:endParaRPr lang="en-US" dirty="0"/>
           </a:p>
@@ -13561,7 +13567,7 @@
           <a:p>
             <a:fld id="{48A87A34-81AB-432B-8DAE-1953F412C126}" type="datetimeFigureOut">
               <a:rPr lang="en-US" dirty="0"/>
-              <a:t>5/23/2020</a:t>
+              <a:t>5/26/2020</a:t>
             </a:fld>
             <a:endParaRPr lang="en-US" dirty="0"/>
           </a:p>
@@ -15092,7 +15098,7 @@
           <a:p>
             <a:fld id="{48A87A34-81AB-432B-8DAE-1953F412C126}" type="datetimeFigureOut">
               <a:rPr lang="en-US" dirty="0"/>
-              <a:t>5/23/2020</a:t>
+              <a:t>5/26/2020</a:t>
             </a:fld>
             <a:endParaRPr lang="en-US" dirty="0"/>
           </a:p>
@@ -15311,7 +15317,7 @@
             <a:fld id="{48A87A34-81AB-432B-8DAE-1953F412C126}" type="datetimeFigureOut">
               <a:rPr lang="en-US" dirty="0"/>
               <a:pPr/>
-              <a:t>5/23/2020</a:t>
+              <a:t>5/26/2020</a:t>
             </a:fld>
             <a:endParaRPr lang="en-US" dirty="0"/>
           </a:p>
@@ -16175,6 +16181,4131 @@
 </file>
 
 <file path=ppt/slides/slide5.xml><?xml version="1.0" encoding="utf-8"?>
+<p:sld xmlns:a="http://schemas.openxmlformats.org/drawingml/2006/main" xmlns:r="http://schemas.openxmlformats.org/officeDocument/2006/relationships" xmlns:p="http://schemas.openxmlformats.org/presentationml/2006/main">
+  <p:cSld>
+    <p:bg>
+      <p:bgPr>
+        <a:solidFill>
+          <a:schemeClr val="bg1"/>
+        </a:solidFill>
+        <a:effectLst/>
+      </p:bgPr>
+    </p:bg>
+    <p:spTree>
+      <p:nvGrpSpPr>
+        <p:cNvPr id="1" name=""/>
+        <p:cNvGrpSpPr/>
+        <p:nvPr/>
+      </p:nvGrpSpPr>
+      <p:grpSpPr>
+        <a:xfrm>
+          <a:off x="0" y="0"/>
+          <a:ext cx="0" cy="0"/>
+          <a:chOff x="0" y="0"/>
+          <a:chExt cx="0" cy="0"/>
+        </a:xfrm>
+      </p:grpSpPr>
+      <p:grpSp>
+        <p:nvGrpSpPr>
+          <p:cNvPr id="9" name="Group 8">
+            <a:extLst>
+              <a:ext uri="{FF2B5EF4-FFF2-40B4-BE49-F238E27FC236}">
+                <a16:creationId xmlns:a16="http://schemas.microsoft.com/office/drawing/2014/main" id="{84DB7353-7D7A-431B-A5B6-A3845E6F2BB2}"/>
+              </a:ext>
+              <a:ext uri="{C183D7F6-B498-43B3-948B-1728B52AA6E4}">
+                <adec:decorative xmlns:adec="http://schemas.microsoft.com/office/drawing/2017/decorative" val="1"/>
+              </a:ext>
+            </a:extLst>
+          </p:cNvPr>
+          <p:cNvGrpSpPr>
+            <a:grpSpLocks noGrp="1" noUngrp="1" noRot="1" noChangeAspect="1" noMove="1" noResize="1"/>
+          </p:cNvGrpSpPr>
+          <p:nvPr>
+            <p:extLst>
+              <p:ext uri="{386F3935-93C4-4BCD-93E2-E3B085C9AB24}">
+                <p16:designElem xmlns:p16="http://schemas.microsoft.com/office/powerpoint/2015/main" val="1"/>
+              </p:ext>
+            </p:extLst>
+          </p:nvPr>
+        </p:nvGrpSpPr>
+        <p:grpSpPr>
+          <a:xfrm>
+            <a:off x="-329674" y="-59376"/>
+            <a:ext cx="12515851" cy="6923798"/>
+            <a:chOff x="-329674" y="-51881"/>
+            <a:chExt cx="12515851" cy="6923798"/>
+          </a:xfrm>
+        </p:grpSpPr>
+        <p:sp>
+          <p:nvSpPr>
+            <p:cNvPr id="10" name="Freeform 5">
+              <a:extLst>
+                <a:ext uri="{FF2B5EF4-FFF2-40B4-BE49-F238E27FC236}">
+                  <a16:creationId xmlns:a16="http://schemas.microsoft.com/office/drawing/2014/main" id="{9E8D15D6-6183-4BE1-A315-C7EC9C1A53FA}"/>
+                </a:ext>
+                <a:ext uri="{C183D7F6-B498-43B3-948B-1728B52AA6E4}">
+                  <adec:decorative xmlns:adec="http://schemas.microsoft.com/office/drawing/2017/decorative" val="1"/>
+                </a:ext>
+              </a:extLst>
+            </p:cNvPr>
+            <p:cNvSpPr/>
+            <p:nvPr>
+              <p:extLst>
+                <p:ext uri="{386F3935-93C4-4BCD-93E2-E3B085C9AB24}">
+                  <p16:designElem xmlns:p16="http://schemas.microsoft.com/office/powerpoint/2015/main" val="1"/>
+                </p:ext>
+              </p:extLst>
+            </p:nvPr>
+          </p:nvSpPr>
+          <p:spPr bwMode="auto">
+            <a:xfrm>
+              <a:off x="-329674" y="1298404"/>
+              <a:ext cx="9702800" cy="5573512"/>
+            </a:xfrm>
+            <a:custGeom>
+              <a:avLst/>
+              <a:gdLst/>
+              <a:ahLst/>
+              <a:cxnLst/>
+              <a:rect l="0" t="0" r="r" b="b"/>
+              <a:pathLst>
+                <a:path w="2038" h="1169">
+                  <a:moveTo>
+                    <a:pt x="1752" y="1169"/>
+                  </a:moveTo>
+                  <a:cubicBezTo>
+                    <a:pt x="2038" y="928"/>
+                    <a:pt x="1673" y="513"/>
+                    <a:pt x="1487" y="334"/>
+                  </a:cubicBezTo>
+                  <a:cubicBezTo>
+                    <a:pt x="1316" y="170"/>
+                    <a:pt x="1099" y="43"/>
+                    <a:pt x="860" y="22"/>
+                  </a:cubicBezTo>
+                  <a:cubicBezTo>
+                    <a:pt x="621" y="0"/>
+                    <a:pt x="341" y="128"/>
+                    <a:pt x="199" y="318"/>
+                  </a:cubicBezTo>
+                  <a:cubicBezTo>
+                    <a:pt x="0" y="586"/>
+                    <a:pt x="184" y="965"/>
+                    <a:pt x="399" y="1165"/>
+                  </a:cubicBezTo>
+                </a:path>
+              </a:pathLst>
+            </a:custGeom>
+            <a:noFill/>
+            <a:ln w="9525" cap="flat">
+              <a:solidFill>
+                <a:schemeClr val="tx1">
+                  <a:alpha val="20000"/>
+                </a:schemeClr>
+              </a:solidFill>
+              <a:prstDash val="solid"/>
+              <a:miter lim="800000"/>
+              <a:headEnd/>
+              <a:tailEnd/>
+            </a:ln>
+            <a:extLst>
+              <a:ext uri="{909E8E84-426E-40DD-AFC4-6F175D3DCCD1}">
+                <a14:hiddenFill xmlns:a14="http://schemas.microsoft.com/office/drawing/2010/main">
+                  <a:solidFill>
+                    <a:srgbClr val="FFFFFF"/>
+                  </a:solidFill>
+                </a14:hiddenFill>
+              </a:ext>
+            </a:extLst>
+          </p:spPr>
+        </p:sp>
+        <p:sp>
+          <p:nvSpPr>
+            <p:cNvPr id="11" name="Freeform 6">
+              <a:extLst>
+                <a:ext uri="{FF2B5EF4-FFF2-40B4-BE49-F238E27FC236}">
+                  <a16:creationId xmlns:a16="http://schemas.microsoft.com/office/drawing/2014/main" id="{82A253FA-4E60-4B4D-94B0-93ECFCF3098F}"/>
+                </a:ext>
+                <a:ext uri="{C183D7F6-B498-43B3-948B-1728B52AA6E4}">
+                  <adec:decorative xmlns:adec="http://schemas.microsoft.com/office/drawing/2017/decorative" val="1"/>
+                </a:ext>
+              </a:extLst>
+            </p:cNvPr>
+            <p:cNvSpPr/>
+            <p:nvPr>
+              <p:extLst>
+                <p:ext uri="{386F3935-93C4-4BCD-93E2-E3B085C9AB24}">
+                  <p16:designElem xmlns:p16="http://schemas.microsoft.com/office/powerpoint/2015/main" val="1"/>
+                </p:ext>
+              </p:extLst>
+            </p:nvPr>
+          </p:nvSpPr>
+          <p:spPr bwMode="auto">
+            <a:xfrm>
+              <a:off x="670451" y="2018236"/>
+              <a:ext cx="7373938" cy="4848892"/>
+            </a:xfrm>
+            <a:custGeom>
+              <a:avLst/>
+              <a:gdLst/>
+              <a:ahLst/>
+              <a:cxnLst/>
+              <a:rect l="0" t="0" r="r" b="b"/>
+              <a:pathLst>
+                <a:path w="1549" h="1017">
+                  <a:moveTo>
+                    <a:pt x="1025" y="1016"/>
+                  </a:moveTo>
+                  <a:cubicBezTo>
+                    <a:pt x="1223" y="971"/>
+                    <a:pt x="1549" y="857"/>
+                    <a:pt x="1443" y="592"/>
+                  </a:cubicBezTo>
+                  <a:cubicBezTo>
+                    <a:pt x="1344" y="344"/>
+                    <a:pt x="1041" y="111"/>
+                    <a:pt x="782" y="53"/>
+                  </a:cubicBezTo>
+                  <a:cubicBezTo>
+                    <a:pt x="545" y="0"/>
+                    <a:pt x="275" y="117"/>
+                    <a:pt x="150" y="329"/>
+                  </a:cubicBezTo>
+                  <a:cubicBezTo>
+                    <a:pt x="0" y="584"/>
+                    <a:pt x="243" y="911"/>
+                    <a:pt x="477" y="1017"/>
+                  </a:cubicBezTo>
+                </a:path>
+              </a:pathLst>
+            </a:custGeom>
+            <a:noFill/>
+            <a:ln w="9525" cap="flat">
+              <a:solidFill>
+                <a:schemeClr val="tx1">
+                  <a:alpha val="20000"/>
+                </a:schemeClr>
+              </a:solidFill>
+              <a:prstDash val="solid"/>
+              <a:miter lim="800000"/>
+              <a:headEnd/>
+              <a:tailEnd/>
+            </a:ln>
+            <a:extLst>
+              <a:ext uri="{909E8E84-426E-40DD-AFC4-6F175D3DCCD1}">
+                <a14:hiddenFill xmlns:a14="http://schemas.microsoft.com/office/drawing/2010/main">
+                  <a:solidFill>
+                    <a:srgbClr val="FFFFFF"/>
+                  </a:solidFill>
+                </a14:hiddenFill>
+              </a:ext>
+            </a:extLst>
+          </p:spPr>
+        </p:sp>
+        <p:sp>
+          <p:nvSpPr>
+            <p:cNvPr id="12" name="Freeform 7">
+              <a:extLst>
+                <a:ext uri="{FF2B5EF4-FFF2-40B4-BE49-F238E27FC236}">
+                  <a16:creationId xmlns:a16="http://schemas.microsoft.com/office/drawing/2014/main" id="{E1B39AD1-11BD-457B-822C-A873607F4126}"/>
+                </a:ext>
+                <a:ext uri="{C183D7F6-B498-43B3-948B-1728B52AA6E4}">
+                  <adec:decorative xmlns:adec="http://schemas.microsoft.com/office/drawing/2017/decorative" val="1"/>
+                </a:ext>
+              </a:extLst>
+            </p:cNvPr>
+            <p:cNvSpPr/>
+            <p:nvPr>
+              <p:extLst>
+                <p:ext uri="{386F3935-93C4-4BCD-93E2-E3B085C9AB24}">
+                  <p16:designElem xmlns:p16="http://schemas.microsoft.com/office/powerpoint/2015/main" val="1"/>
+                </p:ext>
+              </p:extLst>
+            </p:nvPr>
+          </p:nvSpPr>
+          <p:spPr bwMode="auto">
+            <a:xfrm>
+              <a:off x="251351" y="1788400"/>
+              <a:ext cx="8035925" cy="5083516"/>
+            </a:xfrm>
+            <a:custGeom>
+              <a:avLst/>
+              <a:gdLst/>
+              <a:ahLst/>
+              <a:cxnLst/>
+              <a:rect l="0" t="0" r="r" b="b"/>
+              <a:pathLst>
+                <a:path w="1688" h="1066">
+                  <a:moveTo>
+                    <a:pt x="1302" y="1066"/>
+                  </a:moveTo>
+                  <a:cubicBezTo>
+                    <a:pt x="1416" y="1024"/>
+                    <a:pt x="1551" y="962"/>
+                    <a:pt x="1613" y="850"/>
+                  </a:cubicBezTo>
+                  <a:cubicBezTo>
+                    <a:pt x="1688" y="715"/>
+                    <a:pt x="1606" y="575"/>
+                    <a:pt x="1517" y="471"/>
+                  </a:cubicBezTo>
+                  <a:cubicBezTo>
+                    <a:pt x="1336" y="258"/>
+                    <a:pt x="1084" y="62"/>
+                    <a:pt x="798" y="28"/>
+                  </a:cubicBezTo>
+                  <a:cubicBezTo>
+                    <a:pt x="559" y="0"/>
+                    <a:pt x="317" y="138"/>
+                    <a:pt x="181" y="333"/>
+                  </a:cubicBezTo>
+                  <a:cubicBezTo>
+                    <a:pt x="0" y="592"/>
+                    <a:pt x="191" y="907"/>
+                    <a:pt x="420" y="1066"/>
+                  </a:cubicBezTo>
+                </a:path>
+              </a:pathLst>
+            </a:custGeom>
+            <a:noFill/>
+            <a:ln w="9525" cap="flat">
+              <a:solidFill>
+                <a:schemeClr val="tx1">
+                  <a:alpha val="20000"/>
+                </a:schemeClr>
+              </a:solidFill>
+              <a:prstDash val="dash"/>
+              <a:miter lim="800000"/>
+              <a:headEnd/>
+              <a:tailEnd/>
+            </a:ln>
+            <a:extLst>
+              <a:ext uri="{909E8E84-426E-40DD-AFC4-6F175D3DCCD1}">
+                <a14:hiddenFill xmlns:a14="http://schemas.microsoft.com/office/drawing/2010/main">
+                  <a:solidFill>
+                    <a:srgbClr val="FFFFFF"/>
+                  </a:solidFill>
+                </a14:hiddenFill>
+              </a:ext>
+            </a:extLst>
+          </p:spPr>
+        </p:sp>
+        <p:sp>
+          <p:nvSpPr>
+            <p:cNvPr id="13" name="Freeform 8">
+              <a:extLst>
+                <a:ext uri="{FF2B5EF4-FFF2-40B4-BE49-F238E27FC236}">
+                  <a16:creationId xmlns:a16="http://schemas.microsoft.com/office/drawing/2014/main" id="{CC286005-78D5-4BE4-AA8B-75CDC07E7864}"/>
+                </a:ext>
+                <a:ext uri="{C183D7F6-B498-43B3-948B-1728B52AA6E4}">
+                  <adec:decorative xmlns:adec="http://schemas.microsoft.com/office/drawing/2017/decorative" val="1"/>
+                </a:ext>
+              </a:extLst>
+            </p:cNvPr>
+            <p:cNvSpPr/>
+            <p:nvPr>
+              <p:extLst>
+                <p:ext uri="{386F3935-93C4-4BCD-93E2-E3B085C9AB24}">
+                  <p16:designElem xmlns:p16="http://schemas.microsoft.com/office/powerpoint/2015/main" val="1"/>
+                </p:ext>
+              </p:extLst>
+            </p:nvPr>
+          </p:nvSpPr>
+          <p:spPr bwMode="auto">
+            <a:xfrm>
+              <a:off x="-1061" y="549842"/>
+              <a:ext cx="10334625" cy="6322075"/>
+            </a:xfrm>
+            <a:custGeom>
+              <a:avLst/>
+              <a:gdLst/>
+              <a:ahLst/>
+              <a:cxnLst/>
+              <a:rect l="0" t="0" r="r" b="b"/>
+              <a:pathLst>
+                <a:path w="2171" h="1326">
+                  <a:moveTo>
+                    <a:pt x="1873" y="1326"/>
+                  </a:moveTo>
+                  <a:cubicBezTo>
+                    <a:pt x="2171" y="1045"/>
+                    <a:pt x="1825" y="678"/>
+                    <a:pt x="1609" y="473"/>
+                  </a:cubicBezTo>
+                  <a:cubicBezTo>
+                    <a:pt x="1406" y="281"/>
+                    <a:pt x="1159" y="116"/>
+                    <a:pt x="880" y="63"/>
+                  </a:cubicBezTo>
+                  <a:cubicBezTo>
+                    <a:pt x="545" y="0"/>
+                    <a:pt x="214" y="161"/>
+                    <a:pt x="0" y="423"/>
+                  </a:cubicBezTo>
+                </a:path>
+              </a:pathLst>
+            </a:custGeom>
+            <a:noFill/>
+            <a:ln w="9525" cap="flat">
+              <a:solidFill>
+                <a:schemeClr val="tx1">
+                  <a:alpha val="20000"/>
+                </a:schemeClr>
+              </a:solidFill>
+              <a:prstDash val="solid"/>
+              <a:miter lim="800000"/>
+              <a:headEnd/>
+              <a:tailEnd/>
+            </a:ln>
+            <a:extLst>
+              <a:ext uri="{909E8E84-426E-40DD-AFC4-6F175D3DCCD1}">
+                <a14:hiddenFill xmlns:a14="http://schemas.microsoft.com/office/drawing/2010/main">
+                  <a:solidFill>
+                    <a:srgbClr val="FFFFFF"/>
+                  </a:solidFill>
+                </a14:hiddenFill>
+              </a:ext>
+            </a:extLst>
+          </p:spPr>
+        </p:sp>
+        <p:sp>
+          <p:nvSpPr>
+            <p:cNvPr id="14" name="Freeform 9">
+              <a:extLst>
+                <a:ext uri="{FF2B5EF4-FFF2-40B4-BE49-F238E27FC236}">
+                  <a16:creationId xmlns:a16="http://schemas.microsoft.com/office/drawing/2014/main" id="{09E4A22D-7E83-4F24-97FE-931A93CACC70}"/>
+                </a:ext>
+                <a:ext uri="{C183D7F6-B498-43B3-948B-1728B52AA6E4}">
+                  <adec:decorative xmlns:adec="http://schemas.microsoft.com/office/drawing/2017/decorative" val="1"/>
+                </a:ext>
+              </a:extLst>
+            </p:cNvPr>
+            <p:cNvSpPr/>
+            <p:nvPr>
+              <p:extLst>
+                <p:ext uri="{386F3935-93C4-4BCD-93E2-E3B085C9AB24}">
+                  <p16:designElem xmlns:p16="http://schemas.microsoft.com/office/powerpoint/2015/main" val="1"/>
+                </p:ext>
+              </p:extLst>
+            </p:nvPr>
+          </p:nvSpPr>
+          <p:spPr bwMode="auto">
+            <a:xfrm>
+              <a:off x="3701" y="6186246"/>
+              <a:ext cx="504825" cy="681527"/>
+            </a:xfrm>
+            <a:custGeom>
+              <a:avLst/>
+              <a:gdLst/>
+              <a:ahLst/>
+              <a:cxnLst/>
+              <a:rect l="0" t="0" r="r" b="b"/>
+              <a:pathLst>
+                <a:path w="106" h="143">
+                  <a:moveTo>
+                    <a:pt x="0" y="0"/>
+                  </a:moveTo>
+                  <a:cubicBezTo>
+                    <a:pt x="35" y="54"/>
+                    <a:pt x="70" y="101"/>
+                    <a:pt x="106" y="143"/>
+                  </a:cubicBezTo>
+                </a:path>
+              </a:pathLst>
+            </a:custGeom>
+            <a:noFill/>
+            <a:ln w="4763" cap="flat">
+              <a:solidFill>
+                <a:schemeClr val="tx1">
+                  <a:alpha val="20000"/>
+                </a:schemeClr>
+              </a:solidFill>
+              <a:prstDash val="solid"/>
+              <a:miter lim="800000"/>
+              <a:headEnd/>
+              <a:tailEnd/>
+            </a:ln>
+            <a:extLst>
+              <a:ext uri="{909E8E84-426E-40DD-AFC4-6F175D3DCCD1}">
+                <a14:hiddenFill xmlns:a14="http://schemas.microsoft.com/office/drawing/2010/main">
+                  <a:solidFill>
+                    <a:srgbClr val="FFFFFF"/>
+                  </a:solidFill>
+                </a14:hiddenFill>
+              </a:ext>
+            </a:extLst>
+          </p:spPr>
+        </p:sp>
+        <p:sp>
+          <p:nvSpPr>
+            <p:cNvPr id="15" name="Freeform 10">
+              <a:extLst>
+                <a:ext uri="{FF2B5EF4-FFF2-40B4-BE49-F238E27FC236}">
+                  <a16:creationId xmlns:a16="http://schemas.microsoft.com/office/drawing/2014/main" id="{4351E96B-8DD4-4D5E-A9F0-C47F5F33781B}"/>
+                </a:ext>
+                <a:ext uri="{C183D7F6-B498-43B3-948B-1728B52AA6E4}">
+                  <adec:decorative xmlns:adec="http://schemas.microsoft.com/office/drawing/2017/decorative" val="1"/>
+                </a:ext>
+              </a:extLst>
+            </p:cNvPr>
+            <p:cNvSpPr/>
+            <p:nvPr>
+              <p:extLst>
+                <p:ext uri="{386F3935-93C4-4BCD-93E2-E3B085C9AB24}">
+                  <p16:designElem xmlns:p16="http://schemas.microsoft.com/office/powerpoint/2015/main" val="1"/>
+                </p:ext>
+              </p:extLst>
+            </p:nvPr>
+          </p:nvSpPr>
+          <p:spPr bwMode="auto">
+            <a:xfrm>
+              <a:off x="-1061" y="-51881"/>
+              <a:ext cx="11091863" cy="6923796"/>
+            </a:xfrm>
+            <a:custGeom>
+              <a:avLst/>
+              <a:gdLst/>
+              <a:ahLst/>
+              <a:cxnLst/>
+              <a:rect l="0" t="0" r="r" b="b"/>
+              <a:pathLst>
+                <a:path w="2330" h="1452">
+                  <a:moveTo>
+                    <a:pt x="2046" y="1452"/>
+                  </a:moveTo>
+                  <a:cubicBezTo>
+                    <a:pt x="2330" y="1153"/>
+                    <a:pt x="2049" y="821"/>
+                    <a:pt x="1813" y="601"/>
+                  </a:cubicBezTo>
+                  <a:cubicBezTo>
+                    <a:pt x="1569" y="375"/>
+                    <a:pt x="1282" y="179"/>
+                    <a:pt x="956" y="97"/>
+                  </a:cubicBezTo>
+                  <a:cubicBezTo>
+                    <a:pt x="572" y="0"/>
+                    <a:pt x="292" y="101"/>
+                    <a:pt x="0" y="366"/>
+                  </a:cubicBezTo>
+                </a:path>
+              </a:pathLst>
+            </a:custGeom>
+            <a:noFill/>
+            <a:ln w="9525" cap="flat">
+              <a:solidFill>
+                <a:schemeClr val="tx1">
+                  <a:alpha val="20000"/>
+                </a:schemeClr>
+              </a:solidFill>
+              <a:prstDash val="solid"/>
+              <a:miter lim="800000"/>
+              <a:headEnd/>
+              <a:tailEnd/>
+            </a:ln>
+            <a:extLst>
+              <a:ext uri="{909E8E84-426E-40DD-AFC4-6F175D3DCCD1}">
+                <a14:hiddenFill xmlns:a14="http://schemas.microsoft.com/office/drawing/2010/main">
+                  <a:solidFill>
+                    <a:srgbClr val="FFFFFF"/>
+                  </a:solidFill>
+                </a14:hiddenFill>
+              </a:ext>
+            </a:extLst>
+          </p:spPr>
+        </p:sp>
+        <p:sp>
+          <p:nvSpPr>
+            <p:cNvPr id="16" name="Freeform 11">
+              <a:extLst>
+                <a:ext uri="{FF2B5EF4-FFF2-40B4-BE49-F238E27FC236}">
+                  <a16:creationId xmlns:a16="http://schemas.microsoft.com/office/drawing/2014/main" id="{BFF78610-2475-4756-9EC8-5DA7D8902D5B}"/>
+                </a:ext>
+                <a:ext uri="{C183D7F6-B498-43B3-948B-1728B52AA6E4}">
+                  <adec:decorative xmlns:adec="http://schemas.microsoft.com/office/drawing/2017/decorative" val="1"/>
+                </a:ext>
+              </a:extLst>
+            </p:cNvPr>
+            <p:cNvSpPr/>
+            <p:nvPr>
+              <p:extLst>
+                <p:ext uri="{386F3935-93C4-4BCD-93E2-E3B085C9AB24}">
+                  <p16:designElem xmlns:p16="http://schemas.microsoft.com/office/powerpoint/2015/main" val="1"/>
+                </p:ext>
+              </p:extLst>
+            </p:nvPr>
+          </p:nvSpPr>
+          <p:spPr bwMode="auto">
+            <a:xfrm>
+              <a:off x="5426601" y="5579"/>
+              <a:ext cx="5788025" cy="6847184"/>
+            </a:xfrm>
+            <a:custGeom>
+              <a:avLst/>
+              <a:gdLst/>
+              <a:ahLst/>
+              <a:cxnLst/>
+              <a:rect l="0" t="0" r="r" b="b"/>
+              <a:pathLst>
+                <a:path w="1216" h="1436">
+                  <a:moveTo>
+                    <a:pt x="1094" y="1436"/>
+                  </a:moveTo>
+                  <a:cubicBezTo>
+                    <a:pt x="1216" y="1114"/>
+                    <a:pt x="904" y="770"/>
+                    <a:pt x="709" y="551"/>
+                  </a:cubicBezTo>
+                  <a:cubicBezTo>
+                    <a:pt x="509" y="327"/>
+                    <a:pt x="274" y="127"/>
+                    <a:pt x="0" y="0"/>
+                  </a:cubicBezTo>
+                </a:path>
+              </a:pathLst>
+            </a:custGeom>
+            <a:noFill/>
+            <a:ln w="9525" cap="flat">
+              <a:solidFill>
+                <a:schemeClr val="tx1">
+                  <a:alpha val="20000"/>
+                </a:schemeClr>
+              </a:solidFill>
+              <a:prstDash val="solid"/>
+              <a:miter lim="800000"/>
+              <a:headEnd/>
+              <a:tailEnd/>
+            </a:ln>
+            <a:extLst>
+              <a:ext uri="{909E8E84-426E-40DD-AFC4-6F175D3DCCD1}">
+                <a14:hiddenFill xmlns:a14="http://schemas.microsoft.com/office/drawing/2010/main">
+                  <a:solidFill>
+                    <a:srgbClr val="FFFFFF"/>
+                  </a:solidFill>
+                </a14:hiddenFill>
+              </a:ext>
+            </a:extLst>
+          </p:spPr>
+        </p:sp>
+        <p:sp>
+          <p:nvSpPr>
+            <p:cNvPr id="17" name="Freeform 12">
+              <a:extLst>
+                <a:ext uri="{FF2B5EF4-FFF2-40B4-BE49-F238E27FC236}">
+                  <a16:creationId xmlns:a16="http://schemas.microsoft.com/office/drawing/2014/main" id="{C7ACAE44-681D-4CBC-B2AB-E5131DF5A867}"/>
+                </a:ext>
+                <a:ext uri="{C183D7F6-B498-43B3-948B-1728B52AA6E4}">
+                  <adec:decorative xmlns:adec="http://schemas.microsoft.com/office/drawing/2017/decorative" val="1"/>
+                </a:ext>
+              </a:extLst>
+            </p:cNvPr>
+            <p:cNvSpPr/>
+            <p:nvPr>
+              <p:extLst>
+                <p:ext uri="{386F3935-93C4-4BCD-93E2-E3B085C9AB24}">
+                  <p16:designElem xmlns:p16="http://schemas.microsoft.com/office/powerpoint/2015/main" val="1"/>
+                </p:ext>
+              </p:extLst>
+            </p:nvPr>
+          </p:nvSpPr>
+          <p:spPr bwMode="auto">
+            <a:xfrm>
+              <a:off x="-1061" y="5579"/>
+              <a:ext cx="1057275" cy="614491"/>
+            </a:xfrm>
+            <a:custGeom>
+              <a:avLst/>
+              <a:gdLst/>
+              <a:ahLst/>
+              <a:cxnLst/>
+              <a:rect l="0" t="0" r="r" b="b"/>
+              <a:pathLst>
+                <a:path w="222" h="129">
+                  <a:moveTo>
+                    <a:pt x="222" y="0"/>
+                  </a:moveTo>
+                  <a:cubicBezTo>
+                    <a:pt x="152" y="35"/>
+                    <a:pt x="76" y="78"/>
+                    <a:pt x="0" y="129"/>
+                  </a:cubicBezTo>
+                </a:path>
+              </a:pathLst>
+            </a:custGeom>
+            <a:noFill/>
+            <a:ln w="9525" cap="flat">
+              <a:solidFill>
+                <a:schemeClr val="tx1">
+                  <a:alpha val="20000"/>
+                </a:schemeClr>
+              </a:solidFill>
+              <a:prstDash val="solid"/>
+              <a:miter lim="800000"/>
+              <a:headEnd/>
+              <a:tailEnd/>
+            </a:ln>
+            <a:extLst>
+              <a:ext uri="{909E8E84-426E-40DD-AFC4-6F175D3DCCD1}">
+                <a14:hiddenFill xmlns:a14="http://schemas.microsoft.com/office/drawing/2010/main">
+                  <a:solidFill>
+                    <a:srgbClr val="FFFFFF"/>
+                  </a:solidFill>
+                </a14:hiddenFill>
+              </a:ext>
+            </a:extLst>
+          </p:spPr>
+        </p:sp>
+        <p:sp>
+          <p:nvSpPr>
+            <p:cNvPr id="18" name="Freeform 13">
+              <a:extLst>
+                <a:ext uri="{FF2B5EF4-FFF2-40B4-BE49-F238E27FC236}">
+                  <a16:creationId xmlns:a16="http://schemas.microsoft.com/office/drawing/2014/main" id="{CA22E4A0-73AA-4722-9C16-F3AF9A33EC5C}"/>
+                </a:ext>
+                <a:ext uri="{C183D7F6-B498-43B3-948B-1728B52AA6E4}">
+                  <adec:decorative xmlns:adec="http://schemas.microsoft.com/office/drawing/2017/decorative" val="1"/>
+                </a:ext>
+              </a:extLst>
+            </p:cNvPr>
+            <p:cNvSpPr/>
+            <p:nvPr>
+              <p:extLst>
+                <p:ext uri="{386F3935-93C4-4BCD-93E2-E3B085C9AB24}">
+                  <p16:designElem xmlns:p16="http://schemas.microsoft.com/office/powerpoint/2015/main" val="1"/>
+                </p:ext>
+              </p:extLst>
+            </p:nvPr>
+          </p:nvSpPr>
+          <p:spPr bwMode="auto">
+            <a:xfrm>
+              <a:off x="5821889" y="5579"/>
+              <a:ext cx="5588000" cy="6866337"/>
+            </a:xfrm>
+            <a:custGeom>
+              <a:avLst/>
+              <a:gdLst/>
+              <a:ahLst/>
+              <a:cxnLst/>
+              <a:rect l="0" t="0" r="r" b="b"/>
+              <a:pathLst>
+                <a:path w="1174" h="1440">
+                  <a:moveTo>
+                    <a:pt x="1067" y="1440"/>
+                  </a:moveTo>
+                  <a:cubicBezTo>
+                    <a:pt x="1174" y="1124"/>
+                    <a:pt x="887" y="797"/>
+                    <a:pt x="698" y="577"/>
+                  </a:cubicBezTo>
+                  <a:cubicBezTo>
+                    <a:pt x="500" y="348"/>
+                    <a:pt x="270" y="141"/>
+                    <a:pt x="0" y="0"/>
+                  </a:cubicBezTo>
+                </a:path>
+              </a:pathLst>
+            </a:custGeom>
+            <a:noFill/>
+            <a:ln w="9525" cap="flat">
+              <a:solidFill>
+                <a:schemeClr val="tx1">
+                  <a:alpha val="20000"/>
+                </a:schemeClr>
+              </a:solidFill>
+              <a:prstDash val="dash"/>
+              <a:miter lim="800000"/>
+              <a:headEnd/>
+              <a:tailEnd/>
+            </a:ln>
+            <a:extLst>
+              <a:ext uri="{909E8E84-426E-40DD-AFC4-6F175D3DCCD1}">
+                <a14:hiddenFill xmlns:a14="http://schemas.microsoft.com/office/drawing/2010/main">
+                  <a:solidFill>
+                    <a:srgbClr val="FFFFFF"/>
+                  </a:solidFill>
+                </a14:hiddenFill>
+              </a:ext>
+            </a:extLst>
+          </p:spPr>
+        </p:sp>
+        <p:sp>
+          <p:nvSpPr>
+            <p:cNvPr id="19" name="Freeform 14">
+              <a:extLst>
+                <a:ext uri="{FF2B5EF4-FFF2-40B4-BE49-F238E27FC236}">
+                  <a16:creationId xmlns:a16="http://schemas.microsoft.com/office/drawing/2014/main" id="{BB36E626-EBEB-41C0-B224-8DB049DB4D72}"/>
+                </a:ext>
+                <a:ext uri="{C183D7F6-B498-43B3-948B-1728B52AA6E4}">
+                  <adec:decorative xmlns:adec="http://schemas.microsoft.com/office/drawing/2017/decorative" val="1"/>
+                </a:ext>
+              </a:extLst>
+            </p:cNvPr>
+            <p:cNvSpPr/>
+            <p:nvPr>
+              <p:extLst>
+                <p:ext uri="{386F3935-93C4-4BCD-93E2-E3B085C9AB24}">
+                  <p16:designElem xmlns:p16="http://schemas.microsoft.com/office/powerpoint/2015/main" val="1"/>
+                </p:ext>
+              </p:extLst>
+            </p:nvPr>
+          </p:nvSpPr>
+          <p:spPr bwMode="auto">
+            <a:xfrm>
+              <a:off x="3701" y="790"/>
+              <a:ext cx="595313" cy="352734"/>
+            </a:xfrm>
+            <a:custGeom>
+              <a:avLst/>
+              <a:gdLst/>
+              <a:ahLst/>
+              <a:cxnLst/>
+              <a:rect l="0" t="0" r="r" b="b"/>
+              <a:pathLst>
+                <a:path w="125" h="74">
+                  <a:moveTo>
+                    <a:pt x="125" y="0"/>
+                  </a:moveTo>
+                  <a:cubicBezTo>
+                    <a:pt x="85" y="22"/>
+                    <a:pt x="43" y="47"/>
+                    <a:pt x="0" y="74"/>
+                  </a:cubicBezTo>
+                </a:path>
+              </a:pathLst>
+            </a:custGeom>
+            <a:noFill/>
+            <a:ln w="9525" cap="flat">
+              <a:solidFill>
+                <a:schemeClr val="tx1">
+                  <a:alpha val="20000"/>
+                </a:schemeClr>
+              </a:solidFill>
+              <a:prstDash val="dash"/>
+              <a:miter lim="800000"/>
+              <a:headEnd/>
+              <a:tailEnd/>
+            </a:ln>
+            <a:extLst>
+              <a:ext uri="{909E8E84-426E-40DD-AFC4-6F175D3DCCD1}">
+                <a14:hiddenFill xmlns:a14="http://schemas.microsoft.com/office/drawing/2010/main">
+                  <a:solidFill>
+                    <a:srgbClr val="FFFFFF"/>
+                  </a:solidFill>
+                </a14:hiddenFill>
+              </a:ext>
+            </a:extLst>
+          </p:spPr>
+        </p:sp>
+        <p:sp>
+          <p:nvSpPr>
+            <p:cNvPr id="20" name="Freeform 15">
+              <a:extLst>
+                <a:ext uri="{FF2B5EF4-FFF2-40B4-BE49-F238E27FC236}">
+                  <a16:creationId xmlns:a16="http://schemas.microsoft.com/office/drawing/2014/main" id="{D603DEC5-BED4-4DB6-A253-F61CC367423A}"/>
+                </a:ext>
+                <a:ext uri="{C183D7F6-B498-43B3-948B-1728B52AA6E4}">
+                  <adec:decorative xmlns:adec="http://schemas.microsoft.com/office/drawing/2017/decorative" val="1"/>
+                </a:ext>
+              </a:extLst>
+            </p:cNvPr>
+            <p:cNvSpPr/>
+            <p:nvPr>
+              <p:extLst>
+                <p:ext uri="{386F3935-93C4-4BCD-93E2-E3B085C9AB24}">
+                  <p16:designElem xmlns:p16="http://schemas.microsoft.com/office/powerpoint/2015/main" val="1"/>
+                </p:ext>
+              </p:extLst>
+            </p:nvPr>
+          </p:nvSpPr>
+          <p:spPr bwMode="auto">
+            <a:xfrm>
+              <a:off x="6012389" y="5579"/>
+              <a:ext cx="5497513" cy="6866337"/>
+            </a:xfrm>
+            <a:custGeom>
+              <a:avLst/>
+              <a:gdLst/>
+              <a:ahLst/>
+              <a:cxnLst/>
+              <a:rect l="0" t="0" r="r" b="b"/>
+              <a:pathLst>
+                <a:path w="1155" h="1440">
+                  <a:moveTo>
+                    <a:pt x="1056" y="1440"/>
+                  </a:moveTo>
+                  <a:cubicBezTo>
+                    <a:pt x="1155" y="1123"/>
+                    <a:pt x="875" y="801"/>
+                    <a:pt x="686" y="580"/>
+                  </a:cubicBezTo>
+                  <a:cubicBezTo>
+                    <a:pt x="491" y="352"/>
+                    <a:pt x="264" y="145"/>
+                    <a:pt x="0" y="0"/>
+                  </a:cubicBezTo>
+                </a:path>
+              </a:pathLst>
+            </a:custGeom>
+            <a:noFill/>
+            <a:ln w="12700" cap="flat">
+              <a:solidFill>
+                <a:schemeClr val="tx1">
+                  <a:alpha val="20000"/>
+                </a:schemeClr>
+              </a:solidFill>
+              <a:prstDash val="dashDot"/>
+              <a:miter lim="800000"/>
+              <a:headEnd/>
+              <a:tailEnd/>
+            </a:ln>
+            <a:extLst>
+              <a:ext uri="{909E8E84-426E-40DD-AFC4-6F175D3DCCD1}">
+                <a14:hiddenFill xmlns:a14="http://schemas.microsoft.com/office/drawing/2010/main">
+                  <a:solidFill>
+                    <a:srgbClr val="FFFFFF"/>
+                  </a:solidFill>
+                </a14:hiddenFill>
+              </a:ext>
+            </a:extLst>
+          </p:spPr>
+        </p:sp>
+        <p:sp>
+          <p:nvSpPr>
+            <p:cNvPr id="21" name="Freeform 16">
+              <a:extLst>
+                <a:ext uri="{FF2B5EF4-FFF2-40B4-BE49-F238E27FC236}">
+                  <a16:creationId xmlns:a16="http://schemas.microsoft.com/office/drawing/2014/main" id="{86AE9DE6-CA9A-479B-A0FB-0E1BAC7A65ED}"/>
+                </a:ext>
+                <a:ext uri="{C183D7F6-B498-43B3-948B-1728B52AA6E4}">
+                  <adec:decorative xmlns:adec="http://schemas.microsoft.com/office/drawing/2017/decorative" val="1"/>
+                </a:ext>
+              </a:extLst>
+            </p:cNvPr>
+            <p:cNvSpPr/>
+            <p:nvPr>
+              <p:extLst>
+                <p:ext uri="{386F3935-93C4-4BCD-93E2-E3B085C9AB24}">
+                  <p16:designElem xmlns:p16="http://schemas.microsoft.com/office/powerpoint/2015/main" val="1"/>
+                </p:ext>
+              </p:extLst>
+            </p:nvPr>
+          </p:nvSpPr>
+          <p:spPr bwMode="auto">
+            <a:xfrm>
+              <a:off x="-1061" y="5579"/>
+              <a:ext cx="357188" cy="213875"/>
+            </a:xfrm>
+            <a:custGeom>
+              <a:avLst/>
+              <a:gdLst/>
+              <a:ahLst/>
+              <a:cxnLst/>
+              <a:rect l="0" t="0" r="r" b="b"/>
+              <a:pathLst>
+                <a:path w="75" h="45">
+                  <a:moveTo>
+                    <a:pt x="75" y="0"/>
+                  </a:moveTo>
+                  <a:cubicBezTo>
+                    <a:pt x="50" y="14"/>
+                    <a:pt x="25" y="29"/>
+                    <a:pt x="0" y="45"/>
+                  </a:cubicBezTo>
+                </a:path>
+              </a:pathLst>
+            </a:custGeom>
+            <a:noFill/>
+            <a:ln w="12700" cap="flat">
+              <a:solidFill>
+                <a:schemeClr val="tx1">
+                  <a:alpha val="20000"/>
+                </a:schemeClr>
+              </a:solidFill>
+              <a:prstDash val="dashDot"/>
+              <a:miter lim="800000"/>
+              <a:headEnd/>
+              <a:tailEnd/>
+            </a:ln>
+            <a:extLst>
+              <a:ext uri="{909E8E84-426E-40DD-AFC4-6F175D3DCCD1}">
+                <a14:hiddenFill xmlns:a14="http://schemas.microsoft.com/office/drawing/2010/main">
+                  <a:solidFill>
+                    <a:srgbClr val="FFFFFF"/>
+                  </a:solidFill>
+                </a14:hiddenFill>
+              </a:ext>
+            </a:extLst>
+          </p:spPr>
+        </p:sp>
+        <p:sp>
+          <p:nvSpPr>
+            <p:cNvPr id="22" name="Freeform 17">
+              <a:extLst>
+                <a:ext uri="{FF2B5EF4-FFF2-40B4-BE49-F238E27FC236}">
+                  <a16:creationId xmlns:a16="http://schemas.microsoft.com/office/drawing/2014/main" id="{16CB8DC8-E75F-4574-A290-AAB7031BE8A3}"/>
+                </a:ext>
+                <a:ext uri="{C183D7F6-B498-43B3-948B-1728B52AA6E4}">
+                  <adec:decorative xmlns:adec="http://schemas.microsoft.com/office/drawing/2017/decorative" val="1"/>
+                </a:ext>
+              </a:extLst>
+            </p:cNvPr>
+            <p:cNvSpPr/>
+            <p:nvPr>
+              <p:extLst>
+                <p:ext uri="{386F3935-93C4-4BCD-93E2-E3B085C9AB24}">
+                  <p16:designElem xmlns:p16="http://schemas.microsoft.com/office/powerpoint/2015/main" val="1"/>
+                </p:ext>
+              </p:extLst>
+            </p:nvPr>
+          </p:nvSpPr>
+          <p:spPr bwMode="auto">
+            <a:xfrm>
+              <a:off x="6210826" y="790"/>
+              <a:ext cx="5522913" cy="6871126"/>
+            </a:xfrm>
+            <a:custGeom>
+              <a:avLst/>
+              <a:gdLst/>
+              <a:ahLst/>
+              <a:cxnLst/>
+              <a:rect l="0" t="0" r="r" b="b"/>
+              <a:pathLst>
+                <a:path w="1160" h="1441">
+                  <a:moveTo>
+                    <a:pt x="1053" y="1441"/>
+                  </a:moveTo>
+                  <a:cubicBezTo>
+                    <a:pt x="1160" y="1129"/>
+                    <a:pt x="892" y="817"/>
+                    <a:pt x="705" y="599"/>
+                  </a:cubicBezTo>
+                  <a:cubicBezTo>
+                    <a:pt x="503" y="365"/>
+                    <a:pt x="270" y="152"/>
+                    <a:pt x="0" y="0"/>
+                  </a:cubicBezTo>
+                </a:path>
+              </a:pathLst>
+            </a:custGeom>
+            <a:noFill/>
+            <a:ln w="9525" cap="flat">
+              <a:solidFill>
+                <a:schemeClr val="tx1">
+                  <a:alpha val="20000"/>
+                </a:schemeClr>
+              </a:solidFill>
+              <a:prstDash val="solid"/>
+              <a:miter lim="800000"/>
+              <a:headEnd/>
+              <a:tailEnd/>
+            </a:ln>
+            <a:extLst>
+              <a:ext uri="{909E8E84-426E-40DD-AFC4-6F175D3DCCD1}">
+                <a14:hiddenFill xmlns:a14="http://schemas.microsoft.com/office/drawing/2010/main">
+                  <a:solidFill>
+                    <a:srgbClr val="FFFFFF"/>
+                  </a:solidFill>
+                </a14:hiddenFill>
+              </a:ext>
+            </a:extLst>
+          </p:spPr>
+        </p:sp>
+        <p:sp>
+          <p:nvSpPr>
+            <p:cNvPr id="23" name="Freeform 18">
+              <a:extLst>
+                <a:ext uri="{FF2B5EF4-FFF2-40B4-BE49-F238E27FC236}">
+                  <a16:creationId xmlns:a16="http://schemas.microsoft.com/office/drawing/2014/main" id="{1CA657E1-3A52-4C23-AA47-EBB2D5C41487}"/>
+                </a:ext>
+                <a:ext uri="{C183D7F6-B498-43B3-948B-1728B52AA6E4}">
+                  <adec:decorative xmlns:adec="http://schemas.microsoft.com/office/drawing/2017/decorative" val="1"/>
+                </a:ext>
+              </a:extLst>
+            </p:cNvPr>
+            <p:cNvSpPr/>
+            <p:nvPr>
+              <p:extLst>
+                <p:ext uri="{386F3935-93C4-4BCD-93E2-E3B085C9AB24}">
+                  <p16:designElem xmlns:p16="http://schemas.microsoft.com/office/powerpoint/2015/main" val="1"/>
+                </p:ext>
+              </p:extLst>
+            </p:nvPr>
+          </p:nvSpPr>
+          <p:spPr bwMode="auto">
+            <a:xfrm>
+              <a:off x="6463239" y="5579"/>
+              <a:ext cx="5413375" cy="6866337"/>
+            </a:xfrm>
+            <a:custGeom>
+              <a:avLst/>
+              <a:gdLst/>
+              <a:ahLst/>
+              <a:cxnLst/>
+              <a:rect l="0" t="0" r="r" b="b"/>
+              <a:pathLst>
+                <a:path w="1137" h="1440">
+                  <a:moveTo>
+                    <a:pt x="1040" y="1440"/>
+                  </a:moveTo>
+                  <a:cubicBezTo>
+                    <a:pt x="1137" y="1131"/>
+                    <a:pt x="883" y="828"/>
+                    <a:pt x="698" y="611"/>
+                  </a:cubicBezTo>
+                  <a:cubicBezTo>
+                    <a:pt x="498" y="375"/>
+                    <a:pt x="268" y="159"/>
+                    <a:pt x="0" y="0"/>
+                  </a:cubicBezTo>
+                </a:path>
+              </a:pathLst>
+            </a:custGeom>
+            <a:noFill/>
+            <a:ln w="9525" cap="flat">
+              <a:solidFill>
+                <a:schemeClr val="tx1">
+                  <a:alpha val="20000"/>
+                </a:schemeClr>
+              </a:solidFill>
+              <a:prstDash val="solid"/>
+              <a:miter lim="800000"/>
+              <a:headEnd/>
+              <a:tailEnd/>
+            </a:ln>
+            <a:extLst>
+              <a:ext uri="{909E8E84-426E-40DD-AFC4-6F175D3DCCD1}">
+                <a14:hiddenFill xmlns:a14="http://schemas.microsoft.com/office/drawing/2010/main">
+                  <a:solidFill>
+                    <a:srgbClr val="FFFFFF"/>
+                  </a:solidFill>
+                </a14:hiddenFill>
+              </a:ext>
+            </a:extLst>
+          </p:spPr>
+        </p:sp>
+        <p:sp>
+          <p:nvSpPr>
+            <p:cNvPr id="24" name="Freeform 19">
+              <a:extLst>
+                <a:ext uri="{FF2B5EF4-FFF2-40B4-BE49-F238E27FC236}">
+                  <a16:creationId xmlns:a16="http://schemas.microsoft.com/office/drawing/2014/main" id="{ED4F701B-2A93-464F-A673-54EED5C4C4CE}"/>
+                </a:ext>
+                <a:ext uri="{C183D7F6-B498-43B3-948B-1728B52AA6E4}">
+                  <adec:decorative xmlns:adec="http://schemas.microsoft.com/office/drawing/2017/decorative" val="1"/>
+                </a:ext>
+              </a:extLst>
+            </p:cNvPr>
+            <p:cNvSpPr/>
+            <p:nvPr>
+              <p:extLst>
+                <p:ext uri="{386F3935-93C4-4BCD-93E2-E3B085C9AB24}">
+                  <p16:designElem xmlns:p16="http://schemas.microsoft.com/office/powerpoint/2015/main" val="1"/>
+                </p:ext>
+              </p:extLst>
+            </p:nvPr>
+          </p:nvSpPr>
+          <p:spPr bwMode="auto">
+            <a:xfrm>
+              <a:off x="6877576" y="5579"/>
+              <a:ext cx="5037138" cy="6861550"/>
+            </a:xfrm>
+            <a:custGeom>
+              <a:avLst/>
+              <a:gdLst/>
+              <a:ahLst/>
+              <a:cxnLst/>
+              <a:rect l="0" t="0" r="r" b="b"/>
+              <a:pathLst>
+                <a:path w="1058" h="1439">
+                  <a:moveTo>
+                    <a:pt x="1011" y="1439"/>
+                  </a:moveTo>
+                  <a:cubicBezTo>
+                    <a:pt x="1058" y="1131"/>
+                    <a:pt x="825" y="841"/>
+                    <a:pt x="648" y="617"/>
+                  </a:cubicBezTo>
+                  <a:cubicBezTo>
+                    <a:pt x="462" y="383"/>
+                    <a:pt x="248" y="168"/>
+                    <a:pt x="0" y="0"/>
+                  </a:cubicBezTo>
+                </a:path>
+              </a:pathLst>
+            </a:custGeom>
+            <a:noFill/>
+            <a:ln w="9525" cap="flat">
+              <a:solidFill>
+                <a:schemeClr val="tx1">
+                  <a:alpha val="20000"/>
+                </a:schemeClr>
+              </a:solidFill>
+              <a:prstDash val="solid"/>
+              <a:miter lim="800000"/>
+              <a:headEnd/>
+              <a:tailEnd/>
+            </a:ln>
+            <a:extLst>
+              <a:ext uri="{909E8E84-426E-40DD-AFC4-6F175D3DCCD1}">
+                <a14:hiddenFill xmlns:a14="http://schemas.microsoft.com/office/drawing/2010/main">
+                  <a:solidFill>
+                    <a:srgbClr val="FFFFFF"/>
+                  </a:solidFill>
+                </a14:hiddenFill>
+              </a:ext>
+            </a:extLst>
+          </p:spPr>
+        </p:sp>
+        <p:sp>
+          <p:nvSpPr>
+            <p:cNvPr id="25" name="Freeform 20">
+              <a:extLst>
+                <a:ext uri="{FF2B5EF4-FFF2-40B4-BE49-F238E27FC236}">
+                  <a16:creationId xmlns:a16="http://schemas.microsoft.com/office/drawing/2014/main" id="{9977C34F-F6C9-4749-B201-7B928802DFF9}"/>
+                </a:ext>
+                <a:ext uri="{C183D7F6-B498-43B3-948B-1728B52AA6E4}">
+                  <adec:decorative xmlns:adec="http://schemas.microsoft.com/office/drawing/2017/decorative" val="1"/>
+                </a:ext>
+              </a:extLst>
+            </p:cNvPr>
+            <p:cNvSpPr/>
+            <p:nvPr>
+              <p:extLst>
+                <p:ext uri="{386F3935-93C4-4BCD-93E2-E3B085C9AB24}">
+                  <p16:designElem xmlns:p16="http://schemas.microsoft.com/office/powerpoint/2015/main" val="1"/>
+                </p:ext>
+              </p:extLst>
+            </p:nvPr>
+          </p:nvSpPr>
+          <p:spPr bwMode="auto">
+            <a:xfrm>
+              <a:off x="8768289" y="5579"/>
+              <a:ext cx="3417888" cy="2742066"/>
+            </a:xfrm>
+            <a:custGeom>
+              <a:avLst/>
+              <a:gdLst/>
+              <a:ahLst/>
+              <a:cxnLst/>
+              <a:rect l="0" t="0" r="r" b="b"/>
+              <a:pathLst>
+                <a:path w="718" h="575">
+                  <a:moveTo>
+                    <a:pt x="718" y="575"/>
+                  </a:moveTo>
+                  <a:cubicBezTo>
+                    <a:pt x="500" y="360"/>
+                    <a:pt x="260" y="163"/>
+                    <a:pt x="0" y="0"/>
+                  </a:cubicBezTo>
+                </a:path>
+              </a:pathLst>
+            </a:custGeom>
+            <a:noFill/>
+            <a:ln w="9525" cap="flat">
+              <a:solidFill>
+                <a:schemeClr val="tx1">
+                  <a:alpha val="20000"/>
+                </a:schemeClr>
+              </a:solidFill>
+              <a:prstDash val="solid"/>
+              <a:miter lim="800000"/>
+              <a:headEnd/>
+              <a:tailEnd/>
+            </a:ln>
+            <a:extLst>
+              <a:ext uri="{909E8E84-426E-40DD-AFC4-6F175D3DCCD1}">
+                <a14:hiddenFill xmlns:a14="http://schemas.microsoft.com/office/drawing/2010/main">
+                  <a:solidFill>
+                    <a:srgbClr val="FFFFFF"/>
+                  </a:solidFill>
+                </a14:hiddenFill>
+              </a:ext>
+            </a:extLst>
+          </p:spPr>
+        </p:sp>
+        <p:sp>
+          <p:nvSpPr>
+            <p:cNvPr id="26" name="Freeform 21">
+              <a:extLst>
+                <a:ext uri="{FF2B5EF4-FFF2-40B4-BE49-F238E27FC236}">
+                  <a16:creationId xmlns:a16="http://schemas.microsoft.com/office/drawing/2014/main" id="{3A913E6B-DBE9-4291-A34C-36069ECB8E67}"/>
+                </a:ext>
+                <a:ext uri="{C183D7F6-B498-43B3-948B-1728B52AA6E4}">
+                  <adec:decorative xmlns:adec="http://schemas.microsoft.com/office/drawing/2017/decorative" val="1"/>
+                </a:ext>
+              </a:extLst>
+            </p:cNvPr>
+            <p:cNvSpPr/>
+            <p:nvPr>
+              <p:extLst>
+                <p:ext uri="{386F3935-93C4-4BCD-93E2-E3B085C9AB24}">
+                  <p16:designElem xmlns:p16="http://schemas.microsoft.com/office/powerpoint/2015/main" val="1"/>
+                </p:ext>
+              </p:extLst>
+            </p:nvPr>
+          </p:nvSpPr>
+          <p:spPr bwMode="auto">
+            <a:xfrm>
+              <a:off x="9235014" y="10367"/>
+              <a:ext cx="2951163" cy="2555325"/>
+            </a:xfrm>
+            <a:custGeom>
+              <a:avLst/>
+              <a:gdLst/>
+              <a:ahLst/>
+              <a:cxnLst/>
+              <a:rect l="0" t="0" r="r" b="b"/>
+              <a:pathLst>
+                <a:path w="620" h="536">
+                  <a:moveTo>
+                    <a:pt x="620" y="536"/>
+                  </a:moveTo>
+                  <a:cubicBezTo>
+                    <a:pt x="404" y="314"/>
+                    <a:pt x="196" y="138"/>
+                    <a:pt x="0" y="0"/>
+                  </a:cubicBezTo>
+                </a:path>
+              </a:pathLst>
+            </a:custGeom>
+            <a:noFill/>
+            <a:ln w="9525" cap="flat">
+              <a:solidFill>
+                <a:schemeClr val="tx1">
+                  <a:alpha val="20000"/>
+                </a:schemeClr>
+              </a:solidFill>
+              <a:prstDash val="solid"/>
+              <a:miter lim="800000"/>
+              <a:headEnd/>
+              <a:tailEnd/>
+            </a:ln>
+            <a:extLst>
+              <a:ext uri="{909E8E84-426E-40DD-AFC4-6F175D3DCCD1}">
+                <a14:hiddenFill xmlns:a14="http://schemas.microsoft.com/office/drawing/2010/main">
+                  <a:solidFill>
+                    <a:srgbClr val="FFFFFF"/>
+                  </a:solidFill>
+                </a14:hiddenFill>
+              </a:ext>
+            </a:extLst>
+          </p:spPr>
+        </p:sp>
+        <p:sp>
+          <p:nvSpPr>
+            <p:cNvPr id="27" name="Freeform 22">
+              <a:extLst>
+                <a:ext uri="{FF2B5EF4-FFF2-40B4-BE49-F238E27FC236}">
+                  <a16:creationId xmlns:a16="http://schemas.microsoft.com/office/drawing/2014/main" id="{7D415C04-AB5C-4B76-9E49-EEBAEE64D045}"/>
+                </a:ext>
+                <a:ext uri="{C183D7F6-B498-43B3-948B-1728B52AA6E4}">
+                  <adec:decorative xmlns:adec="http://schemas.microsoft.com/office/drawing/2017/decorative" val="1"/>
+                </a:ext>
+              </a:extLst>
+            </p:cNvPr>
+            <p:cNvSpPr/>
+            <p:nvPr>
+              <p:extLst>
+                <p:ext uri="{386F3935-93C4-4BCD-93E2-E3B085C9AB24}">
+                  <p16:designElem xmlns:p16="http://schemas.microsoft.com/office/powerpoint/2015/main" val="1"/>
+                </p:ext>
+              </p:extLst>
+            </p:nvPr>
+          </p:nvSpPr>
+          <p:spPr bwMode="auto">
+            <a:xfrm>
+              <a:off x="10020826" y="5579"/>
+              <a:ext cx="2165350" cy="1358265"/>
+            </a:xfrm>
+            <a:custGeom>
+              <a:avLst/>
+              <a:gdLst/>
+              <a:ahLst/>
+              <a:cxnLst/>
+              <a:rect l="0" t="0" r="r" b="b"/>
+              <a:pathLst>
+                <a:path w="455" h="285">
+                  <a:moveTo>
+                    <a:pt x="0" y="0"/>
+                  </a:moveTo>
+                  <a:cubicBezTo>
+                    <a:pt x="153" y="85"/>
+                    <a:pt x="308" y="180"/>
+                    <a:pt x="455" y="285"/>
+                  </a:cubicBezTo>
+                </a:path>
+              </a:pathLst>
+            </a:custGeom>
+            <a:noFill/>
+            <a:ln w="9525" cap="flat">
+              <a:solidFill>
+                <a:schemeClr val="tx1">
+                  <a:alpha val="20000"/>
+                </a:schemeClr>
+              </a:solidFill>
+              <a:prstDash val="dash"/>
+              <a:miter lim="800000"/>
+              <a:headEnd/>
+              <a:tailEnd/>
+            </a:ln>
+            <a:extLst>
+              <a:ext uri="{909E8E84-426E-40DD-AFC4-6F175D3DCCD1}">
+                <a14:hiddenFill xmlns:a14="http://schemas.microsoft.com/office/drawing/2010/main">
+                  <a:solidFill>
+                    <a:srgbClr val="FFFFFF"/>
+                  </a:solidFill>
+                </a14:hiddenFill>
+              </a:ext>
+            </a:extLst>
+          </p:spPr>
+        </p:sp>
+        <p:sp>
+          <p:nvSpPr>
+            <p:cNvPr id="28" name="Freeform 23">
+              <a:extLst>
+                <a:ext uri="{FF2B5EF4-FFF2-40B4-BE49-F238E27FC236}">
+                  <a16:creationId xmlns:a16="http://schemas.microsoft.com/office/drawing/2014/main" id="{151FDC11-E872-4EAE-A597-822F9FE17086}"/>
+                </a:ext>
+                <a:ext uri="{C183D7F6-B498-43B3-948B-1728B52AA6E4}">
+                  <adec:decorative xmlns:adec="http://schemas.microsoft.com/office/drawing/2017/decorative" val="1"/>
+                </a:ext>
+              </a:extLst>
+            </p:cNvPr>
+            <p:cNvSpPr/>
+            <p:nvPr>
+              <p:extLst>
+                <p:ext uri="{386F3935-93C4-4BCD-93E2-E3B085C9AB24}">
+                  <p16:designElem xmlns:p16="http://schemas.microsoft.com/office/powerpoint/2015/main" val="1"/>
+                </p:ext>
+              </p:extLst>
+            </p:nvPr>
+          </p:nvSpPr>
+          <p:spPr bwMode="auto">
+            <a:xfrm>
+              <a:off x="11290826" y="5579"/>
+              <a:ext cx="895350" cy="534687"/>
+            </a:xfrm>
+            <a:custGeom>
+              <a:avLst/>
+              <a:gdLst/>
+              <a:ahLst/>
+              <a:cxnLst/>
+              <a:rect l="0" t="0" r="r" b="b"/>
+              <a:pathLst>
+                <a:path w="188" h="112">
+                  <a:moveTo>
+                    <a:pt x="0" y="0"/>
+                  </a:moveTo>
+                  <a:cubicBezTo>
+                    <a:pt x="63" y="36"/>
+                    <a:pt x="126" y="73"/>
+                    <a:pt x="188" y="112"/>
+                  </a:cubicBezTo>
+                </a:path>
+              </a:pathLst>
+            </a:custGeom>
+            <a:noFill/>
+            <a:ln w="9525" cap="flat">
+              <a:solidFill>
+                <a:schemeClr val="tx1">
+                  <a:alpha val="20000"/>
+                </a:schemeClr>
+              </a:solidFill>
+              <a:prstDash val="solid"/>
+              <a:miter lim="800000"/>
+              <a:headEnd/>
+              <a:tailEnd/>
+            </a:ln>
+            <a:extLst>
+              <a:ext uri="{909E8E84-426E-40DD-AFC4-6F175D3DCCD1}">
+                <a14:hiddenFill xmlns:a14="http://schemas.microsoft.com/office/drawing/2010/main">
+                  <a:solidFill>
+                    <a:srgbClr val="FFFFFF"/>
+                  </a:solidFill>
+                </a14:hiddenFill>
+              </a:ext>
+            </a:extLst>
+          </p:spPr>
+        </p:sp>
+      </p:grpSp>
+      <p:grpSp>
+        <p:nvGrpSpPr>
+          <p:cNvPr id="30" name="Group 29">
+            <a:extLst>
+              <a:ext uri="{FF2B5EF4-FFF2-40B4-BE49-F238E27FC236}">
+                <a16:creationId xmlns:a16="http://schemas.microsoft.com/office/drawing/2014/main" id="{1B24766B-81CA-44C7-BF11-77A12BA42411}"/>
+              </a:ext>
+              <a:ext uri="{C183D7F6-B498-43B3-948B-1728B52AA6E4}">
+                <adec:decorative xmlns:adec="http://schemas.microsoft.com/office/drawing/2017/decorative" val="1"/>
+              </a:ext>
+            </a:extLst>
+          </p:cNvPr>
+          <p:cNvGrpSpPr>
+            <a:grpSpLocks noGrp="1" noUngrp="1" noRot="1" noChangeAspect="1" noMove="1" noResize="1"/>
+          </p:cNvGrpSpPr>
+          <p:nvPr>
+            <p:extLst>
+              <p:ext uri="{386F3935-93C4-4BCD-93E2-E3B085C9AB24}">
+                <p16:designElem xmlns:p16="http://schemas.microsoft.com/office/powerpoint/2015/main" val="1"/>
+              </p:ext>
+            </p:extLst>
+          </p:nvPr>
+        </p:nvGrpSpPr>
+        <p:grpSpPr>
+          <a:xfrm>
+            <a:off x="1669293" y="1186483"/>
+            <a:ext cx="8848345" cy="4477933"/>
+            <a:chOff x="1669293" y="1186483"/>
+            <a:chExt cx="8848345" cy="4477933"/>
+          </a:xfrm>
+        </p:grpSpPr>
+        <p:sp>
+          <p:nvSpPr>
+            <p:cNvPr id="31" name="Rectangle 30">
+              <a:extLst>
+                <a:ext uri="{FF2B5EF4-FFF2-40B4-BE49-F238E27FC236}">
+                  <a16:creationId xmlns:a16="http://schemas.microsoft.com/office/drawing/2014/main" id="{1A2F9962-DEB8-461C-8B4C-C0ED0D8A7B70}"/>
+                </a:ext>
+                <a:ext uri="{C183D7F6-B498-43B3-948B-1728B52AA6E4}">
+                  <adec:decorative xmlns:adec="http://schemas.microsoft.com/office/drawing/2017/decorative" val="1"/>
+                </a:ext>
+              </a:extLst>
+            </p:cNvPr>
+            <p:cNvSpPr/>
+            <p:nvPr>
+              <p:extLst>
+                <p:ext uri="{386F3935-93C4-4BCD-93E2-E3B085C9AB24}">
+                  <p16:designElem xmlns:p16="http://schemas.microsoft.com/office/powerpoint/2015/main" val="1"/>
+                </p:ext>
+              </p:extLst>
+            </p:nvPr>
+          </p:nvSpPr>
+          <p:spPr>
+            <a:xfrm>
+              <a:off x="1674042" y="1186483"/>
+              <a:ext cx="8843596" cy="716184"/>
+            </a:xfrm>
+            <a:prstGeom prst="rect">
+              <a:avLst/>
+            </a:prstGeom>
+            <a:solidFill>
+              <a:schemeClr val="accent1"/>
+            </a:solidFill>
+            <a:ln>
+              <a:noFill/>
+            </a:ln>
+          </p:spPr>
+          <p:style>
+            <a:lnRef idx="2">
+              <a:schemeClr val="accent1">
+                <a:shade val="50000"/>
+              </a:schemeClr>
+            </a:lnRef>
+            <a:fillRef idx="1">
+              <a:schemeClr val="accent1"/>
+            </a:fillRef>
+            <a:effectRef idx="0">
+              <a:schemeClr val="accent1"/>
+            </a:effectRef>
+            <a:fontRef idx="minor">
+              <a:schemeClr val="lt1"/>
+            </a:fontRef>
+          </p:style>
+        </p:sp>
+        <p:sp>
+          <p:nvSpPr>
+            <p:cNvPr id="32" name="Isosceles Triangle 31">
+              <a:extLst>
+                <a:ext uri="{FF2B5EF4-FFF2-40B4-BE49-F238E27FC236}">
+                  <a16:creationId xmlns:a16="http://schemas.microsoft.com/office/drawing/2014/main" id="{C0672E08-EB09-4B8E-8522-24BBC2CFFD28}"/>
+                </a:ext>
+                <a:ext uri="{C183D7F6-B498-43B3-948B-1728B52AA6E4}">
+                  <adec:decorative xmlns:adec="http://schemas.microsoft.com/office/drawing/2017/decorative" val="1"/>
+                </a:ext>
+              </a:extLst>
+            </p:cNvPr>
+            <p:cNvSpPr/>
+            <p:nvPr>
+              <p:extLst>
+                <p:ext uri="{386F3935-93C4-4BCD-93E2-E3B085C9AB24}">
+                  <p16:designElem xmlns:p16="http://schemas.microsoft.com/office/powerpoint/2015/main" val="1"/>
+                </p:ext>
+              </p:extLst>
+            </p:nvPr>
+          </p:nvSpPr>
+          <p:spPr>
+            <a:xfrm rot="10800000">
+              <a:off x="5892384" y="5313353"/>
+              <a:ext cx="407233" cy="351063"/>
+            </a:xfrm>
+            <a:prstGeom prst="triangle">
+              <a:avLst/>
+            </a:prstGeom>
+            <a:solidFill>
+              <a:schemeClr val="accent1"/>
+            </a:solidFill>
+            <a:ln>
+              <a:noFill/>
+            </a:ln>
+          </p:spPr>
+          <p:style>
+            <a:lnRef idx="2">
+              <a:schemeClr val="accent1">
+                <a:shade val="50000"/>
+              </a:schemeClr>
+            </a:lnRef>
+            <a:fillRef idx="1">
+              <a:schemeClr val="accent1"/>
+            </a:fillRef>
+            <a:effectRef idx="0">
+              <a:schemeClr val="accent1"/>
+            </a:effectRef>
+            <a:fontRef idx="minor">
+              <a:schemeClr val="lt1"/>
+            </a:fontRef>
+          </p:style>
+        </p:sp>
+        <p:sp>
+          <p:nvSpPr>
+            <p:cNvPr id="33" name="Rectangle 32">
+              <a:extLst>
+                <a:ext uri="{FF2B5EF4-FFF2-40B4-BE49-F238E27FC236}">
+                  <a16:creationId xmlns:a16="http://schemas.microsoft.com/office/drawing/2014/main" id="{3447AB64-F3EC-4A1F-BFD4-F0F9DB3DAD7B}"/>
+                </a:ext>
+                <a:ext uri="{C183D7F6-B498-43B3-948B-1728B52AA6E4}">
+                  <adec:decorative xmlns:adec="http://schemas.microsoft.com/office/drawing/2017/decorative" val="1"/>
+                </a:ext>
+              </a:extLst>
+            </p:cNvPr>
+            <p:cNvSpPr/>
+            <p:nvPr>
+              <p:extLst>
+                <p:ext uri="{386F3935-93C4-4BCD-93E2-E3B085C9AB24}">
+                  <p16:designElem xmlns:p16="http://schemas.microsoft.com/office/powerpoint/2015/main" val="1"/>
+                </p:ext>
+              </p:extLst>
+            </p:nvPr>
+          </p:nvSpPr>
+          <p:spPr>
+            <a:xfrm>
+              <a:off x="1669293" y="1991156"/>
+              <a:ext cx="8845667" cy="3322196"/>
+            </a:xfrm>
+            <a:prstGeom prst="rect">
+              <a:avLst/>
+            </a:prstGeom>
+            <a:solidFill>
+              <a:schemeClr val="accent1"/>
+            </a:solidFill>
+            <a:ln>
+              <a:noFill/>
+            </a:ln>
+          </p:spPr>
+          <p:style>
+            <a:lnRef idx="2">
+              <a:schemeClr val="accent1">
+                <a:shade val="50000"/>
+              </a:schemeClr>
+            </a:lnRef>
+            <a:fillRef idx="1">
+              <a:schemeClr val="accent1"/>
+            </a:fillRef>
+            <a:effectRef idx="0">
+              <a:schemeClr val="accent1"/>
+            </a:effectRef>
+            <a:fontRef idx="minor">
+              <a:schemeClr val="lt1"/>
+            </a:fontRef>
+          </p:style>
+        </p:sp>
+      </p:grpSp>
+      <p:sp useBgFill="1">
+        <p:nvSpPr>
+          <p:cNvPr id="35" name="Rectangle 34">
+            <a:extLst>
+              <a:ext uri="{FF2B5EF4-FFF2-40B4-BE49-F238E27FC236}">
+                <a16:creationId xmlns:a16="http://schemas.microsoft.com/office/drawing/2014/main" id="{10CE3618-1D7A-4256-B2AF-9DB692996C65}"/>
+              </a:ext>
+              <a:ext uri="{C183D7F6-B498-43B3-948B-1728B52AA6E4}">
+                <adec:decorative xmlns:adec="http://schemas.microsoft.com/office/drawing/2017/decorative" val="1"/>
+              </a:ext>
+            </a:extLst>
+          </p:cNvPr>
+          <p:cNvSpPr>
+            <a:spLocks noGrp="1" noRot="1" noChangeAspect="1" noMove="1" noResize="1" noEditPoints="1" noAdjustHandles="1" noChangeArrowheads="1" noChangeShapeType="1" noTextEdit="1"/>
+          </p:cNvSpPr>
+          <p:nvPr>
+            <p:extLst>
+              <p:ext uri="{386F3935-93C4-4BCD-93E2-E3B085C9AB24}">
+                <p16:designElem xmlns:p16="http://schemas.microsoft.com/office/powerpoint/2015/main" val="1"/>
+              </p:ext>
+            </p:extLst>
+          </p:nvPr>
+        </p:nvSpPr>
+        <p:spPr>
+          <a:xfrm>
+            <a:off x="0" y="0"/>
+            <a:ext cx="12192000" cy="6858001"/>
+          </a:xfrm>
+          <a:prstGeom prst="rect">
+            <a:avLst/>
+          </a:prstGeom>
+          <a:ln>
+            <a:noFill/>
+          </a:ln>
+        </p:spPr>
+        <p:style>
+          <a:lnRef idx="2">
+            <a:schemeClr val="accent1">
+              <a:shade val="50000"/>
+            </a:schemeClr>
+          </a:lnRef>
+          <a:fillRef idx="1">
+            <a:schemeClr val="accent1"/>
+          </a:fillRef>
+          <a:effectRef idx="0">
+            <a:schemeClr val="accent1"/>
+          </a:effectRef>
+          <a:fontRef idx="minor">
+            <a:schemeClr val="lt1"/>
+          </a:fontRef>
+        </p:style>
+        <p:txBody>
+          <a:bodyPr rtlCol="0" anchor="ctr"/>
+          <a:lstStyle/>
+          <a:p>
+            <a:pPr algn="ctr"/>
+            <a:endParaRPr lang="en-US"/>
+          </a:p>
+        </p:txBody>
+      </p:sp>
+      <p:grpSp>
+        <p:nvGrpSpPr>
+          <p:cNvPr id="37" name="Group 36">
+            <a:extLst>
+              <a:ext uri="{FF2B5EF4-FFF2-40B4-BE49-F238E27FC236}">
+                <a16:creationId xmlns:a16="http://schemas.microsoft.com/office/drawing/2014/main" id="{D91A9185-A7D5-460B-98BC-0BF2EBD3EEBE}"/>
+              </a:ext>
+              <a:ext uri="{C183D7F6-B498-43B3-948B-1728B52AA6E4}">
+                <adec:decorative xmlns:adec="http://schemas.microsoft.com/office/drawing/2017/decorative" val="1"/>
+              </a:ext>
+            </a:extLst>
+          </p:cNvPr>
+          <p:cNvGrpSpPr>
+            <a:grpSpLocks noGrp="1" noUngrp="1" noRot="1" noChangeAspect="1" noMove="1" noResize="1"/>
+          </p:cNvGrpSpPr>
+          <p:nvPr>
+            <p:extLst>
+              <p:ext uri="{386F3935-93C4-4BCD-93E2-E3B085C9AB24}">
+                <p16:designElem xmlns:p16="http://schemas.microsoft.com/office/powerpoint/2015/main" val="1"/>
+              </p:ext>
+            </p:extLst>
+          </p:nvPr>
+        </p:nvGrpSpPr>
+        <p:grpSpPr>
+          <a:xfrm>
+            <a:off x="-329674" y="-59376"/>
+            <a:ext cx="12515851" cy="6923798"/>
+            <a:chOff x="-329674" y="-51881"/>
+            <a:chExt cx="12515851" cy="6923798"/>
+          </a:xfrm>
+        </p:grpSpPr>
+        <p:sp>
+          <p:nvSpPr>
+            <p:cNvPr id="38" name="Freeform 5">
+              <a:extLst>
+                <a:ext uri="{FF2B5EF4-FFF2-40B4-BE49-F238E27FC236}">
+                  <a16:creationId xmlns:a16="http://schemas.microsoft.com/office/drawing/2014/main" id="{8AFC1764-6516-4F77-BF30-B8ADB3C9F499}"/>
+                </a:ext>
+                <a:ext uri="{C183D7F6-B498-43B3-948B-1728B52AA6E4}">
+                  <adec:decorative xmlns:adec="http://schemas.microsoft.com/office/drawing/2017/decorative" val="1"/>
+                </a:ext>
+              </a:extLst>
+            </p:cNvPr>
+            <p:cNvSpPr/>
+            <p:nvPr>
+              <p:extLst>
+                <p:ext uri="{386F3935-93C4-4BCD-93E2-E3B085C9AB24}">
+                  <p16:designElem xmlns:p16="http://schemas.microsoft.com/office/powerpoint/2015/main" val="1"/>
+                </p:ext>
+              </p:extLst>
+            </p:nvPr>
+          </p:nvSpPr>
+          <p:spPr bwMode="auto">
+            <a:xfrm>
+              <a:off x="-329674" y="1298404"/>
+              <a:ext cx="9702800" cy="5573512"/>
+            </a:xfrm>
+            <a:custGeom>
+              <a:avLst/>
+              <a:gdLst/>
+              <a:ahLst/>
+              <a:cxnLst/>
+              <a:rect l="0" t="0" r="r" b="b"/>
+              <a:pathLst>
+                <a:path w="2038" h="1169">
+                  <a:moveTo>
+                    <a:pt x="1752" y="1169"/>
+                  </a:moveTo>
+                  <a:cubicBezTo>
+                    <a:pt x="2038" y="928"/>
+                    <a:pt x="1673" y="513"/>
+                    <a:pt x="1487" y="334"/>
+                  </a:cubicBezTo>
+                  <a:cubicBezTo>
+                    <a:pt x="1316" y="170"/>
+                    <a:pt x="1099" y="43"/>
+                    <a:pt x="860" y="22"/>
+                  </a:cubicBezTo>
+                  <a:cubicBezTo>
+                    <a:pt x="621" y="0"/>
+                    <a:pt x="341" y="128"/>
+                    <a:pt x="199" y="318"/>
+                  </a:cubicBezTo>
+                  <a:cubicBezTo>
+                    <a:pt x="0" y="586"/>
+                    <a:pt x="184" y="965"/>
+                    <a:pt x="399" y="1165"/>
+                  </a:cubicBezTo>
+                </a:path>
+              </a:pathLst>
+            </a:custGeom>
+            <a:noFill/>
+            <a:ln w="9525" cap="flat">
+              <a:solidFill>
+                <a:schemeClr val="accent1">
+                  <a:alpha val="15000"/>
+                </a:schemeClr>
+              </a:solidFill>
+              <a:prstDash val="solid"/>
+              <a:miter lim="800000"/>
+              <a:headEnd/>
+              <a:tailEnd/>
+            </a:ln>
+            <a:extLst>
+              <a:ext uri="{909E8E84-426E-40DD-AFC4-6F175D3DCCD1}">
+                <a14:hiddenFill xmlns:a14="http://schemas.microsoft.com/office/drawing/2010/main">
+                  <a:solidFill>
+                    <a:srgbClr val="FFFFFF"/>
+                  </a:solidFill>
+                </a14:hiddenFill>
+              </a:ext>
+            </a:extLst>
+          </p:spPr>
+        </p:sp>
+        <p:sp>
+          <p:nvSpPr>
+            <p:cNvPr id="39" name="Freeform 6">
+              <a:extLst>
+                <a:ext uri="{FF2B5EF4-FFF2-40B4-BE49-F238E27FC236}">
+                  <a16:creationId xmlns:a16="http://schemas.microsoft.com/office/drawing/2014/main" id="{FCAFF9F9-F806-47EC-BCAC-9921E719FF2A}"/>
+                </a:ext>
+                <a:ext uri="{C183D7F6-B498-43B3-948B-1728B52AA6E4}">
+                  <adec:decorative xmlns:adec="http://schemas.microsoft.com/office/drawing/2017/decorative" val="1"/>
+                </a:ext>
+              </a:extLst>
+            </p:cNvPr>
+            <p:cNvSpPr/>
+            <p:nvPr>
+              <p:extLst>
+                <p:ext uri="{386F3935-93C4-4BCD-93E2-E3B085C9AB24}">
+                  <p16:designElem xmlns:p16="http://schemas.microsoft.com/office/powerpoint/2015/main" val="1"/>
+                </p:ext>
+              </p:extLst>
+            </p:nvPr>
+          </p:nvSpPr>
+          <p:spPr bwMode="auto">
+            <a:xfrm>
+              <a:off x="670451" y="2018236"/>
+              <a:ext cx="7373938" cy="4848892"/>
+            </a:xfrm>
+            <a:custGeom>
+              <a:avLst/>
+              <a:gdLst/>
+              <a:ahLst/>
+              <a:cxnLst/>
+              <a:rect l="0" t="0" r="r" b="b"/>
+              <a:pathLst>
+                <a:path w="1549" h="1017">
+                  <a:moveTo>
+                    <a:pt x="1025" y="1016"/>
+                  </a:moveTo>
+                  <a:cubicBezTo>
+                    <a:pt x="1223" y="971"/>
+                    <a:pt x="1549" y="857"/>
+                    <a:pt x="1443" y="592"/>
+                  </a:cubicBezTo>
+                  <a:cubicBezTo>
+                    <a:pt x="1344" y="344"/>
+                    <a:pt x="1041" y="111"/>
+                    <a:pt x="782" y="53"/>
+                  </a:cubicBezTo>
+                  <a:cubicBezTo>
+                    <a:pt x="545" y="0"/>
+                    <a:pt x="275" y="117"/>
+                    <a:pt x="150" y="329"/>
+                  </a:cubicBezTo>
+                  <a:cubicBezTo>
+                    <a:pt x="0" y="584"/>
+                    <a:pt x="243" y="911"/>
+                    <a:pt x="477" y="1017"/>
+                  </a:cubicBezTo>
+                </a:path>
+              </a:pathLst>
+            </a:custGeom>
+            <a:noFill/>
+            <a:ln w="9525" cap="flat">
+              <a:solidFill>
+                <a:schemeClr val="accent1">
+                  <a:alpha val="18000"/>
+                </a:schemeClr>
+              </a:solidFill>
+              <a:prstDash val="solid"/>
+              <a:miter lim="800000"/>
+              <a:headEnd/>
+              <a:tailEnd/>
+            </a:ln>
+            <a:extLst>
+              <a:ext uri="{909E8E84-426E-40DD-AFC4-6F175D3DCCD1}">
+                <a14:hiddenFill xmlns:a14="http://schemas.microsoft.com/office/drawing/2010/main">
+                  <a:solidFill>
+                    <a:srgbClr val="FFFFFF"/>
+                  </a:solidFill>
+                </a14:hiddenFill>
+              </a:ext>
+            </a:extLst>
+          </p:spPr>
+          <p:txBody>
+            <a:bodyPr/>
+            <a:lstStyle/>
+            <a:p>
+              <a:endParaRPr lang="en-US" dirty="0"/>
+            </a:p>
+          </p:txBody>
+        </p:sp>
+        <p:sp>
+          <p:nvSpPr>
+            <p:cNvPr id="40" name="Freeform 7">
+              <a:extLst>
+                <a:ext uri="{FF2B5EF4-FFF2-40B4-BE49-F238E27FC236}">
+                  <a16:creationId xmlns:a16="http://schemas.microsoft.com/office/drawing/2014/main" id="{09D92491-36BD-4861-BA54-DD88E608988E}"/>
+                </a:ext>
+                <a:ext uri="{C183D7F6-B498-43B3-948B-1728B52AA6E4}">
+                  <adec:decorative xmlns:adec="http://schemas.microsoft.com/office/drawing/2017/decorative" val="1"/>
+                </a:ext>
+              </a:extLst>
+            </p:cNvPr>
+            <p:cNvSpPr/>
+            <p:nvPr>
+              <p:extLst>
+                <p:ext uri="{386F3935-93C4-4BCD-93E2-E3B085C9AB24}">
+                  <p16:designElem xmlns:p16="http://schemas.microsoft.com/office/powerpoint/2015/main" val="1"/>
+                </p:ext>
+              </p:extLst>
+            </p:nvPr>
+          </p:nvSpPr>
+          <p:spPr bwMode="auto">
+            <a:xfrm>
+              <a:off x="251351" y="1788400"/>
+              <a:ext cx="8035925" cy="5083516"/>
+            </a:xfrm>
+            <a:custGeom>
+              <a:avLst/>
+              <a:gdLst/>
+              <a:ahLst/>
+              <a:cxnLst/>
+              <a:rect l="0" t="0" r="r" b="b"/>
+              <a:pathLst>
+                <a:path w="1688" h="1066">
+                  <a:moveTo>
+                    <a:pt x="1302" y="1066"/>
+                  </a:moveTo>
+                  <a:cubicBezTo>
+                    <a:pt x="1416" y="1024"/>
+                    <a:pt x="1551" y="962"/>
+                    <a:pt x="1613" y="850"/>
+                  </a:cubicBezTo>
+                  <a:cubicBezTo>
+                    <a:pt x="1688" y="715"/>
+                    <a:pt x="1606" y="575"/>
+                    <a:pt x="1517" y="471"/>
+                  </a:cubicBezTo>
+                  <a:cubicBezTo>
+                    <a:pt x="1336" y="258"/>
+                    <a:pt x="1084" y="62"/>
+                    <a:pt x="798" y="28"/>
+                  </a:cubicBezTo>
+                  <a:cubicBezTo>
+                    <a:pt x="559" y="0"/>
+                    <a:pt x="317" y="138"/>
+                    <a:pt x="181" y="333"/>
+                  </a:cubicBezTo>
+                  <a:cubicBezTo>
+                    <a:pt x="0" y="592"/>
+                    <a:pt x="191" y="907"/>
+                    <a:pt x="420" y="1066"/>
+                  </a:cubicBezTo>
+                </a:path>
+              </a:pathLst>
+            </a:custGeom>
+            <a:noFill/>
+            <a:ln w="9525" cap="flat">
+              <a:solidFill>
+                <a:schemeClr val="accent1">
+                  <a:alpha val="20000"/>
+                </a:schemeClr>
+              </a:solidFill>
+              <a:prstDash val="dash"/>
+              <a:miter lim="800000"/>
+              <a:headEnd/>
+              <a:tailEnd/>
+            </a:ln>
+            <a:extLst>
+              <a:ext uri="{909E8E84-426E-40DD-AFC4-6F175D3DCCD1}">
+                <a14:hiddenFill xmlns:a14="http://schemas.microsoft.com/office/drawing/2010/main">
+                  <a:solidFill>
+                    <a:srgbClr val="FFFFFF"/>
+                  </a:solidFill>
+                </a14:hiddenFill>
+              </a:ext>
+            </a:extLst>
+          </p:spPr>
+        </p:sp>
+        <p:sp>
+          <p:nvSpPr>
+            <p:cNvPr id="41" name="Freeform 8">
+              <a:extLst>
+                <a:ext uri="{FF2B5EF4-FFF2-40B4-BE49-F238E27FC236}">
+                  <a16:creationId xmlns:a16="http://schemas.microsoft.com/office/drawing/2014/main" id="{23740E15-AB86-4E5C-A137-07E0DDC03548}"/>
+                </a:ext>
+                <a:ext uri="{C183D7F6-B498-43B3-948B-1728B52AA6E4}">
+                  <adec:decorative xmlns:adec="http://schemas.microsoft.com/office/drawing/2017/decorative" val="1"/>
+                </a:ext>
+              </a:extLst>
+            </p:cNvPr>
+            <p:cNvSpPr/>
+            <p:nvPr>
+              <p:extLst>
+                <p:ext uri="{386F3935-93C4-4BCD-93E2-E3B085C9AB24}">
+                  <p16:designElem xmlns:p16="http://schemas.microsoft.com/office/powerpoint/2015/main" val="1"/>
+                </p:ext>
+              </p:extLst>
+            </p:nvPr>
+          </p:nvSpPr>
+          <p:spPr bwMode="auto">
+            <a:xfrm>
+              <a:off x="-1061" y="549842"/>
+              <a:ext cx="10334625" cy="6322075"/>
+            </a:xfrm>
+            <a:custGeom>
+              <a:avLst/>
+              <a:gdLst/>
+              <a:ahLst/>
+              <a:cxnLst/>
+              <a:rect l="0" t="0" r="r" b="b"/>
+              <a:pathLst>
+                <a:path w="2171" h="1326">
+                  <a:moveTo>
+                    <a:pt x="1873" y="1326"/>
+                  </a:moveTo>
+                  <a:cubicBezTo>
+                    <a:pt x="2171" y="1045"/>
+                    <a:pt x="1825" y="678"/>
+                    <a:pt x="1609" y="473"/>
+                  </a:cubicBezTo>
+                  <a:cubicBezTo>
+                    <a:pt x="1406" y="281"/>
+                    <a:pt x="1159" y="116"/>
+                    <a:pt x="880" y="63"/>
+                  </a:cubicBezTo>
+                  <a:cubicBezTo>
+                    <a:pt x="545" y="0"/>
+                    <a:pt x="214" y="161"/>
+                    <a:pt x="0" y="423"/>
+                  </a:cubicBezTo>
+                </a:path>
+              </a:pathLst>
+            </a:custGeom>
+            <a:noFill/>
+            <a:ln w="9525" cap="flat">
+              <a:solidFill>
+                <a:schemeClr val="accent1">
+                  <a:alpha val="11000"/>
+                </a:schemeClr>
+              </a:solidFill>
+              <a:prstDash val="solid"/>
+              <a:miter lim="800000"/>
+              <a:headEnd/>
+              <a:tailEnd/>
+            </a:ln>
+            <a:extLst>
+              <a:ext uri="{909E8E84-426E-40DD-AFC4-6F175D3DCCD1}">
+                <a14:hiddenFill xmlns:a14="http://schemas.microsoft.com/office/drawing/2010/main">
+                  <a:solidFill>
+                    <a:srgbClr val="FFFFFF"/>
+                  </a:solidFill>
+                </a14:hiddenFill>
+              </a:ext>
+            </a:extLst>
+          </p:spPr>
+        </p:sp>
+        <p:sp>
+          <p:nvSpPr>
+            <p:cNvPr id="42" name="Freeform 9">
+              <a:extLst>
+                <a:ext uri="{FF2B5EF4-FFF2-40B4-BE49-F238E27FC236}">
+                  <a16:creationId xmlns:a16="http://schemas.microsoft.com/office/drawing/2014/main" id="{BE097852-1F54-4EF0-A1BE-561272FCD6D7}"/>
+                </a:ext>
+                <a:ext uri="{C183D7F6-B498-43B3-948B-1728B52AA6E4}">
+                  <adec:decorative xmlns:adec="http://schemas.microsoft.com/office/drawing/2017/decorative" val="1"/>
+                </a:ext>
+              </a:extLst>
+            </p:cNvPr>
+            <p:cNvSpPr/>
+            <p:nvPr>
+              <p:extLst>
+                <p:ext uri="{386F3935-93C4-4BCD-93E2-E3B085C9AB24}">
+                  <p16:designElem xmlns:p16="http://schemas.microsoft.com/office/powerpoint/2015/main" val="1"/>
+                </p:ext>
+              </p:extLst>
+            </p:nvPr>
+          </p:nvSpPr>
+          <p:spPr bwMode="auto">
+            <a:xfrm>
+              <a:off x="3701" y="6186246"/>
+              <a:ext cx="504825" cy="681527"/>
+            </a:xfrm>
+            <a:custGeom>
+              <a:avLst/>
+              <a:gdLst/>
+              <a:ahLst/>
+              <a:cxnLst/>
+              <a:rect l="0" t="0" r="r" b="b"/>
+              <a:pathLst>
+                <a:path w="106" h="143">
+                  <a:moveTo>
+                    <a:pt x="0" y="0"/>
+                  </a:moveTo>
+                  <a:cubicBezTo>
+                    <a:pt x="35" y="54"/>
+                    <a:pt x="70" y="101"/>
+                    <a:pt x="106" y="143"/>
+                  </a:cubicBezTo>
+                </a:path>
+              </a:pathLst>
+            </a:custGeom>
+            <a:noFill/>
+            <a:ln w="4763" cap="flat">
+              <a:solidFill>
+                <a:schemeClr val="accent1">
+                  <a:alpha val="20000"/>
+                </a:schemeClr>
+              </a:solidFill>
+              <a:prstDash val="solid"/>
+              <a:miter lim="800000"/>
+              <a:headEnd/>
+              <a:tailEnd/>
+            </a:ln>
+            <a:extLst>
+              <a:ext uri="{909E8E84-426E-40DD-AFC4-6F175D3DCCD1}">
+                <a14:hiddenFill xmlns:a14="http://schemas.microsoft.com/office/drawing/2010/main">
+                  <a:solidFill>
+                    <a:srgbClr val="FFFFFF"/>
+                  </a:solidFill>
+                </a14:hiddenFill>
+              </a:ext>
+            </a:extLst>
+          </p:spPr>
+        </p:sp>
+        <p:sp>
+          <p:nvSpPr>
+            <p:cNvPr id="43" name="Freeform 10">
+              <a:extLst>
+                <a:ext uri="{FF2B5EF4-FFF2-40B4-BE49-F238E27FC236}">
+                  <a16:creationId xmlns:a16="http://schemas.microsoft.com/office/drawing/2014/main" id="{5C2DF1F9-21CC-430E-84C8-356C73C6FD38}"/>
+                </a:ext>
+                <a:ext uri="{C183D7F6-B498-43B3-948B-1728B52AA6E4}">
+                  <adec:decorative xmlns:adec="http://schemas.microsoft.com/office/drawing/2017/decorative" val="1"/>
+                </a:ext>
+              </a:extLst>
+            </p:cNvPr>
+            <p:cNvSpPr/>
+            <p:nvPr>
+              <p:extLst>
+                <p:ext uri="{386F3935-93C4-4BCD-93E2-E3B085C9AB24}">
+                  <p16:designElem xmlns:p16="http://schemas.microsoft.com/office/powerpoint/2015/main" val="1"/>
+                </p:ext>
+              </p:extLst>
+            </p:nvPr>
+          </p:nvSpPr>
+          <p:spPr bwMode="auto">
+            <a:xfrm>
+              <a:off x="-1061" y="-51881"/>
+              <a:ext cx="11091863" cy="6923796"/>
+            </a:xfrm>
+            <a:custGeom>
+              <a:avLst/>
+              <a:gdLst/>
+              <a:ahLst/>
+              <a:cxnLst/>
+              <a:rect l="0" t="0" r="r" b="b"/>
+              <a:pathLst>
+                <a:path w="2330" h="1452">
+                  <a:moveTo>
+                    <a:pt x="2046" y="1452"/>
+                  </a:moveTo>
+                  <a:cubicBezTo>
+                    <a:pt x="2330" y="1153"/>
+                    <a:pt x="2049" y="821"/>
+                    <a:pt x="1813" y="601"/>
+                  </a:cubicBezTo>
+                  <a:cubicBezTo>
+                    <a:pt x="1569" y="375"/>
+                    <a:pt x="1282" y="179"/>
+                    <a:pt x="956" y="97"/>
+                  </a:cubicBezTo>
+                  <a:cubicBezTo>
+                    <a:pt x="572" y="0"/>
+                    <a:pt x="292" y="101"/>
+                    <a:pt x="0" y="366"/>
+                  </a:cubicBezTo>
+                </a:path>
+              </a:pathLst>
+            </a:custGeom>
+            <a:noFill/>
+            <a:ln w="9525" cap="flat">
+              <a:solidFill>
+                <a:schemeClr val="accent1">
+                  <a:alpha val="8000"/>
+                </a:schemeClr>
+              </a:solidFill>
+              <a:prstDash val="solid"/>
+              <a:miter lim="800000"/>
+              <a:headEnd/>
+              <a:tailEnd/>
+            </a:ln>
+            <a:extLst>
+              <a:ext uri="{909E8E84-426E-40DD-AFC4-6F175D3DCCD1}">
+                <a14:hiddenFill xmlns:a14="http://schemas.microsoft.com/office/drawing/2010/main">
+                  <a:solidFill>
+                    <a:srgbClr val="FFFFFF"/>
+                  </a:solidFill>
+                </a14:hiddenFill>
+              </a:ext>
+            </a:extLst>
+          </p:spPr>
+        </p:sp>
+        <p:sp>
+          <p:nvSpPr>
+            <p:cNvPr id="44" name="Freeform 11">
+              <a:extLst>
+                <a:ext uri="{FF2B5EF4-FFF2-40B4-BE49-F238E27FC236}">
+                  <a16:creationId xmlns:a16="http://schemas.microsoft.com/office/drawing/2014/main" id="{7F11B45B-3EDE-4B6A-903B-0AE6E9DDF415}"/>
+                </a:ext>
+                <a:ext uri="{C183D7F6-B498-43B3-948B-1728B52AA6E4}">
+                  <adec:decorative xmlns:adec="http://schemas.microsoft.com/office/drawing/2017/decorative" val="1"/>
+                </a:ext>
+              </a:extLst>
+            </p:cNvPr>
+            <p:cNvSpPr/>
+            <p:nvPr>
+              <p:extLst>
+                <p:ext uri="{386F3935-93C4-4BCD-93E2-E3B085C9AB24}">
+                  <p16:designElem xmlns:p16="http://schemas.microsoft.com/office/powerpoint/2015/main" val="1"/>
+                </p:ext>
+              </p:extLst>
+            </p:nvPr>
+          </p:nvSpPr>
+          <p:spPr bwMode="auto">
+            <a:xfrm>
+              <a:off x="5426601" y="5579"/>
+              <a:ext cx="5788025" cy="6847184"/>
+            </a:xfrm>
+            <a:custGeom>
+              <a:avLst/>
+              <a:gdLst/>
+              <a:ahLst/>
+              <a:cxnLst/>
+              <a:rect l="0" t="0" r="r" b="b"/>
+              <a:pathLst>
+                <a:path w="1216" h="1436">
+                  <a:moveTo>
+                    <a:pt x="1094" y="1436"/>
+                  </a:moveTo>
+                  <a:cubicBezTo>
+                    <a:pt x="1216" y="1114"/>
+                    <a:pt x="904" y="770"/>
+                    <a:pt x="709" y="551"/>
+                  </a:cubicBezTo>
+                  <a:cubicBezTo>
+                    <a:pt x="509" y="327"/>
+                    <a:pt x="274" y="127"/>
+                    <a:pt x="0" y="0"/>
+                  </a:cubicBezTo>
+                </a:path>
+              </a:pathLst>
+            </a:custGeom>
+            <a:noFill/>
+            <a:ln w="9525" cap="flat">
+              <a:solidFill>
+                <a:schemeClr val="accent1">
+                  <a:alpha val="7000"/>
+                </a:schemeClr>
+              </a:solidFill>
+              <a:prstDash val="solid"/>
+              <a:miter lim="800000"/>
+              <a:headEnd/>
+              <a:tailEnd/>
+            </a:ln>
+            <a:extLst>
+              <a:ext uri="{909E8E84-426E-40DD-AFC4-6F175D3DCCD1}">
+                <a14:hiddenFill xmlns:a14="http://schemas.microsoft.com/office/drawing/2010/main">
+                  <a:solidFill>
+                    <a:srgbClr val="FFFFFF"/>
+                  </a:solidFill>
+                </a14:hiddenFill>
+              </a:ext>
+            </a:extLst>
+          </p:spPr>
+        </p:sp>
+        <p:sp>
+          <p:nvSpPr>
+            <p:cNvPr id="45" name="Freeform 12">
+              <a:extLst>
+                <a:ext uri="{FF2B5EF4-FFF2-40B4-BE49-F238E27FC236}">
+                  <a16:creationId xmlns:a16="http://schemas.microsoft.com/office/drawing/2014/main" id="{F77FDDC5-477E-420D-B98F-42ABA24772F8}"/>
+                </a:ext>
+                <a:ext uri="{C183D7F6-B498-43B3-948B-1728B52AA6E4}">
+                  <adec:decorative xmlns:adec="http://schemas.microsoft.com/office/drawing/2017/decorative" val="1"/>
+                </a:ext>
+              </a:extLst>
+            </p:cNvPr>
+            <p:cNvSpPr/>
+            <p:nvPr>
+              <p:extLst>
+                <p:ext uri="{386F3935-93C4-4BCD-93E2-E3B085C9AB24}">
+                  <p16:designElem xmlns:p16="http://schemas.microsoft.com/office/powerpoint/2015/main" val="1"/>
+                </p:ext>
+              </p:extLst>
+            </p:nvPr>
+          </p:nvSpPr>
+          <p:spPr bwMode="auto">
+            <a:xfrm>
+              <a:off x="-1061" y="5579"/>
+              <a:ext cx="1057275" cy="614491"/>
+            </a:xfrm>
+            <a:custGeom>
+              <a:avLst/>
+              <a:gdLst/>
+              <a:ahLst/>
+              <a:cxnLst/>
+              <a:rect l="0" t="0" r="r" b="b"/>
+              <a:pathLst>
+                <a:path w="222" h="129">
+                  <a:moveTo>
+                    <a:pt x="222" y="0"/>
+                  </a:moveTo>
+                  <a:cubicBezTo>
+                    <a:pt x="152" y="35"/>
+                    <a:pt x="76" y="78"/>
+                    <a:pt x="0" y="129"/>
+                  </a:cubicBezTo>
+                </a:path>
+              </a:pathLst>
+            </a:custGeom>
+            <a:noFill/>
+            <a:ln w="9525" cap="flat">
+              <a:solidFill>
+                <a:schemeClr val="accent1">
+                  <a:alpha val="8000"/>
+                </a:schemeClr>
+              </a:solidFill>
+              <a:prstDash val="solid"/>
+              <a:miter lim="800000"/>
+              <a:headEnd/>
+              <a:tailEnd/>
+            </a:ln>
+            <a:extLst>
+              <a:ext uri="{909E8E84-426E-40DD-AFC4-6F175D3DCCD1}">
+                <a14:hiddenFill xmlns:a14="http://schemas.microsoft.com/office/drawing/2010/main">
+                  <a:solidFill>
+                    <a:srgbClr val="FFFFFF"/>
+                  </a:solidFill>
+                </a14:hiddenFill>
+              </a:ext>
+            </a:extLst>
+          </p:spPr>
+        </p:sp>
+        <p:sp>
+          <p:nvSpPr>
+            <p:cNvPr id="46" name="Freeform 13">
+              <a:extLst>
+                <a:ext uri="{FF2B5EF4-FFF2-40B4-BE49-F238E27FC236}">
+                  <a16:creationId xmlns:a16="http://schemas.microsoft.com/office/drawing/2014/main" id="{A92C0474-B573-45C5-84C5-194CE1715FE2}"/>
+                </a:ext>
+                <a:ext uri="{C183D7F6-B498-43B3-948B-1728B52AA6E4}">
+                  <adec:decorative xmlns:adec="http://schemas.microsoft.com/office/drawing/2017/decorative" val="1"/>
+                </a:ext>
+              </a:extLst>
+            </p:cNvPr>
+            <p:cNvSpPr/>
+            <p:nvPr>
+              <p:extLst>
+                <p:ext uri="{386F3935-93C4-4BCD-93E2-E3B085C9AB24}">
+                  <p16:designElem xmlns:p16="http://schemas.microsoft.com/office/powerpoint/2015/main" val="1"/>
+                </p:ext>
+              </p:extLst>
+            </p:nvPr>
+          </p:nvSpPr>
+          <p:spPr bwMode="auto">
+            <a:xfrm>
+              <a:off x="5821889" y="5579"/>
+              <a:ext cx="5588000" cy="6866337"/>
+            </a:xfrm>
+            <a:custGeom>
+              <a:avLst/>
+              <a:gdLst/>
+              <a:ahLst/>
+              <a:cxnLst/>
+              <a:rect l="0" t="0" r="r" b="b"/>
+              <a:pathLst>
+                <a:path w="1174" h="1440">
+                  <a:moveTo>
+                    <a:pt x="1067" y="1440"/>
+                  </a:moveTo>
+                  <a:cubicBezTo>
+                    <a:pt x="1174" y="1124"/>
+                    <a:pt x="887" y="797"/>
+                    <a:pt x="698" y="577"/>
+                  </a:cubicBezTo>
+                  <a:cubicBezTo>
+                    <a:pt x="500" y="348"/>
+                    <a:pt x="270" y="141"/>
+                    <a:pt x="0" y="0"/>
+                  </a:cubicBezTo>
+                </a:path>
+              </a:pathLst>
+            </a:custGeom>
+            <a:noFill/>
+            <a:ln w="9525" cap="flat">
+              <a:solidFill>
+                <a:schemeClr val="accent1">
+                  <a:alpha val="6000"/>
+                </a:schemeClr>
+              </a:solidFill>
+              <a:prstDash val="dash"/>
+              <a:miter lim="800000"/>
+              <a:headEnd/>
+              <a:tailEnd/>
+            </a:ln>
+            <a:extLst>
+              <a:ext uri="{909E8E84-426E-40DD-AFC4-6F175D3DCCD1}">
+                <a14:hiddenFill xmlns:a14="http://schemas.microsoft.com/office/drawing/2010/main">
+                  <a:solidFill>
+                    <a:srgbClr val="FFFFFF"/>
+                  </a:solidFill>
+                </a14:hiddenFill>
+              </a:ext>
+            </a:extLst>
+          </p:spPr>
+        </p:sp>
+        <p:sp>
+          <p:nvSpPr>
+            <p:cNvPr id="47" name="Freeform 14">
+              <a:extLst>
+                <a:ext uri="{FF2B5EF4-FFF2-40B4-BE49-F238E27FC236}">
+                  <a16:creationId xmlns:a16="http://schemas.microsoft.com/office/drawing/2014/main" id="{2FBC62F8-64D0-4025-99AE-A04E291D90EA}"/>
+                </a:ext>
+                <a:ext uri="{C183D7F6-B498-43B3-948B-1728B52AA6E4}">
+                  <adec:decorative xmlns:adec="http://schemas.microsoft.com/office/drawing/2017/decorative" val="1"/>
+                </a:ext>
+              </a:extLst>
+            </p:cNvPr>
+            <p:cNvSpPr/>
+            <p:nvPr>
+              <p:extLst>
+                <p:ext uri="{386F3935-93C4-4BCD-93E2-E3B085C9AB24}">
+                  <p16:designElem xmlns:p16="http://schemas.microsoft.com/office/powerpoint/2015/main" val="1"/>
+                </p:ext>
+              </p:extLst>
+            </p:nvPr>
+          </p:nvSpPr>
+          <p:spPr bwMode="auto">
+            <a:xfrm>
+              <a:off x="3701" y="790"/>
+              <a:ext cx="595313" cy="352734"/>
+            </a:xfrm>
+            <a:custGeom>
+              <a:avLst/>
+              <a:gdLst/>
+              <a:ahLst/>
+              <a:cxnLst/>
+              <a:rect l="0" t="0" r="r" b="b"/>
+              <a:pathLst>
+                <a:path w="125" h="74">
+                  <a:moveTo>
+                    <a:pt x="125" y="0"/>
+                  </a:moveTo>
+                  <a:cubicBezTo>
+                    <a:pt x="85" y="22"/>
+                    <a:pt x="43" y="47"/>
+                    <a:pt x="0" y="74"/>
+                  </a:cubicBezTo>
+                </a:path>
+              </a:pathLst>
+            </a:custGeom>
+            <a:noFill/>
+            <a:ln w="9525" cap="flat">
+              <a:solidFill>
+                <a:schemeClr val="accent1">
+                  <a:alpha val="6000"/>
+                </a:schemeClr>
+              </a:solidFill>
+              <a:prstDash val="dash"/>
+              <a:miter lim="800000"/>
+              <a:headEnd/>
+              <a:tailEnd/>
+            </a:ln>
+            <a:extLst>
+              <a:ext uri="{909E8E84-426E-40DD-AFC4-6F175D3DCCD1}">
+                <a14:hiddenFill xmlns:a14="http://schemas.microsoft.com/office/drawing/2010/main">
+                  <a:solidFill>
+                    <a:srgbClr val="FFFFFF"/>
+                  </a:solidFill>
+                </a14:hiddenFill>
+              </a:ext>
+            </a:extLst>
+          </p:spPr>
+        </p:sp>
+        <p:sp>
+          <p:nvSpPr>
+            <p:cNvPr id="48" name="Freeform 15">
+              <a:extLst>
+                <a:ext uri="{FF2B5EF4-FFF2-40B4-BE49-F238E27FC236}">
+                  <a16:creationId xmlns:a16="http://schemas.microsoft.com/office/drawing/2014/main" id="{7632F945-80B5-4575-A538-29495BF8F258}"/>
+                </a:ext>
+                <a:ext uri="{C183D7F6-B498-43B3-948B-1728B52AA6E4}">
+                  <adec:decorative xmlns:adec="http://schemas.microsoft.com/office/drawing/2017/decorative" val="1"/>
+                </a:ext>
+              </a:extLst>
+            </p:cNvPr>
+            <p:cNvSpPr/>
+            <p:nvPr>
+              <p:extLst>
+                <p:ext uri="{386F3935-93C4-4BCD-93E2-E3B085C9AB24}">
+                  <p16:designElem xmlns:p16="http://schemas.microsoft.com/office/powerpoint/2015/main" val="1"/>
+                </p:ext>
+              </p:extLst>
+            </p:nvPr>
+          </p:nvSpPr>
+          <p:spPr bwMode="auto">
+            <a:xfrm>
+              <a:off x="6012389" y="5579"/>
+              <a:ext cx="5497513" cy="6866337"/>
+            </a:xfrm>
+            <a:custGeom>
+              <a:avLst/>
+              <a:gdLst/>
+              <a:ahLst/>
+              <a:cxnLst/>
+              <a:rect l="0" t="0" r="r" b="b"/>
+              <a:pathLst>
+                <a:path w="1155" h="1440">
+                  <a:moveTo>
+                    <a:pt x="1056" y="1440"/>
+                  </a:moveTo>
+                  <a:cubicBezTo>
+                    <a:pt x="1155" y="1123"/>
+                    <a:pt x="875" y="801"/>
+                    <a:pt x="686" y="580"/>
+                  </a:cubicBezTo>
+                  <a:cubicBezTo>
+                    <a:pt x="491" y="352"/>
+                    <a:pt x="264" y="145"/>
+                    <a:pt x="0" y="0"/>
+                  </a:cubicBezTo>
+                </a:path>
+              </a:pathLst>
+            </a:custGeom>
+            <a:noFill/>
+            <a:ln w="12700" cap="flat">
+              <a:solidFill>
+                <a:schemeClr val="accent1">
+                  <a:alpha val="5000"/>
+                </a:schemeClr>
+              </a:solidFill>
+              <a:prstDash val="dashDot"/>
+              <a:miter lim="800000"/>
+              <a:headEnd/>
+              <a:tailEnd/>
+            </a:ln>
+            <a:extLst>
+              <a:ext uri="{909E8E84-426E-40DD-AFC4-6F175D3DCCD1}">
+                <a14:hiddenFill xmlns:a14="http://schemas.microsoft.com/office/drawing/2010/main">
+                  <a:solidFill>
+                    <a:srgbClr val="FFFFFF"/>
+                  </a:solidFill>
+                </a14:hiddenFill>
+              </a:ext>
+            </a:extLst>
+          </p:spPr>
+        </p:sp>
+        <p:sp>
+          <p:nvSpPr>
+            <p:cNvPr id="49" name="Freeform 16">
+              <a:extLst>
+                <a:ext uri="{FF2B5EF4-FFF2-40B4-BE49-F238E27FC236}">
+                  <a16:creationId xmlns:a16="http://schemas.microsoft.com/office/drawing/2014/main" id="{5562CC17-43D4-4E57-AE08-83952EE59D5A}"/>
+                </a:ext>
+                <a:ext uri="{C183D7F6-B498-43B3-948B-1728B52AA6E4}">
+                  <adec:decorative xmlns:adec="http://schemas.microsoft.com/office/drawing/2017/decorative" val="1"/>
+                </a:ext>
+              </a:extLst>
+            </p:cNvPr>
+            <p:cNvSpPr/>
+            <p:nvPr>
+              <p:extLst>
+                <p:ext uri="{386F3935-93C4-4BCD-93E2-E3B085C9AB24}">
+                  <p16:designElem xmlns:p16="http://schemas.microsoft.com/office/powerpoint/2015/main" val="1"/>
+                </p:ext>
+              </p:extLst>
+            </p:nvPr>
+          </p:nvSpPr>
+          <p:spPr bwMode="auto">
+            <a:xfrm>
+              <a:off x="-1061" y="5579"/>
+              <a:ext cx="357188" cy="213875"/>
+            </a:xfrm>
+            <a:custGeom>
+              <a:avLst/>
+              <a:gdLst/>
+              <a:ahLst/>
+              <a:cxnLst/>
+              <a:rect l="0" t="0" r="r" b="b"/>
+              <a:pathLst>
+                <a:path w="75" h="45">
+                  <a:moveTo>
+                    <a:pt x="75" y="0"/>
+                  </a:moveTo>
+                  <a:cubicBezTo>
+                    <a:pt x="50" y="14"/>
+                    <a:pt x="25" y="29"/>
+                    <a:pt x="0" y="45"/>
+                  </a:cubicBezTo>
+                </a:path>
+              </a:pathLst>
+            </a:custGeom>
+            <a:noFill/>
+            <a:ln w="12700" cap="flat">
+              <a:solidFill>
+                <a:schemeClr val="accent1">
+                  <a:alpha val="5000"/>
+                </a:schemeClr>
+              </a:solidFill>
+              <a:prstDash val="dashDot"/>
+              <a:miter lim="800000"/>
+              <a:headEnd/>
+              <a:tailEnd/>
+            </a:ln>
+            <a:extLst>
+              <a:ext uri="{909E8E84-426E-40DD-AFC4-6F175D3DCCD1}">
+                <a14:hiddenFill xmlns:a14="http://schemas.microsoft.com/office/drawing/2010/main">
+                  <a:solidFill>
+                    <a:srgbClr val="FFFFFF"/>
+                  </a:solidFill>
+                </a14:hiddenFill>
+              </a:ext>
+            </a:extLst>
+          </p:spPr>
+        </p:sp>
+        <p:sp>
+          <p:nvSpPr>
+            <p:cNvPr id="50" name="Freeform 17">
+              <a:extLst>
+                <a:ext uri="{FF2B5EF4-FFF2-40B4-BE49-F238E27FC236}">
+                  <a16:creationId xmlns:a16="http://schemas.microsoft.com/office/drawing/2014/main" id="{E1D78CFE-04CA-4101-AFCF-196940B2D137}"/>
+                </a:ext>
+                <a:ext uri="{C183D7F6-B498-43B3-948B-1728B52AA6E4}">
+                  <adec:decorative xmlns:adec="http://schemas.microsoft.com/office/drawing/2017/decorative" val="1"/>
+                </a:ext>
+              </a:extLst>
+            </p:cNvPr>
+            <p:cNvSpPr/>
+            <p:nvPr>
+              <p:extLst>
+                <p:ext uri="{386F3935-93C4-4BCD-93E2-E3B085C9AB24}">
+                  <p16:designElem xmlns:p16="http://schemas.microsoft.com/office/powerpoint/2015/main" val="1"/>
+                </p:ext>
+              </p:extLst>
+            </p:nvPr>
+          </p:nvSpPr>
+          <p:spPr bwMode="auto">
+            <a:xfrm>
+              <a:off x="6210826" y="790"/>
+              <a:ext cx="5522913" cy="6871126"/>
+            </a:xfrm>
+            <a:custGeom>
+              <a:avLst/>
+              <a:gdLst/>
+              <a:ahLst/>
+              <a:cxnLst/>
+              <a:rect l="0" t="0" r="r" b="b"/>
+              <a:pathLst>
+                <a:path w="1160" h="1441">
+                  <a:moveTo>
+                    <a:pt x="1053" y="1441"/>
+                  </a:moveTo>
+                  <a:cubicBezTo>
+                    <a:pt x="1160" y="1129"/>
+                    <a:pt x="892" y="817"/>
+                    <a:pt x="705" y="599"/>
+                  </a:cubicBezTo>
+                  <a:cubicBezTo>
+                    <a:pt x="503" y="365"/>
+                    <a:pt x="270" y="152"/>
+                    <a:pt x="0" y="0"/>
+                  </a:cubicBezTo>
+                </a:path>
+              </a:pathLst>
+            </a:custGeom>
+            <a:noFill/>
+            <a:ln w="9525" cap="flat">
+              <a:solidFill>
+                <a:schemeClr val="accent1">
+                  <a:alpha val="4000"/>
+                </a:schemeClr>
+              </a:solidFill>
+              <a:prstDash val="solid"/>
+              <a:miter lim="800000"/>
+              <a:headEnd/>
+              <a:tailEnd/>
+            </a:ln>
+            <a:extLst>
+              <a:ext uri="{909E8E84-426E-40DD-AFC4-6F175D3DCCD1}">
+                <a14:hiddenFill xmlns:a14="http://schemas.microsoft.com/office/drawing/2010/main">
+                  <a:solidFill>
+                    <a:srgbClr val="FFFFFF"/>
+                  </a:solidFill>
+                </a14:hiddenFill>
+              </a:ext>
+            </a:extLst>
+          </p:spPr>
+        </p:sp>
+        <p:sp>
+          <p:nvSpPr>
+            <p:cNvPr id="51" name="Freeform 18">
+              <a:extLst>
+                <a:ext uri="{FF2B5EF4-FFF2-40B4-BE49-F238E27FC236}">
+                  <a16:creationId xmlns:a16="http://schemas.microsoft.com/office/drawing/2014/main" id="{41F2A149-A64E-4690-B049-18C156A8E206}"/>
+                </a:ext>
+                <a:ext uri="{C183D7F6-B498-43B3-948B-1728B52AA6E4}">
+                  <adec:decorative xmlns:adec="http://schemas.microsoft.com/office/drawing/2017/decorative" val="1"/>
+                </a:ext>
+              </a:extLst>
+            </p:cNvPr>
+            <p:cNvSpPr/>
+            <p:nvPr>
+              <p:extLst>
+                <p:ext uri="{386F3935-93C4-4BCD-93E2-E3B085C9AB24}">
+                  <p16:designElem xmlns:p16="http://schemas.microsoft.com/office/powerpoint/2015/main" val="1"/>
+                </p:ext>
+              </p:extLst>
+            </p:nvPr>
+          </p:nvSpPr>
+          <p:spPr bwMode="auto">
+            <a:xfrm>
+              <a:off x="6463239" y="5579"/>
+              <a:ext cx="5413375" cy="6866337"/>
+            </a:xfrm>
+            <a:custGeom>
+              <a:avLst/>
+              <a:gdLst/>
+              <a:ahLst/>
+              <a:cxnLst/>
+              <a:rect l="0" t="0" r="r" b="b"/>
+              <a:pathLst>
+                <a:path w="1137" h="1440">
+                  <a:moveTo>
+                    <a:pt x="1040" y="1440"/>
+                  </a:moveTo>
+                  <a:cubicBezTo>
+                    <a:pt x="1137" y="1131"/>
+                    <a:pt x="883" y="828"/>
+                    <a:pt x="698" y="611"/>
+                  </a:cubicBezTo>
+                  <a:cubicBezTo>
+                    <a:pt x="498" y="375"/>
+                    <a:pt x="268" y="159"/>
+                    <a:pt x="0" y="0"/>
+                  </a:cubicBezTo>
+                </a:path>
+              </a:pathLst>
+            </a:custGeom>
+            <a:noFill/>
+            <a:ln w="9525" cap="flat">
+              <a:solidFill>
+                <a:schemeClr val="accent1">
+                  <a:alpha val="3000"/>
+                </a:schemeClr>
+              </a:solidFill>
+              <a:prstDash val="solid"/>
+              <a:miter lim="800000"/>
+              <a:headEnd/>
+              <a:tailEnd/>
+            </a:ln>
+            <a:extLst>
+              <a:ext uri="{909E8E84-426E-40DD-AFC4-6F175D3DCCD1}">
+                <a14:hiddenFill xmlns:a14="http://schemas.microsoft.com/office/drawing/2010/main">
+                  <a:solidFill>
+                    <a:srgbClr val="FFFFFF"/>
+                  </a:solidFill>
+                </a14:hiddenFill>
+              </a:ext>
+            </a:extLst>
+          </p:spPr>
+        </p:sp>
+        <p:sp>
+          <p:nvSpPr>
+            <p:cNvPr id="52" name="Freeform 19">
+              <a:extLst>
+                <a:ext uri="{FF2B5EF4-FFF2-40B4-BE49-F238E27FC236}">
+                  <a16:creationId xmlns:a16="http://schemas.microsoft.com/office/drawing/2014/main" id="{D9313C72-D62D-4416-A6AE-7EB7D6B54A58}"/>
+                </a:ext>
+                <a:ext uri="{C183D7F6-B498-43B3-948B-1728B52AA6E4}">
+                  <adec:decorative xmlns:adec="http://schemas.microsoft.com/office/drawing/2017/decorative" val="1"/>
+                </a:ext>
+              </a:extLst>
+            </p:cNvPr>
+            <p:cNvSpPr/>
+            <p:nvPr>
+              <p:extLst>
+                <p:ext uri="{386F3935-93C4-4BCD-93E2-E3B085C9AB24}">
+                  <p16:designElem xmlns:p16="http://schemas.microsoft.com/office/powerpoint/2015/main" val="1"/>
+                </p:ext>
+              </p:extLst>
+            </p:nvPr>
+          </p:nvSpPr>
+          <p:spPr bwMode="auto">
+            <a:xfrm>
+              <a:off x="6877576" y="5579"/>
+              <a:ext cx="5037138" cy="6861550"/>
+            </a:xfrm>
+            <a:custGeom>
+              <a:avLst/>
+              <a:gdLst/>
+              <a:ahLst/>
+              <a:cxnLst/>
+              <a:rect l="0" t="0" r="r" b="b"/>
+              <a:pathLst>
+                <a:path w="1058" h="1439">
+                  <a:moveTo>
+                    <a:pt x="1011" y="1439"/>
+                  </a:moveTo>
+                  <a:cubicBezTo>
+                    <a:pt x="1058" y="1131"/>
+                    <a:pt x="825" y="841"/>
+                    <a:pt x="648" y="617"/>
+                  </a:cubicBezTo>
+                  <a:cubicBezTo>
+                    <a:pt x="462" y="383"/>
+                    <a:pt x="248" y="168"/>
+                    <a:pt x="0" y="0"/>
+                  </a:cubicBezTo>
+                </a:path>
+              </a:pathLst>
+            </a:custGeom>
+            <a:noFill/>
+            <a:ln w="9525" cap="flat">
+              <a:solidFill>
+                <a:schemeClr val="accent1">
+                  <a:alpha val="5000"/>
+                </a:schemeClr>
+              </a:solidFill>
+              <a:prstDash val="solid"/>
+              <a:miter lim="800000"/>
+              <a:headEnd/>
+              <a:tailEnd/>
+            </a:ln>
+            <a:extLst>
+              <a:ext uri="{909E8E84-426E-40DD-AFC4-6F175D3DCCD1}">
+                <a14:hiddenFill xmlns:a14="http://schemas.microsoft.com/office/drawing/2010/main">
+                  <a:solidFill>
+                    <a:srgbClr val="FFFFFF"/>
+                  </a:solidFill>
+                </a14:hiddenFill>
+              </a:ext>
+            </a:extLst>
+          </p:spPr>
+        </p:sp>
+        <p:sp>
+          <p:nvSpPr>
+            <p:cNvPr id="53" name="Freeform 20">
+              <a:extLst>
+                <a:ext uri="{FF2B5EF4-FFF2-40B4-BE49-F238E27FC236}">
+                  <a16:creationId xmlns:a16="http://schemas.microsoft.com/office/drawing/2014/main" id="{77B03BEA-76E5-4ECB-B9BB-D89D27509EFD}"/>
+                </a:ext>
+                <a:ext uri="{C183D7F6-B498-43B3-948B-1728B52AA6E4}">
+                  <adec:decorative xmlns:adec="http://schemas.microsoft.com/office/drawing/2017/decorative" val="1"/>
+                </a:ext>
+              </a:extLst>
+            </p:cNvPr>
+            <p:cNvSpPr/>
+            <p:nvPr>
+              <p:extLst>
+                <p:ext uri="{386F3935-93C4-4BCD-93E2-E3B085C9AB24}">
+                  <p16:designElem xmlns:p16="http://schemas.microsoft.com/office/powerpoint/2015/main" val="1"/>
+                </p:ext>
+              </p:extLst>
+            </p:nvPr>
+          </p:nvSpPr>
+          <p:spPr bwMode="auto">
+            <a:xfrm>
+              <a:off x="8768289" y="5579"/>
+              <a:ext cx="3417888" cy="2742066"/>
+            </a:xfrm>
+            <a:custGeom>
+              <a:avLst/>
+              <a:gdLst/>
+              <a:ahLst/>
+              <a:cxnLst/>
+              <a:rect l="0" t="0" r="r" b="b"/>
+              <a:pathLst>
+                <a:path w="718" h="575">
+                  <a:moveTo>
+                    <a:pt x="718" y="575"/>
+                  </a:moveTo>
+                  <a:cubicBezTo>
+                    <a:pt x="500" y="360"/>
+                    <a:pt x="260" y="163"/>
+                    <a:pt x="0" y="0"/>
+                  </a:cubicBezTo>
+                </a:path>
+              </a:pathLst>
+            </a:custGeom>
+            <a:noFill/>
+            <a:ln w="9525" cap="flat">
+              <a:solidFill>
+                <a:schemeClr val="accent1">
+                  <a:alpha val="4000"/>
+                </a:schemeClr>
+              </a:solidFill>
+              <a:prstDash val="solid"/>
+              <a:miter lim="800000"/>
+              <a:headEnd/>
+              <a:tailEnd/>
+            </a:ln>
+            <a:extLst>
+              <a:ext uri="{909E8E84-426E-40DD-AFC4-6F175D3DCCD1}">
+                <a14:hiddenFill xmlns:a14="http://schemas.microsoft.com/office/drawing/2010/main">
+                  <a:solidFill>
+                    <a:srgbClr val="FFFFFF"/>
+                  </a:solidFill>
+                </a14:hiddenFill>
+              </a:ext>
+            </a:extLst>
+          </p:spPr>
+        </p:sp>
+        <p:sp>
+          <p:nvSpPr>
+            <p:cNvPr id="54" name="Freeform 21">
+              <a:extLst>
+                <a:ext uri="{FF2B5EF4-FFF2-40B4-BE49-F238E27FC236}">
+                  <a16:creationId xmlns:a16="http://schemas.microsoft.com/office/drawing/2014/main" id="{6AF6BECE-416D-4C3A-AD6F-68B08F3CA751}"/>
+                </a:ext>
+                <a:ext uri="{C183D7F6-B498-43B3-948B-1728B52AA6E4}">
+                  <adec:decorative xmlns:adec="http://schemas.microsoft.com/office/drawing/2017/decorative" val="1"/>
+                </a:ext>
+              </a:extLst>
+            </p:cNvPr>
+            <p:cNvSpPr/>
+            <p:nvPr>
+              <p:extLst>
+                <p:ext uri="{386F3935-93C4-4BCD-93E2-E3B085C9AB24}">
+                  <p16:designElem xmlns:p16="http://schemas.microsoft.com/office/powerpoint/2015/main" val="1"/>
+                </p:ext>
+              </p:extLst>
+            </p:nvPr>
+          </p:nvSpPr>
+          <p:spPr bwMode="auto">
+            <a:xfrm>
+              <a:off x="9235014" y="10367"/>
+              <a:ext cx="2951163" cy="2555325"/>
+            </a:xfrm>
+            <a:custGeom>
+              <a:avLst/>
+              <a:gdLst/>
+              <a:ahLst/>
+              <a:cxnLst/>
+              <a:rect l="0" t="0" r="r" b="b"/>
+              <a:pathLst>
+                <a:path w="620" h="536">
+                  <a:moveTo>
+                    <a:pt x="620" y="536"/>
+                  </a:moveTo>
+                  <a:cubicBezTo>
+                    <a:pt x="404" y="314"/>
+                    <a:pt x="196" y="138"/>
+                    <a:pt x="0" y="0"/>
+                  </a:cubicBezTo>
+                </a:path>
+              </a:pathLst>
+            </a:custGeom>
+            <a:noFill/>
+            <a:ln w="9525" cap="flat">
+              <a:solidFill>
+                <a:schemeClr val="accent1">
+                  <a:alpha val="4000"/>
+                </a:schemeClr>
+              </a:solidFill>
+              <a:prstDash val="solid"/>
+              <a:miter lim="800000"/>
+              <a:headEnd/>
+              <a:tailEnd/>
+            </a:ln>
+            <a:extLst>
+              <a:ext uri="{909E8E84-426E-40DD-AFC4-6F175D3DCCD1}">
+                <a14:hiddenFill xmlns:a14="http://schemas.microsoft.com/office/drawing/2010/main">
+                  <a:solidFill>
+                    <a:srgbClr val="FFFFFF"/>
+                  </a:solidFill>
+                </a14:hiddenFill>
+              </a:ext>
+            </a:extLst>
+          </p:spPr>
+        </p:sp>
+        <p:sp>
+          <p:nvSpPr>
+            <p:cNvPr id="55" name="Freeform 22">
+              <a:extLst>
+                <a:ext uri="{FF2B5EF4-FFF2-40B4-BE49-F238E27FC236}">
+                  <a16:creationId xmlns:a16="http://schemas.microsoft.com/office/drawing/2014/main" id="{B9197E2A-A098-480D-A2A6-3F3B889EDAEE}"/>
+                </a:ext>
+                <a:ext uri="{C183D7F6-B498-43B3-948B-1728B52AA6E4}">
+                  <adec:decorative xmlns:adec="http://schemas.microsoft.com/office/drawing/2017/decorative" val="1"/>
+                </a:ext>
+              </a:extLst>
+            </p:cNvPr>
+            <p:cNvSpPr/>
+            <p:nvPr>
+              <p:extLst>
+                <p:ext uri="{386F3935-93C4-4BCD-93E2-E3B085C9AB24}">
+                  <p16:designElem xmlns:p16="http://schemas.microsoft.com/office/powerpoint/2015/main" val="1"/>
+                </p:ext>
+              </p:extLst>
+            </p:nvPr>
+          </p:nvSpPr>
+          <p:spPr bwMode="auto">
+            <a:xfrm>
+              <a:off x="10020826" y="5579"/>
+              <a:ext cx="2165350" cy="1358265"/>
+            </a:xfrm>
+            <a:custGeom>
+              <a:avLst/>
+              <a:gdLst/>
+              <a:ahLst/>
+              <a:cxnLst/>
+              <a:rect l="0" t="0" r="r" b="b"/>
+              <a:pathLst>
+                <a:path w="455" h="285">
+                  <a:moveTo>
+                    <a:pt x="0" y="0"/>
+                  </a:moveTo>
+                  <a:cubicBezTo>
+                    <a:pt x="153" y="85"/>
+                    <a:pt x="308" y="180"/>
+                    <a:pt x="455" y="285"/>
+                  </a:cubicBezTo>
+                </a:path>
+              </a:pathLst>
+            </a:custGeom>
+            <a:noFill/>
+            <a:ln w="9525" cap="flat">
+              <a:solidFill>
+                <a:schemeClr val="accent1">
+                  <a:alpha val="4000"/>
+                </a:schemeClr>
+              </a:solidFill>
+              <a:prstDash val="dash"/>
+              <a:miter lim="800000"/>
+              <a:headEnd/>
+              <a:tailEnd/>
+            </a:ln>
+            <a:extLst>
+              <a:ext uri="{909E8E84-426E-40DD-AFC4-6F175D3DCCD1}">
+                <a14:hiddenFill xmlns:a14="http://schemas.microsoft.com/office/drawing/2010/main">
+                  <a:solidFill>
+                    <a:srgbClr val="FFFFFF"/>
+                  </a:solidFill>
+                </a14:hiddenFill>
+              </a:ext>
+            </a:extLst>
+          </p:spPr>
+        </p:sp>
+        <p:sp>
+          <p:nvSpPr>
+            <p:cNvPr id="56" name="Freeform 23">
+              <a:extLst>
+                <a:ext uri="{FF2B5EF4-FFF2-40B4-BE49-F238E27FC236}">
+                  <a16:creationId xmlns:a16="http://schemas.microsoft.com/office/drawing/2014/main" id="{5A493EDB-6C9E-483F-86A6-0F473E5908D5}"/>
+                </a:ext>
+                <a:ext uri="{C183D7F6-B498-43B3-948B-1728B52AA6E4}">
+                  <adec:decorative xmlns:adec="http://schemas.microsoft.com/office/drawing/2017/decorative" val="1"/>
+                </a:ext>
+              </a:extLst>
+            </p:cNvPr>
+            <p:cNvSpPr/>
+            <p:nvPr>
+              <p:extLst>
+                <p:ext uri="{386F3935-93C4-4BCD-93E2-E3B085C9AB24}">
+                  <p16:designElem xmlns:p16="http://schemas.microsoft.com/office/powerpoint/2015/main" val="1"/>
+                </p:ext>
+              </p:extLst>
+            </p:nvPr>
+          </p:nvSpPr>
+          <p:spPr bwMode="auto">
+            <a:xfrm>
+              <a:off x="11290826" y="5579"/>
+              <a:ext cx="895350" cy="534687"/>
+            </a:xfrm>
+            <a:custGeom>
+              <a:avLst/>
+              <a:gdLst/>
+              <a:ahLst/>
+              <a:cxnLst/>
+              <a:rect l="0" t="0" r="r" b="b"/>
+              <a:pathLst>
+                <a:path w="188" h="112">
+                  <a:moveTo>
+                    <a:pt x="0" y="0"/>
+                  </a:moveTo>
+                  <a:cubicBezTo>
+                    <a:pt x="63" y="36"/>
+                    <a:pt x="126" y="73"/>
+                    <a:pt x="188" y="112"/>
+                  </a:cubicBezTo>
+                </a:path>
+              </a:pathLst>
+            </a:custGeom>
+            <a:noFill/>
+            <a:ln w="9525" cap="flat">
+              <a:solidFill>
+                <a:schemeClr val="accent1">
+                  <a:alpha val="3000"/>
+                </a:schemeClr>
+              </a:solidFill>
+              <a:prstDash val="solid"/>
+              <a:miter lim="800000"/>
+              <a:headEnd/>
+              <a:tailEnd/>
+            </a:ln>
+            <a:extLst>
+              <a:ext uri="{909E8E84-426E-40DD-AFC4-6F175D3DCCD1}">
+                <a14:hiddenFill xmlns:a14="http://schemas.microsoft.com/office/drawing/2010/main">
+                  <a:solidFill>
+                    <a:srgbClr val="FFFFFF"/>
+                  </a:solidFill>
+                </a14:hiddenFill>
+              </a:ext>
+            </a:extLst>
+          </p:spPr>
+        </p:sp>
+      </p:grpSp>
+      <p:sp>
+        <p:nvSpPr>
+          <p:cNvPr id="4" name="제목 3">
+            <a:extLst>
+              <a:ext uri="{FF2B5EF4-FFF2-40B4-BE49-F238E27FC236}">
+                <a16:creationId xmlns:a16="http://schemas.microsoft.com/office/drawing/2014/main" id="{21AE69BC-BEB1-4B75-A494-C5E9E2F5BC72}"/>
+              </a:ext>
+            </a:extLst>
+          </p:cNvPr>
+          <p:cNvSpPr>
+            <a:spLocks noGrp="1"/>
+          </p:cNvSpPr>
+          <p:nvPr>
+            <p:ph type="title"/>
+          </p:nvPr>
+        </p:nvSpPr>
+        <p:spPr>
+          <a:xfrm>
+            <a:off x="177533" y="156733"/>
+            <a:ext cx="3166031" cy="544331"/>
+          </a:xfrm>
+        </p:spPr>
+        <p:txBody>
+          <a:bodyPr vert="horz" lIns="228600" tIns="228600" rIns="228600" bIns="0" rtlCol="0" anchor="b">
+            <a:noAutofit/>
+          </a:bodyPr>
+          <a:lstStyle/>
+          <a:p>
+            <a:pPr algn="l" latinLnBrk="0">
+              <a:lnSpc>
+                <a:spcPct val="80000"/>
+              </a:lnSpc>
+            </a:pPr>
+            <a:r>
+              <a:rPr lang="ko-KR" altLang="en-US" sz="3000">
+                <a:solidFill>
+                  <a:schemeClr val="accent1"/>
+                </a:solidFill>
+              </a:rPr>
+              <a:t>스토리보드 설계</a:t>
+            </a:r>
+            <a:endParaRPr lang="en-US" altLang="ko-KR" sz="3000" dirty="0">
+              <a:solidFill>
+                <a:schemeClr val="accent1"/>
+              </a:solidFill>
+            </a:endParaRPr>
+          </a:p>
+        </p:txBody>
+      </p:sp>
+      <p:sp>
+        <p:nvSpPr>
+          <p:cNvPr id="58" name="Isosceles Triangle 57">
+            <a:extLst>
+              <a:ext uri="{FF2B5EF4-FFF2-40B4-BE49-F238E27FC236}">
+                <a16:creationId xmlns:a16="http://schemas.microsoft.com/office/drawing/2014/main" id="{3F39476B-1A6D-47CB-AC7A-FB87EF003323}"/>
+              </a:ext>
+              <a:ext uri="{C183D7F6-B498-43B3-948B-1728B52AA6E4}">
+                <adec:decorative xmlns:adec="http://schemas.microsoft.com/office/drawing/2017/decorative" val="1"/>
+              </a:ext>
+            </a:extLst>
+          </p:cNvPr>
+          <p:cNvSpPr>
+            <a:spLocks noGrp="1" noRot="1" noChangeAspect="1" noMove="1" noResize="1" noEditPoints="1" noAdjustHandles="1" noChangeArrowheads="1" noChangeShapeType="1" noTextEdit="1"/>
+          </p:cNvSpPr>
+          <p:nvPr>
+            <p:extLst>
+              <p:ext uri="{386F3935-93C4-4BCD-93E2-E3B085C9AB24}">
+                <p16:designElem xmlns:p16="http://schemas.microsoft.com/office/powerpoint/2015/main" val="1"/>
+              </p:ext>
+            </p:extLst>
+          </p:nvPr>
+        </p:nvSpPr>
+        <p:spPr>
+          <a:xfrm rot="10800000">
+            <a:off x="1490253" y="3276595"/>
+            <a:ext cx="300774" cy="259288"/>
+          </a:xfrm>
+          <a:prstGeom prst="triangle">
+            <a:avLst/>
+          </a:prstGeom>
+          <a:solidFill>
+            <a:schemeClr val="accent1"/>
+          </a:solidFill>
+          <a:ln>
+            <a:noFill/>
+          </a:ln>
+        </p:spPr>
+        <p:style>
+          <a:lnRef idx="2">
+            <a:schemeClr val="accent1">
+              <a:shade val="50000"/>
+            </a:schemeClr>
+          </a:lnRef>
+          <a:fillRef idx="1">
+            <a:schemeClr val="accent1"/>
+          </a:fillRef>
+          <a:effectRef idx="0">
+            <a:schemeClr val="accent1"/>
+          </a:effectRef>
+          <a:fontRef idx="minor">
+            <a:schemeClr val="lt1"/>
+          </a:fontRef>
+        </p:style>
+        <p:txBody>
+          <a:bodyPr/>
+          <a:lstStyle/>
+          <a:p>
+            <a:endParaRPr lang="en-US" dirty="0"/>
+          </a:p>
+        </p:txBody>
+      </p:sp>
+      <p:sp>
+        <p:nvSpPr>
+          <p:cNvPr id="5" name="직사각형 4">
+            <a:extLst>
+              <a:ext uri="{FF2B5EF4-FFF2-40B4-BE49-F238E27FC236}">
+                <a16:creationId xmlns:a16="http://schemas.microsoft.com/office/drawing/2014/main" id="{E45D7B03-42A6-49E5-B00B-23F7376F47C0}"/>
+              </a:ext>
+            </a:extLst>
+          </p:cNvPr>
+          <p:cNvSpPr/>
+          <p:nvPr/>
+        </p:nvSpPr>
+        <p:spPr>
+          <a:xfrm>
+            <a:off x="159287" y="2442142"/>
+            <a:ext cx="1211032" cy="2301733"/>
+          </a:xfrm>
+          <a:prstGeom prst="rect">
+            <a:avLst/>
+          </a:prstGeom>
+        </p:spPr>
+        <p:style>
+          <a:lnRef idx="2">
+            <a:schemeClr val="accent1">
+              <a:shade val="50000"/>
+            </a:schemeClr>
+          </a:lnRef>
+          <a:fillRef idx="1">
+            <a:schemeClr val="accent1"/>
+          </a:fillRef>
+          <a:effectRef idx="0">
+            <a:schemeClr val="accent1"/>
+          </a:effectRef>
+          <a:fontRef idx="minor">
+            <a:schemeClr val="lt1"/>
+          </a:fontRef>
+        </p:style>
+        <p:txBody>
+          <a:bodyPr rtlCol="0" anchor="ctr"/>
+          <a:lstStyle/>
+          <a:p>
+            <a:pPr algn="ctr"/>
+            <a:r>
+              <a:rPr lang="ko-KR" altLang="en-US" dirty="0"/>
+              <a:t>메인 화면</a:t>
+            </a:r>
+          </a:p>
+        </p:txBody>
+      </p:sp>
+      <p:sp>
+        <p:nvSpPr>
+          <p:cNvPr id="59" name="직사각형 58">
+            <a:extLst>
+              <a:ext uri="{FF2B5EF4-FFF2-40B4-BE49-F238E27FC236}">
+                <a16:creationId xmlns:a16="http://schemas.microsoft.com/office/drawing/2014/main" id="{DE0BAEBE-7735-450A-BC43-3EC8EFE2DA29}"/>
+              </a:ext>
+            </a:extLst>
+          </p:cNvPr>
+          <p:cNvSpPr/>
+          <p:nvPr/>
+        </p:nvSpPr>
+        <p:spPr>
+          <a:xfrm>
+            <a:off x="2711459" y="859873"/>
+            <a:ext cx="1211032" cy="2301733"/>
+          </a:xfrm>
+          <a:prstGeom prst="rect">
+            <a:avLst/>
+          </a:prstGeom>
+        </p:spPr>
+        <p:style>
+          <a:lnRef idx="2">
+            <a:schemeClr val="accent1">
+              <a:shade val="50000"/>
+            </a:schemeClr>
+          </a:lnRef>
+          <a:fillRef idx="1">
+            <a:schemeClr val="accent1"/>
+          </a:fillRef>
+          <a:effectRef idx="0">
+            <a:schemeClr val="accent1"/>
+          </a:effectRef>
+          <a:fontRef idx="minor">
+            <a:schemeClr val="lt1"/>
+          </a:fontRef>
+        </p:style>
+        <p:txBody>
+          <a:bodyPr rtlCol="0" anchor="ctr"/>
+          <a:lstStyle/>
+          <a:p>
+            <a:pPr algn="ctr"/>
+            <a:r>
+              <a:rPr lang="ko-KR" altLang="en-US" dirty="0"/>
+              <a:t>시도 선택</a:t>
+            </a:r>
+            <a:endParaRPr lang="en-US" altLang="ko-KR" dirty="0"/>
+          </a:p>
+          <a:p>
+            <a:pPr algn="ctr"/>
+            <a:r>
+              <a:rPr lang="en-US" altLang="ko-KR" dirty="0"/>
+              <a:t>(</a:t>
+            </a:r>
+            <a:r>
+              <a:rPr lang="ko-KR" altLang="en-US" dirty="0"/>
+              <a:t>그래프 출력</a:t>
+            </a:r>
+            <a:r>
+              <a:rPr lang="en-US" altLang="ko-KR" dirty="0"/>
+              <a:t>)</a:t>
+            </a:r>
+            <a:endParaRPr lang="ko-KR" altLang="en-US" dirty="0"/>
+          </a:p>
+        </p:txBody>
+      </p:sp>
+      <p:sp>
+        <p:nvSpPr>
+          <p:cNvPr id="67" name="직사각형 66">
+            <a:extLst>
+              <a:ext uri="{FF2B5EF4-FFF2-40B4-BE49-F238E27FC236}">
+                <a16:creationId xmlns:a16="http://schemas.microsoft.com/office/drawing/2014/main" id="{2637BBB3-A22B-4D1A-AF4B-CA835A4D8EE1}"/>
+              </a:ext>
+            </a:extLst>
+          </p:cNvPr>
+          <p:cNvSpPr/>
+          <p:nvPr/>
+        </p:nvSpPr>
+        <p:spPr>
+          <a:xfrm>
+            <a:off x="2695316" y="4117818"/>
+            <a:ext cx="1211032" cy="2301733"/>
+          </a:xfrm>
+          <a:prstGeom prst="rect">
+            <a:avLst/>
+          </a:prstGeom>
+        </p:spPr>
+        <p:style>
+          <a:lnRef idx="2">
+            <a:schemeClr val="accent1">
+              <a:shade val="50000"/>
+            </a:schemeClr>
+          </a:lnRef>
+          <a:fillRef idx="1">
+            <a:schemeClr val="accent1"/>
+          </a:fillRef>
+          <a:effectRef idx="0">
+            <a:schemeClr val="accent1"/>
+          </a:effectRef>
+          <a:fontRef idx="minor">
+            <a:schemeClr val="lt1"/>
+          </a:fontRef>
+        </p:style>
+        <p:txBody>
+          <a:bodyPr rtlCol="0" anchor="ctr"/>
+          <a:lstStyle/>
+          <a:p>
+            <a:pPr algn="ctr"/>
+            <a:r>
+              <a:rPr lang="ko-KR" altLang="en-US" dirty="0"/>
+              <a:t>시도 선택</a:t>
+            </a:r>
+            <a:endParaRPr lang="en-US" altLang="ko-KR" dirty="0"/>
+          </a:p>
+          <a:p>
+            <a:pPr algn="ctr"/>
+            <a:r>
+              <a:rPr lang="en-US" altLang="ko-KR" dirty="0"/>
+              <a:t>(</a:t>
+            </a:r>
+            <a:r>
+              <a:rPr lang="ko-KR" altLang="en-US" dirty="0"/>
+              <a:t>그래프 출력</a:t>
+            </a:r>
+            <a:r>
+              <a:rPr lang="en-US" altLang="ko-KR"/>
+              <a:t>)</a:t>
+            </a:r>
+            <a:endParaRPr lang="ko-KR" altLang="en-US" dirty="0"/>
+          </a:p>
+        </p:txBody>
+      </p:sp>
+      <p:sp>
+        <p:nvSpPr>
+          <p:cNvPr id="68" name="직사각형 67">
+            <a:extLst>
+              <a:ext uri="{FF2B5EF4-FFF2-40B4-BE49-F238E27FC236}">
+                <a16:creationId xmlns:a16="http://schemas.microsoft.com/office/drawing/2014/main" id="{181AB683-81D0-434A-AEF2-40A398D15AE1}"/>
+              </a:ext>
+            </a:extLst>
+          </p:cNvPr>
+          <p:cNvSpPr/>
+          <p:nvPr/>
+        </p:nvSpPr>
+        <p:spPr>
+          <a:xfrm>
+            <a:off x="4637051" y="859873"/>
+            <a:ext cx="1211032" cy="2301733"/>
+          </a:xfrm>
+          <a:prstGeom prst="rect">
+            <a:avLst/>
+          </a:prstGeom>
+        </p:spPr>
+        <p:style>
+          <a:lnRef idx="2">
+            <a:schemeClr val="accent1">
+              <a:shade val="50000"/>
+            </a:schemeClr>
+          </a:lnRef>
+          <a:fillRef idx="1">
+            <a:schemeClr val="accent1"/>
+          </a:fillRef>
+          <a:effectRef idx="0">
+            <a:schemeClr val="accent1"/>
+          </a:effectRef>
+          <a:fontRef idx="minor">
+            <a:schemeClr val="lt1"/>
+          </a:fontRef>
+        </p:style>
+        <p:txBody>
+          <a:bodyPr rtlCol="0" anchor="ctr"/>
+          <a:lstStyle/>
+          <a:p>
+            <a:pPr algn="ctr"/>
+            <a:r>
+              <a:rPr lang="ko-KR" altLang="en-US" dirty="0"/>
+              <a:t>구군 선택</a:t>
+            </a:r>
+          </a:p>
+        </p:txBody>
+      </p:sp>
+      <p:sp>
+        <p:nvSpPr>
+          <p:cNvPr id="69" name="직사각형 68">
+            <a:extLst>
+              <a:ext uri="{FF2B5EF4-FFF2-40B4-BE49-F238E27FC236}">
+                <a16:creationId xmlns:a16="http://schemas.microsoft.com/office/drawing/2014/main" id="{EF21C272-E323-4930-8EB2-704607106508}"/>
+              </a:ext>
+            </a:extLst>
+          </p:cNvPr>
+          <p:cNvSpPr/>
+          <p:nvPr/>
+        </p:nvSpPr>
+        <p:spPr>
+          <a:xfrm>
+            <a:off x="4630181" y="4117818"/>
+            <a:ext cx="1211032" cy="2301733"/>
+          </a:xfrm>
+          <a:prstGeom prst="rect">
+            <a:avLst/>
+          </a:prstGeom>
+        </p:spPr>
+        <p:style>
+          <a:lnRef idx="2">
+            <a:schemeClr val="accent1">
+              <a:shade val="50000"/>
+            </a:schemeClr>
+          </a:lnRef>
+          <a:fillRef idx="1">
+            <a:schemeClr val="accent1"/>
+          </a:fillRef>
+          <a:effectRef idx="0">
+            <a:schemeClr val="accent1"/>
+          </a:effectRef>
+          <a:fontRef idx="minor">
+            <a:schemeClr val="lt1"/>
+          </a:fontRef>
+        </p:style>
+        <p:txBody>
+          <a:bodyPr rtlCol="0" anchor="ctr"/>
+          <a:lstStyle/>
+          <a:p>
+            <a:pPr algn="ctr"/>
+            <a:r>
+              <a:rPr lang="ko-KR" altLang="en-US" dirty="0"/>
+              <a:t>구군 선택</a:t>
+            </a:r>
+          </a:p>
+        </p:txBody>
+      </p:sp>
+      <p:sp>
+        <p:nvSpPr>
+          <p:cNvPr id="70" name="직사각형 69">
+            <a:extLst>
+              <a:ext uri="{FF2B5EF4-FFF2-40B4-BE49-F238E27FC236}">
+                <a16:creationId xmlns:a16="http://schemas.microsoft.com/office/drawing/2014/main" id="{0D6A00A2-D880-42A9-893B-806C86A6B3A3}"/>
+              </a:ext>
+            </a:extLst>
+          </p:cNvPr>
+          <p:cNvSpPr/>
+          <p:nvPr/>
+        </p:nvSpPr>
+        <p:spPr>
+          <a:xfrm>
+            <a:off x="6562643" y="857480"/>
+            <a:ext cx="1211032" cy="2301733"/>
+          </a:xfrm>
+          <a:prstGeom prst="rect">
+            <a:avLst/>
+          </a:prstGeom>
+        </p:spPr>
+        <p:style>
+          <a:lnRef idx="2">
+            <a:schemeClr val="accent1">
+              <a:shade val="50000"/>
+            </a:schemeClr>
+          </a:lnRef>
+          <a:fillRef idx="1">
+            <a:schemeClr val="accent1"/>
+          </a:fillRef>
+          <a:effectRef idx="0">
+            <a:schemeClr val="accent1"/>
+          </a:effectRef>
+          <a:fontRef idx="minor">
+            <a:schemeClr val="lt1"/>
+          </a:fontRef>
+        </p:style>
+        <p:txBody>
+          <a:bodyPr rtlCol="0" anchor="ctr"/>
+          <a:lstStyle/>
+          <a:p>
+            <a:pPr algn="ctr"/>
+            <a:r>
+              <a:rPr lang="ko-KR" altLang="en-US" dirty="0"/>
+              <a:t>구분 코드 선택</a:t>
+            </a:r>
+          </a:p>
+        </p:txBody>
+      </p:sp>
+      <p:sp>
+        <p:nvSpPr>
+          <p:cNvPr id="71" name="직사각형 70">
+            <a:extLst>
+              <a:ext uri="{FF2B5EF4-FFF2-40B4-BE49-F238E27FC236}">
+                <a16:creationId xmlns:a16="http://schemas.microsoft.com/office/drawing/2014/main" id="{FB0415B5-E420-42B6-B4E5-937AEB5D7FB4}"/>
+              </a:ext>
+            </a:extLst>
+          </p:cNvPr>
+          <p:cNvSpPr/>
+          <p:nvPr/>
+        </p:nvSpPr>
+        <p:spPr>
+          <a:xfrm>
+            <a:off x="6582647" y="4123705"/>
+            <a:ext cx="1211032" cy="2301733"/>
+          </a:xfrm>
+          <a:prstGeom prst="rect">
+            <a:avLst/>
+          </a:prstGeom>
+        </p:spPr>
+        <p:style>
+          <a:lnRef idx="2">
+            <a:schemeClr val="accent1">
+              <a:shade val="50000"/>
+            </a:schemeClr>
+          </a:lnRef>
+          <a:fillRef idx="1">
+            <a:schemeClr val="accent1"/>
+          </a:fillRef>
+          <a:effectRef idx="0">
+            <a:schemeClr val="accent1"/>
+          </a:effectRef>
+          <a:fontRef idx="minor">
+            <a:schemeClr val="lt1"/>
+          </a:fontRef>
+        </p:style>
+        <p:txBody>
+          <a:bodyPr rtlCol="0" anchor="ctr"/>
+          <a:lstStyle/>
+          <a:p>
+            <a:pPr algn="ctr"/>
+            <a:r>
+              <a:rPr lang="ko-KR" altLang="en-US" dirty="0"/>
+              <a:t>약국</a:t>
+            </a:r>
+            <a:r>
+              <a:rPr lang="en-US" altLang="ko-KR" dirty="0"/>
+              <a:t>, </a:t>
+            </a:r>
+            <a:r>
+              <a:rPr lang="ko-KR" altLang="en-US" dirty="0"/>
+              <a:t>우체국 목록 출력</a:t>
+            </a:r>
+          </a:p>
+        </p:txBody>
+      </p:sp>
+      <p:sp>
+        <p:nvSpPr>
+          <p:cNvPr id="72" name="직사각형 71">
+            <a:extLst>
+              <a:ext uri="{FF2B5EF4-FFF2-40B4-BE49-F238E27FC236}">
+                <a16:creationId xmlns:a16="http://schemas.microsoft.com/office/drawing/2014/main" id="{B916DD06-AAEF-4C16-A7B0-440ADF618FFA}"/>
+              </a:ext>
+            </a:extLst>
+          </p:cNvPr>
+          <p:cNvSpPr/>
+          <p:nvPr/>
+        </p:nvSpPr>
+        <p:spPr>
+          <a:xfrm>
+            <a:off x="8494186" y="879070"/>
+            <a:ext cx="1211032" cy="2301733"/>
+          </a:xfrm>
+          <a:prstGeom prst="rect">
+            <a:avLst/>
+          </a:prstGeom>
+        </p:spPr>
+        <p:style>
+          <a:lnRef idx="2">
+            <a:schemeClr val="accent1">
+              <a:shade val="50000"/>
+            </a:schemeClr>
+          </a:lnRef>
+          <a:fillRef idx="1">
+            <a:schemeClr val="accent1"/>
+          </a:fillRef>
+          <a:effectRef idx="0">
+            <a:schemeClr val="accent1"/>
+          </a:effectRef>
+          <a:fontRef idx="minor">
+            <a:schemeClr val="lt1"/>
+          </a:fontRef>
+        </p:style>
+        <p:txBody>
+          <a:bodyPr rtlCol="0" anchor="ctr"/>
+          <a:lstStyle/>
+          <a:p>
+            <a:pPr algn="ctr"/>
+            <a:r>
+              <a:rPr lang="ko-KR" altLang="en-US" dirty="0"/>
+              <a:t>진료소 목록 출력</a:t>
+            </a:r>
+          </a:p>
+        </p:txBody>
+      </p:sp>
+      <p:sp>
+        <p:nvSpPr>
+          <p:cNvPr id="73" name="직사각형 72">
+            <a:extLst>
+              <a:ext uri="{FF2B5EF4-FFF2-40B4-BE49-F238E27FC236}">
+                <a16:creationId xmlns:a16="http://schemas.microsoft.com/office/drawing/2014/main" id="{E33842DE-C7EB-4A7F-B7DF-42A166C38865}"/>
+              </a:ext>
+            </a:extLst>
+          </p:cNvPr>
+          <p:cNvSpPr/>
+          <p:nvPr/>
+        </p:nvSpPr>
+        <p:spPr>
+          <a:xfrm>
+            <a:off x="8494186" y="4102359"/>
+            <a:ext cx="1211032" cy="2301733"/>
+          </a:xfrm>
+          <a:prstGeom prst="rect">
+            <a:avLst/>
+          </a:prstGeom>
+        </p:spPr>
+        <p:style>
+          <a:lnRef idx="2">
+            <a:schemeClr val="accent1">
+              <a:shade val="50000"/>
+            </a:schemeClr>
+          </a:lnRef>
+          <a:fillRef idx="1">
+            <a:schemeClr val="accent1"/>
+          </a:fillRef>
+          <a:effectRef idx="0">
+            <a:schemeClr val="accent1"/>
+          </a:effectRef>
+          <a:fontRef idx="minor">
+            <a:schemeClr val="lt1"/>
+          </a:fontRef>
+        </p:style>
+        <p:txBody>
+          <a:bodyPr rtlCol="0" anchor="ctr"/>
+          <a:lstStyle/>
+          <a:p>
+            <a:pPr algn="ctr"/>
+            <a:r>
+              <a:rPr lang="ko-KR" altLang="en-US" dirty="0"/>
+              <a:t>지도</a:t>
+            </a:r>
+            <a:r>
+              <a:rPr lang="en-US" altLang="ko-KR" dirty="0"/>
+              <a:t>0</a:t>
+            </a:r>
+            <a:endParaRPr lang="ko-KR" altLang="en-US" dirty="0"/>
+          </a:p>
+        </p:txBody>
+      </p:sp>
+      <p:sp>
+        <p:nvSpPr>
+          <p:cNvPr id="6" name="화살표: 오른쪽 5">
+            <a:extLst>
+              <a:ext uri="{FF2B5EF4-FFF2-40B4-BE49-F238E27FC236}">
+                <a16:creationId xmlns:a16="http://schemas.microsoft.com/office/drawing/2014/main" id="{EB50FCC9-2E6E-4451-A47C-B5369D6218DE}"/>
+              </a:ext>
+            </a:extLst>
+          </p:cNvPr>
+          <p:cNvSpPr/>
+          <p:nvPr/>
+        </p:nvSpPr>
+        <p:spPr>
+          <a:xfrm rot="19005034">
+            <a:off x="1369197" y="2709852"/>
+            <a:ext cx="1305507" cy="572968"/>
+          </a:xfrm>
+          <a:prstGeom prst="rightArrow">
+            <a:avLst/>
+          </a:prstGeom>
+        </p:spPr>
+        <p:style>
+          <a:lnRef idx="2">
+            <a:schemeClr val="accent1">
+              <a:shade val="50000"/>
+            </a:schemeClr>
+          </a:lnRef>
+          <a:fillRef idx="1">
+            <a:schemeClr val="accent1"/>
+          </a:fillRef>
+          <a:effectRef idx="0">
+            <a:schemeClr val="accent1"/>
+          </a:effectRef>
+          <a:fontRef idx="minor">
+            <a:schemeClr val="lt1"/>
+          </a:fontRef>
+        </p:style>
+        <p:txBody>
+          <a:bodyPr rtlCol="0" anchor="ctr"/>
+          <a:lstStyle/>
+          <a:p>
+            <a:pPr algn="ctr"/>
+            <a:r>
+              <a:rPr lang="ko-KR" altLang="en-US" sz="1000" dirty="0"/>
+              <a:t>코로나</a:t>
+            </a:r>
+            <a:r>
+              <a:rPr lang="en-US" altLang="ko-KR" sz="1000" dirty="0"/>
+              <a:t>19 </a:t>
+            </a:r>
+            <a:r>
+              <a:rPr lang="ko-KR" altLang="en-US" sz="1000" dirty="0"/>
+              <a:t>진료소</a:t>
+            </a:r>
+          </a:p>
+        </p:txBody>
+      </p:sp>
+      <p:sp>
+        <p:nvSpPr>
+          <p:cNvPr id="74" name="화살표: 오른쪽 73">
+            <a:extLst>
+              <a:ext uri="{FF2B5EF4-FFF2-40B4-BE49-F238E27FC236}">
+                <a16:creationId xmlns:a16="http://schemas.microsoft.com/office/drawing/2014/main" id="{AFEAE16A-79F8-4454-A5C3-6072DAB97504}"/>
+              </a:ext>
+            </a:extLst>
+          </p:cNvPr>
+          <p:cNvSpPr/>
+          <p:nvPr/>
+        </p:nvSpPr>
+        <p:spPr>
+          <a:xfrm rot="2611756">
+            <a:off x="1388135" y="3997960"/>
+            <a:ext cx="1305507" cy="572968"/>
+          </a:xfrm>
+          <a:prstGeom prst="rightArrow">
+            <a:avLst/>
+          </a:prstGeom>
+        </p:spPr>
+        <p:style>
+          <a:lnRef idx="2">
+            <a:schemeClr val="accent1">
+              <a:shade val="50000"/>
+            </a:schemeClr>
+          </a:lnRef>
+          <a:fillRef idx="1">
+            <a:schemeClr val="accent1"/>
+          </a:fillRef>
+          <a:effectRef idx="0">
+            <a:schemeClr val="accent1"/>
+          </a:effectRef>
+          <a:fontRef idx="minor">
+            <a:schemeClr val="lt1"/>
+          </a:fontRef>
+        </p:style>
+        <p:txBody>
+          <a:bodyPr rtlCol="0" anchor="ctr"/>
+          <a:lstStyle/>
+          <a:p>
+            <a:pPr algn="ctr"/>
+            <a:r>
+              <a:rPr lang="ko-KR" altLang="en-US" sz="1230" dirty="0"/>
+              <a:t>마스크 판매처</a:t>
+            </a:r>
+          </a:p>
+        </p:txBody>
+      </p:sp>
+      <p:sp>
+        <p:nvSpPr>
+          <p:cNvPr id="7" name="화살표: 오른쪽 6">
+            <a:extLst>
+              <a:ext uri="{FF2B5EF4-FFF2-40B4-BE49-F238E27FC236}">
+                <a16:creationId xmlns:a16="http://schemas.microsoft.com/office/drawing/2014/main" id="{A8DF5146-9EB7-43DB-9FB0-83F06A938636}"/>
+              </a:ext>
+            </a:extLst>
+          </p:cNvPr>
+          <p:cNvSpPr/>
+          <p:nvPr/>
+        </p:nvSpPr>
+        <p:spPr>
+          <a:xfrm>
+            <a:off x="4068661" y="1780905"/>
+            <a:ext cx="404084" cy="448372"/>
+          </a:xfrm>
+          <a:prstGeom prst="rightArrow">
+            <a:avLst/>
+          </a:prstGeom>
+        </p:spPr>
+        <p:style>
+          <a:lnRef idx="2">
+            <a:schemeClr val="accent1">
+              <a:shade val="50000"/>
+            </a:schemeClr>
+          </a:lnRef>
+          <a:fillRef idx="1">
+            <a:schemeClr val="accent1"/>
+          </a:fillRef>
+          <a:effectRef idx="0">
+            <a:schemeClr val="accent1"/>
+          </a:effectRef>
+          <a:fontRef idx="minor">
+            <a:schemeClr val="lt1"/>
+          </a:fontRef>
+        </p:style>
+        <p:txBody>
+          <a:bodyPr rtlCol="0" anchor="ctr"/>
+          <a:lstStyle/>
+          <a:p>
+            <a:pPr algn="ctr"/>
+            <a:endParaRPr lang="ko-KR" altLang="en-US"/>
+          </a:p>
+        </p:txBody>
+      </p:sp>
+      <p:sp>
+        <p:nvSpPr>
+          <p:cNvPr id="75" name="화살표: 오른쪽 74">
+            <a:extLst>
+              <a:ext uri="{FF2B5EF4-FFF2-40B4-BE49-F238E27FC236}">
+                <a16:creationId xmlns:a16="http://schemas.microsoft.com/office/drawing/2014/main" id="{B803C768-EDF1-47AF-BE76-9525153A6D1D}"/>
+              </a:ext>
+            </a:extLst>
+          </p:cNvPr>
+          <p:cNvSpPr/>
+          <p:nvPr/>
+        </p:nvSpPr>
+        <p:spPr>
+          <a:xfrm>
+            <a:off x="4052863" y="5061298"/>
+            <a:ext cx="404084" cy="448372"/>
+          </a:xfrm>
+          <a:prstGeom prst="rightArrow">
+            <a:avLst/>
+          </a:prstGeom>
+        </p:spPr>
+        <p:style>
+          <a:lnRef idx="2">
+            <a:schemeClr val="accent1">
+              <a:shade val="50000"/>
+            </a:schemeClr>
+          </a:lnRef>
+          <a:fillRef idx="1">
+            <a:schemeClr val="accent1"/>
+          </a:fillRef>
+          <a:effectRef idx="0">
+            <a:schemeClr val="accent1"/>
+          </a:effectRef>
+          <a:fontRef idx="minor">
+            <a:schemeClr val="lt1"/>
+          </a:fontRef>
+        </p:style>
+        <p:txBody>
+          <a:bodyPr rtlCol="0" anchor="ctr"/>
+          <a:lstStyle/>
+          <a:p>
+            <a:pPr algn="ctr"/>
+            <a:endParaRPr lang="ko-KR" altLang="en-US"/>
+          </a:p>
+        </p:txBody>
+      </p:sp>
+      <p:sp>
+        <p:nvSpPr>
+          <p:cNvPr id="76" name="화살표: 오른쪽 75">
+            <a:extLst>
+              <a:ext uri="{FF2B5EF4-FFF2-40B4-BE49-F238E27FC236}">
+                <a16:creationId xmlns:a16="http://schemas.microsoft.com/office/drawing/2014/main" id="{CD8C1B86-1010-4281-B4A1-8158EEDCE921}"/>
+              </a:ext>
+            </a:extLst>
+          </p:cNvPr>
+          <p:cNvSpPr/>
+          <p:nvPr/>
+        </p:nvSpPr>
+        <p:spPr>
+          <a:xfrm>
+            <a:off x="6061053" y="5035130"/>
+            <a:ext cx="404084" cy="448372"/>
+          </a:xfrm>
+          <a:prstGeom prst="rightArrow">
+            <a:avLst/>
+          </a:prstGeom>
+        </p:spPr>
+        <p:style>
+          <a:lnRef idx="2">
+            <a:schemeClr val="accent1">
+              <a:shade val="50000"/>
+            </a:schemeClr>
+          </a:lnRef>
+          <a:fillRef idx="1">
+            <a:schemeClr val="accent1"/>
+          </a:fillRef>
+          <a:effectRef idx="0">
+            <a:schemeClr val="accent1"/>
+          </a:effectRef>
+          <a:fontRef idx="minor">
+            <a:schemeClr val="lt1"/>
+          </a:fontRef>
+        </p:style>
+        <p:txBody>
+          <a:bodyPr rtlCol="0" anchor="ctr"/>
+          <a:lstStyle/>
+          <a:p>
+            <a:pPr algn="ctr"/>
+            <a:endParaRPr lang="ko-KR" altLang="en-US"/>
+          </a:p>
+        </p:txBody>
+      </p:sp>
+      <p:sp>
+        <p:nvSpPr>
+          <p:cNvPr id="77" name="화살표: 오른쪽 76">
+            <a:extLst>
+              <a:ext uri="{FF2B5EF4-FFF2-40B4-BE49-F238E27FC236}">
+                <a16:creationId xmlns:a16="http://schemas.microsoft.com/office/drawing/2014/main" id="{16FFC3F1-8129-49A1-97E4-6631EABE97C0}"/>
+              </a:ext>
+            </a:extLst>
+          </p:cNvPr>
+          <p:cNvSpPr/>
+          <p:nvPr/>
+        </p:nvSpPr>
+        <p:spPr>
+          <a:xfrm>
+            <a:off x="6011705" y="1824700"/>
+            <a:ext cx="404084" cy="448372"/>
+          </a:xfrm>
+          <a:prstGeom prst="rightArrow">
+            <a:avLst/>
+          </a:prstGeom>
+        </p:spPr>
+        <p:style>
+          <a:lnRef idx="2">
+            <a:schemeClr val="accent1">
+              <a:shade val="50000"/>
+            </a:schemeClr>
+          </a:lnRef>
+          <a:fillRef idx="1">
+            <a:schemeClr val="accent1"/>
+          </a:fillRef>
+          <a:effectRef idx="0">
+            <a:schemeClr val="accent1"/>
+          </a:effectRef>
+          <a:fontRef idx="minor">
+            <a:schemeClr val="lt1"/>
+          </a:fontRef>
+        </p:style>
+        <p:txBody>
+          <a:bodyPr rtlCol="0" anchor="ctr"/>
+          <a:lstStyle/>
+          <a:p>
+            <a:pPr algn="ctr"/>
+            <a:endParaRPr lang="ko-KR" altLang="en-US"/>
+          </a:p>
+        </p:txBody>
+      </p:sp>
+      <p:sp>
+        <p:nvSpPr>
+          <p:cNvPr id="78" name="화살표: 오른쪽 77">
+            <a:extLst>
+              <a:ext uri="{FF2B5EF4-FFF2-40B4-BE49-F238E27FC236}">
+                <a16:creationId xmlns:a16="http://schemas.microsoft.com/office/drawing/2014/main" id="{8CCB7108-56C3-43E8-8FE4-DD54014F4ACF}"/>
+              </a:ext>
+            </a:extLst>
+          </p:cNvPr>
+          <p:cNvSpPr/>
+          <p:nvPr/>
+        </p:nvSpPr>
+        <p:spPr>
+          <a:xfrm>
+            <a:off x="7975324" y="1824700"/>
+            <a:ext cx="404084" cy="448372"/>
+          </a:xfrm>
+          <a:prstGeom prst="rightArrow">
+            <a:avLst/>
+          </a:prstGeom>
+        </p:spPr>
+        <p:style>
+          <a:lnRef idx="2">
+            <a:schemeClr val="accent1">
+              <a:shade val="50000"/>
+            </a:schemeClr>
+          </a:lnRef>
+          <a:fillRef idx="1">
+            <a:schemeClr val="accent1"/>
+          </a:fillRef>
+          <a:effectRef idx="0">
+            <a:schemeClr val="accent1"/>
+          </a:effectRef>
+          <a:fontRef idx="minor">
+            <a:schemeClr val="lt1"/>
+          </a:fontRef>
+        </p:style>
+        <p:txBody>
+          <a:bodyPr rtlCol="0" anchor="ctr"/>
+          <a:lstStyle/>
+          <a:p>
+            <a:pPr algn="ctr"/>
+            <a:endParaRPr lang="ko-KR" altLang="en-US"/>
+          </a:p>
+        </p:txBody>
+      </p:sp>
+      <p:sp>
+        <p:nvSpPr>
+          <p:cNvPr id="79" name="화살표: 오른쪽 78">
+            <a:extLst>
+              <a:ext uri="{FF2B5EF4-FFF2-40B4-BE49-F238E27FC236}">
+                <a16:creationId xmlns:a16="http://schemas.microsoft.com/office/drawing/2014/main" id="{0E40BD6B-B4F2-4DB4-81C9-6DDC3B5DBA7F}"/>
+              </a:ext>
+            </a:extLst>
+          </p:cNvPr>
+          <p:cNvSpPr/>
+          <p:nvPr/>
+        </p:nvSpPr>
+        <p:spPr>
+          <a:xfrm>
+            <a:off x="7961753" y="5036636"/>
+            <a:ext cx="404084" cy="448372"/>
+          </a:xfrm>
+          <a:prstGeom prst="rightArrow">
+            <a:avLst/>
+          </a:prstGeom>
+        </p:spPr>
+        <p:style>
+          <a:lnRef idx="2">
+            <a:schemeClr val="accent1">
+              <a:shade val="50000"/>
+            </a:schemeClr>
+          </a:lnRef>
+          <a:fillRef idx="1">
+            <a:schemeClr val="accent1"/>
+          </a:fillRef>
+          <a:effectRef idx="0">
+            <a:schemeClr val="accent1"/>
+          </a:effectRef>
+          <a:fontRef idx="minor">
+            <a:schemeClr val="lt1"/>
+          </a:fontRef>
+        </p:style>
+        <p:txBody>
+          <a:bodyPr rtlCol="0" anchor="ctr"/>
+          <a:lstStyle/>
+          <a:p>
+            <a:pPr algn="ctr"/>
+            <a:endParaRPr lang="ko-KR" altLang="en-US"/>
+          </a:p>
+        </p:txBody>
+      </p:sp>
+    </p:spTree>
+    <p:extLst>
+      <p:ext uri="{BB962C8B-B14F-4D97-AF65-F5344CB8AC3E}">
+        <p14:creationId xmlns:p14="http://schemas.microsoft.com/office/powerpoint/2010/main" val="855397928"/>
+      </p:ext>
+    </p:extLst>
+  </p:cSld>
+  <p:clrMapOvr>
+    <a:masterClrMapping/>
+  </p:clrMapOvr>
+</p:sld>
+</file>
+
+<file path=ppt/slides/slide6.xml><?xml version="1.0" encoding="utf-8"?>
 <p:sld xmlns:a="http://schemas.openxmlformats.org/drawingml/2006/main" xmlns:r="http://schemas.openxmlformats.org/officeDocument/2006/relationships" xmlns:p="http://schemas.openxmlformats.org/presentationml/2006/main">
   <p:cSld>
     <p:spTree>

--- a/스마트폰 게임 프로그래밍 기획발표.pptx
+++ b/스마트폰 게임 프로그래밍 기획발표.pptx
@@ -10,7 +10,8 @@
     <p:sldId id="258" r:id="rId4"/>
     <p:sldId id="259" r:id="rId5"/>
     <p:sldId id="261" r:id="rId6"/>
-    <p:sldId id="260" r:id="rId7"/>
+    <p:sldId id="263" r:id="rId7"/>
+    <p:sldId id="260" r:id="rId8"/>
   </p:sldIdLst>
   <p:sldSz cx="12192000" cy="6858000"/>
   <p:notesSz cx="6858000" cy="9144000"/>
@@ -1527,7 +1528,7 @@
             <a:fld id="{48A87A34-81AB-432B-8DAE-1953F412C126}" type="datetimeFigureOut">
               <a:rPr lang="en-US" dirty="0"/>
               <a:pPr/>
-              <a:t>5/26/2020</a:t>
+              <a:t>5/28/2020</a:t>
             </a:fld>
             <a:endParaRPr lang="en-US" dirty="0"/>
           </a:p>
@@ -2981,7 +2982,7 @@
           <a:p>
             <a:fld id="{48A87A34-81AB-432B-8DAE-1953F412C126}" type="datetimeFigureOut">
               <a:rPr lang="en-US" dirty="0"/>
-              <a:t>5/26/2020</a:t>
+              <a:t>5/28/2020</a:t>
             </a:fld>
             <a:endParaRPr lang="en-US" dirty="0"/>
           </a:p>
@@ -4429,7 +4430,7 @@
           <a:p>
             <a:fld id="{48A87A34-81AB-432B-8DAE-1953F412C126}" type="datetimeFigureOut">
               <a:rPr lang="en-US" dirty="0"/>
-              <a:t>5/26/2020</a:t>
+              <a:t>5/28/2020</a:t>
             </a:fld>
             <a:endParaRPr lang="en-US" dirty="0"/>
           </a:p>
@@ -5879,7 +5880,7 @@
           <a:p>
             <a:fld id="{48A87A34-81AB-432B-8DAE-1953F412C126}" type="datetimeFigureOut">
               <a:rPr lang="en-US" dirty="0"/>
-              <a:t>5/26/2020</a:t>
+              <a:t>5/28/2020</a:t>
             </a:fld>
             <a:endParaRPr lang="en-US" dirty="0"/>
           </a:p>
@@ -7382,7 +7383,7 @@
           <a:p>
             <a:fld id="{48A87A34-81AB-432B-8DAE-1953F412C126}" type="datetimeFigureOut">
               <a:rPr lang="en-US" dirty="0"/>
-              <a:t>5/26/2020</a:t>
+              <a:t>5/28/2020</a:t>
             </a:fld>
             <a:endParaRPr lang="en-US" dirty="0"/>
           </a:p>
@@ -8898,7 +8899,7 @@
           <a:p>
             <a:fld id="{48A87A34-81AB-432B-8DAE-1953F412C126}" type="datetimeFigureOut">
               <a:rPr lang="en-US" dirty="0"/>
-              <a:t>5/26/2020</a:t>
+              <a:t>5/28/2020</a:t>
             </a:fld>
             <a:endParaRPr lang="en-US" dirty="0"/>
           </a:p>
@@ -10558,7 +10559,7 @@
           <a:p>
             <a:fld id="{48A87A34-81AB-432B-8DAE-1953F412C126}" type="datetimeFigureOut">
               <a:rPr lang="en-US" dirty="0"/>
-              <a:t>5/26/2020</a:t>
+              <a:t>5/28/2020</a:t>
             </a:fld>
             <a:endParaRPr lang="en-US" dirty="0"/>
           </a:p>
@@ -11951,7 +11952,7 @@
           <a:p>
             <a:fld id="{48A87A34-81AB-432B-8DAE-1953F412C126}" type="datetimeFigureOut">
               <a:rPr lang="en-US" dirty="0"/>
-              <a:t>5/26/2020</a:t>
+              <a:t>5/28/2020</a:t>
             </a:fld>
             <a:endParaRPr lang="en-US" dirty="0"/>
           </a:p>
@@ -12046,7 +12047,7 @@
           <a:p>
             <a:fld id="{48A87A34-81AB-432B-8DAE-1953F412C126}" type="datetimeFigureOut">
               <a:rPr lang="en-US" dirty="0"/>
-              <a:t>5/26/2020</a:t>
+              <a:t>5/28/2020</a:t>
             </a:fld>
             <a:endParaRPr lang="en-US" dirty="0"/>
           </a:p>
@@ -13567,7 +13568,7 @@
           <a:p>
             <a:fld id="{48A87A34-81AB-432B-8DAE-1953F412C126}" type="datetimeFigureOut">
               <a:rPr lang="en-US" dirty="0"/>
-              <a:t>5/26/2020</a:t>
+              <a:t>5/28/2020</a:t>
             </a:fld>
             <a:endParaRPr lang="en-US" dirty="0"/>
           </a:p>
@@ -15098,7 +15099,7 @@
           <a:p>
             <a:fld id="{48A87A34-81AB-432B-8DAE-1953F412C126}" type="datetimeFigureOut">
               <a:rPr lang="en-US" dirty="0"/>
-              <a:t>5/26/2020</a:t>
+              <a:t>5/28/2020</a:t>
             </a:fld>
             <a:endParaRPr lang="en-US" dirty="0"/>
           </a:p>
@@ -15317,7 +15318,7 @@
             <a:fld id="{48A87A34-81AB-432B-8DAE-1953F412C126}" type="datetimeFigureOut">
               <a:rPr lang="en-US" dirty="0"/>
               <a:pPr/>
-              <a:t>5/26/2020</a:t>
+              <a:t>5/28/2020</a:t>
             </a:fld>
             <a:endParaRPr lang="en-US" dirty="0"/>
           </a:p>
@@ -15933,6 +15934,13 @@
           <a:p>
             <a:r>
               <a:rPr lang="ko-KR" altLang="en-US" dirty="0"/>
+              <a:t>스토리보드 설계</a:t>
+            </a:r>
+            <a:endParaRPr lang="en-US" altLang="ko-KR" dirty="0"/>
+          </a:p>
+          <a:p>
+            <a:r>
+              <a:rPr lang="ko-KR" altLang="en-US" dirty="0"/>
               <a:t>개발 일정</a:t>
             </a:r>
           </a:p>
@@ -17880,6 +17888,190 @@
           </a:p>
         </p:txBody>
       </p:sp>
+      <p:sp>
+        <p:nvSpPr>
+          <p:cNvPr id="94" name="직사각형 93">
+            <a:extLst>
+              <a:ext uri="{FF2B5EF4-FFF2-40B4-BE49-F238E27FC236}">
+                <a16:creationId xmlns:a16="http://schemas.microsoft.com/office/drawing/2014/main" id="{EEC4C769-C5D2-4651-9310-A3601AF29239}"/>
+              </a:ext>
+            </a:extLst>
+          </p:cNvPr>
+          <p:cNvSpPr/>
+          <p:nvPr/>
+        </p:nvSpPr>
+        <p:spPr>
+          <a:xfrm>
+            <a:off x="9422078" y="1792498"/>
+            <a:ext cx="2457398" cy="3719512"/>
+          </a:xfrm>
+          <a:prstGeom prst="rect">
+            <a:avLst/>
+          </a:prstGeom>
+        </p:spPr>
+        <p:style>
+          <a:lnRef idx="2">
+            <a:schemeClr val="accent1">
+              <a:shade val="50000"/>
+            </a:schemeClr>
+          </a:lnRef>
+          <a:fillRef idx="1">
+            <a:schemeClr val="accent1"/>
+          </a:fillRef>
+          <a:effectRef idx="0">
+            <a:schemeClr val="accent1"/>
+          </a:effectRef>
+          <a:fontRef idx="minor">
+            <a:schemeClr val="lt1"/>
+          </a:fontRef>
+        </p:style>
+        <p:txBody>
+          <a:bodyPr rtlCol="0" anchor="ctr"/>
+          <a:lstStyle/>
+          <a:p>
+            <a:pPr algn="ctr"/>
+            <a:endParaRPr lang="ko-KR" altLang="en-US" dirty="0"/>
+          </a:p>
+        </p:txBody>
+      </p:sp>
+      <p:sp>
+        <p:nvSpPr>
+          <p:cNvPr id="93" name="직사각형 92">
+            <a:extLst>
+              <a:ext uri="{FF2B5EF4-FFF2-40B4-BE49-F238E27FC236}">
+                <a16:creationId xmlns:a16="http://schemas.microsoft.com/office/drawing/2014/main" id="{62BF6F32-541E-4FAB-8E57-4B37615DED38}"/>
+              </a:ext>
+            </a:extLst>
+          </p:cNvPr>
+          <p:cNvSpPr/>
+          <p:nvPr/>
+        </p:nvSpPr>
+        <p:spPr>
+          <a:xfrm>
+            <a:off x="6243532" y="1809256"/>
+            <a:ext cx="2457398" cy="3719512"/>
+          </a:xfrm>
+          <a:prstGeom prst="rect">
+            <a:avLst/>
+          </a:prstGeom>
+        </p:spPr>
+        <p:style>
+          <a:lnRef idx="2">
+            <a:schemeClr val="accent1">
+              <a:shade val="50000"/>
+            </a:schemeClr>
+          </a:lnRef>
+          <a:fillRef idx="1">
+            <a:schemeClr val="accent1"/>
+          </a:fillRef>
+          <a:effectRef idx="0">
+            <a:schemeClr val="accent1"/>
+          </a:effectRef>
+          <a:fontRef idx="minor">
+            <a:schemeClr val="lt1"/>
+          </a:fontRef>
+        </p:style>
+        <p:txBody>
+          <a:bodyPr rtlCol="0" anchor="ctr"/>
+          <a:lstStyle/>
+          <a:p>
+            <a:pPr algn="ctr"/>
+            <a:endParaRPr lang="ko-KR" altLang="en-US" dirty="0"/>
+          </a:p>
+        </p:txBody>
+      </p:sp>
+      <p:sp>
+        <p:nvSpPr>
+          <p:cNvPr id="92" name="직사각형 91">
+            <a:extLst>
+              <a:ext uri="{FF2B5EF4-FFF2-40B4-BE49-F238E27FC236}">
+                <a16:creationId xmlns:a16="http://schemas.microsoft.com/office/drawing/2014/main" id="{9553B9B2-5AD3-4324-837D-DC60B595F940}"/>
+              </a:ext>
+            </a:extLst>
+          </p:cNvPr>
+          <p:cNvSpPr/>
+          <p:nvPr/>
+        </p:nvSpPr>
+        <p:spPr>
+          <a:xfrm>
+            <a:off x="3126679" y="1792498"/>
+            <a:ext cx="2457398" cy="3719512"/>
+          </a:xfrm>
+          <a:prstGeom prst="rect">
+            <a:avLst/>
+          </a:prstGeom>
+        </p:spPr>
+        <p:style>
+          <a:lnRef idx="2">
+            <a:schemeClr val="accent1">
+              <a:shade val="50000"/>
+            </a:schemeClr>
+          </a:lnRef>
+          <a:fillRef idx="1">
+            <a:schemeClr val="accent1"/>
+          </a:fillRef>
+          <a:effectRef idx="0">
+            <a:schemeClr val="accent1"/>
+          </a:effectRef>
+          <a:fontRef idx="minor">
+            <a:schemeClr val="lt1"/>
+          </a:fontRef>
+        </p:style>
+        <p:txBody>
+          <a:bodyPr rtlCol="0" anchor="ctr"/>
+          <a:lstStyle/>
+          <a:p>
+            <a:pPr algn="ctr"/>
+            <a:endParaRPr lang="ko-KR" altLang="en-US" dirty="0"/>
+          </a:p>
+        </p:txBody>
+      </p:sp>
+      <p:sp>
+        <p:nvSpPr>
+          <p:cNvPr id="91" name="직사각형 90">
+            <a:extLst>
+              <a:ext uri="{FF2B5EF4-FFF2-40B4-BE49-F238E27FC236}">
+                <a16:creationId xmlns:a16="http://schemas.microsoft.com/office/drawing/2014/main" id="{7FE962E9-63BF-4779-811C-C06E6659FED3}"/>
+              </a:ext>
+            </a:extLst>
+          </p:cNvPr>
+          <p:cNvSpPr/>
+          <p:nvPr/>
+        </p:nvSpPr>
+        <p:spPr>
+          <a:xfrm>
+            <a:off x="37061" y="1768502"/>
+            <a:ext cx="2457398" cy="3719512"/>
+          </a:xfrm>
+          <a:prstGeom prst="rect">
+            <a:avLst/>
+          </a:prstGeom>
+        </p:spPr>
+        <p:style>
+          <a:lnRef idx="2">
+            <a:schemeClr val="accent1">
+              <a:shade val="50000"/>
+            </a:schemeClr>
+          </a:lnRef>
+          <a:fillRef idx="1">
+            <a:schemeClr val="accent1"/>
+          </a:fillRef>
+          <a:effectRef idx="0">
+            <a:schemeClr val="accent1"/>
+          </a:effectRef>
+          <a:fontRef idx="minor">
+            <a:schemeClr val="lt1"/>
+          </a:fontRef>
+        </p:style>
+        <p:txBody>
+          <a:bodyPr rtlCol="0" anchor="ctr"/>
+          <a:lstStyle/>
+          <a:p>
+            <a:pPr algn="ctr"/>
+            <a:endParaRPr lang="ko-KR" altLang="en-US" dirty="0"/>
+          </a:p>
+        </p:txBody>
+      </p:sp>
       <p:grpSp>
         <p:nvGrpSpPr>
           <p:cNvPr id="37" name="Group 36">
@@ -19330,7 +19522,7 @@
         <p:spPr>
           <a:xfrm>
             <a:off x="177533" y="156733"/>
-            <a:ext cx="3166031" cy="544331"/>
+            <a:ext cx="6810496" cy="544331"/>
           </a:xfrm>
         </p:spPr>
         <p:txBody>
@@ -19345,18 +19537,37 @@
               </a:lnSpc>
             </a:pPr>
             <a:r>
-              <a:rPr lang="ko-KR" altLang="en-US" sz="3000">
+              <a:rPr lang="ko-KR" altLang="en-US" sz="3000" dirty="0">
                 <a:solidFill>
                   <a:schemeClr val="accent1"/>
                 </a:solidFill>
               </a:rPr>
               <a:t>스토리보드 설계</a:t>
             </a:r>
-            <a:endParaRPr lang="en-US" altLang="ko-KR" sz="3000" dirty="0">
-              <a:solidFill>
-                <a:schemeClr val="accent1"/>
-              </a:solidFill>
-            </a:endParaRPr>
+            <a:r>
+              <a:rPr lang="en-US" altLang="ko-KR" sz="3000" dirty="0">
+                <a:solidFill>
+                  <a:schemeClr val="accent1"/>
+                </a:solidFill>
+              </a:rPr>
+              <a:t>(</a:t>
+            </a:r>
+            <a:r>
+              <a:rPr lang="ko-KR" altLang="en-US" sz="3000" dirty="0">
+                <a:solidFill>
+                  <a:schemeClr val="accent1"/>
+                </a:solidFill>
+              </a:rPr>
+              <a:t>마스크 판매 정보</a:t>
+            </a:r>
+            <a:r>
+              <a:rPr lang="en-US" altLang="ko-KR" sz="3000" dirty="0">
+                <a:solidFill>
+                  <a:schemeClr val="accent1"/>
+                </a:solidFill>
+              </a:rPr>
+              <a:t>)</a:t>
+            </a:r>
           </a:p>
         </p:txBody>
       </p:sp>
@@ -19422,12 +19633,132 @@
           </a:p>
         </p:txBody>
       </p:sp>
+      <p:pic>
+        <p:nvPicPr>
+          <p:cNvPr id="3" name="그림 2">
+            <a:extLst>
+              <a:ext uri="{FF2B5EF4-FFF2-40B4-BE49-F238E27FC236}">
+                <a16:creationId xmlns:a16="http://schemas.microsoft.com/office/drawing/2014/main" id="{35AF0573-B4F1-46DB-AC3E-223D20C2F976}"/>
+              </a:ext>
+            </a:extLst>
+          </p:cNvPr>
+          <p:cNvPicPr>
+            <a:picLocks noChangeAspect="1"/>
+          </p:cNvPicPr>
+          <p:nvPr/>
+        </p:nvPicPr>
+        <p:blipFill>
+          <a:blip r:embed="rId2"/>
+          <a:stretch>
+            <a:fillRect/>
+          </a:stretch>
+        </p:blipFill>
+        <p:spPr>
+          <a:xfrm>
+            <a:off x="173170" y="2005954"/>
+            <a:ext cx="2174683" cy="3251365"/>
+          </a:xfrm>
+          <a:prstGeom prst="rect">
+            <a:avLst/>
+          </a:prstGeom>
+        </p:spPr>
+      </p:pic>
+      <p:pic>
+        <p:nvPicPr>
+          <p:cNvPr id="29" name="그림 28" descr="스크린샷이(가) 표시된 사진&#10;&#10;자동 생성된 설명">
+            <a:extLst>
+              <a:ext uri="{FF2B5EF4-FFF2-40B4-BE49-F238E27FC236}">
+                <a16:creationId xmlns:a16="http://schemas.microsoft.com/office/drawing/2014/main" id="{CBF4FA3B-272A-48AF-9606-C0970182C1F9}"/>
+              </a:ext>
+            </a:extLst>
+          </p:cNvPr>
+          <p:cNvPicPr>
+            <a:picLocks noChangeAspect="1"/>
+          </p:cNvPicPr>
+          <p:nvPr/>
+        </p:nvPicPr>
+        <p:blipFill>
+          <a:blip r:embed="rId3"/>
+          <a:stretch>
+            <a:fillRect/>
+          </a:stretch>
+        </p:blipFill>
+        <p:spPr>
+          <a:xfrm>
+            <a:off x="3219570" y="1998041"/>
+            <a:ext cx="2299663" cy="3410685"/>
+          </a:xfrm>
+          <a:prstGeom prst="rect">
+            <a:avLst/>
+          </a:prstGeom>
+        </p:spPr>
+      </p:pic>
+      <p:pic>
+        <p:nvPicPr>
+          <p:cNvPr id="36" name="그림 35" descr="스크린샷이(가) 표시된 사진&#10;&#10;자동 생성된 설명">
+            <a:extLst>
+              <a:ext uri="{FF2B5EF4-FFF2-40B4-BE49-F238E27FC236}">
+                <a16:creationId xmlns:a16="http://schemas.microsoft.com/office/drawing/2014/main" id="{DF330724-985E-49C1-BC32-29A08A2BA6C9}"/>
+              </a:ext>
+            </a:extLst>
+          </p:cNvPr>
+          <p:cNvPicPr>
+            <a:picLocks noChangeAspect="1"/>
+          </p:cNvPicPr>
+          <p:nvPr/>
+        </p:nvPicPr>
+        <p:blipFill>
+          <a:blip r:embed="rId4"/>
+          <a:stretch>
+            <a:fillRect/>
+          </a:stretch>
+        </p:blipFill>
+        <p:spPr>
+          <a:xfrm>
+            <a:off x="6334829" y="2064315"/>
+            <a:ext cx="2285227" cy="3344411"/>
+          </a:xfrm>
+          <a:prstGeom prst="rect">
+            <a:avLst/>
+          </a:prstGeom>
+        </p:spPr>
+      </p:pic>
+      <p:pic>
+        <p:nvPicPr>
+          <p:cNvPr id="60" name="그림 59">
+            <a:extLst>
+              <a:ext uri="{FF2B5EF4-FFF2-40B4-BE49-F238E27FC236}">
+                <a16:creationId xmlns:a16="http://schemas.microsoft.com/office/drawing/2014/main" id="{8AB63F00-E1EB-4297-9BB5-100E6D672247}"/>
+              </a:ext>
+            </a:extLst>
+          </p:cNvPr>
+          <p:cNvPicPr>
+            <a:picLocks noChangeAspect="1"/>
+          </p:cNvPicPr>
+          <p:nvPr/>
+        </p:nvPicPr>
+        <p:blipFill>
+          <a:blip r:embed="rId5"/>
+          <a:stretch>
+            <a:fillRect/>
+          </a:stretch>
+        </p:blipFill>
+        <p:spPr>
+          <a:xfrm>
+            <a:off x="9546381" y="1950132"/>
+            <a:ext cx="2222570" cy="3472322"/>
+          </a:xfrm>
+          <a:prstGeom prst="rect">
+            <a:avLst/>
+          </a:prstGeom>
+        </p:spPr>
+      </p:pic>
       <p:sp>
         <p:nvSpPr>
-          <p:cNvPr id="5" name="직사각형 4">
+          <p:cNvPr id="61" name="화살표: 오른쪽 60">
             <a:extLst>
               <a:ext uri="{FF2B5EF4-FFF2-40B4-BE49-F238E27FC236}">
-                <a16:creationId xmlns:a16="http://schemas.microsoft.com/office/drawing/2014/main" id="{E45D7B03-42A6-49E5-B00B-23F7376F47C0}"/>
+                <a16:creationId xmlns:a16="http://schemas.microsoft.com/office/drawing/2014/main" id="{1A9842BB-69A2-4438-A631-FEF2DD54ACB0}"/>
               </a:ext>
             </a:extLst>
           </p:cNvPr>
@@ -19436,602 +19767,8 @@
         </p:nvSpPr>
         <p:spPr>
           <a:xfrm>
-            <a:off x="159287" y="2442142"/>
-            <a:ext cx="1211032" cy="2301733"/>
-          </a:xfrm>
-          <a:prstGeom prst="rect">
-            <a:avLst/>
-          </a:prstGeom>
-        </p:spPr>
-        <p:style>
-          <a:lnRef idx="2">
-            <a:schemeClr val="accent1">
-              <a:shade val="50000"/>
-            </a:schemeClr>
-          </a:lnRef>
-          <a:fillRef idx="1">
-            <a:schemeClr val="accent1"/>
-          </a:fillRef>
-          <a:effectRef idx="0">
-            <a:schemeClr val="accent1"/>
-          </a:effectRef>
-          <a:fontRef idx="minor">
-            <a:schemeClr val="lt1"/>
-          </a:fontRef>
-        </p:style>
-        <p:txBody>
-          <a:bodyPr rtlCol="0" anchor="ctr"/>
-          <a:lstStyle/>
-          <a:p>
-            <a:pPr algn="ctr"/>
-            <a:r>
-              <a:rPr lang="ko-KR" altLang="en-US" dirty="0"/>
-              <a:t>메인 화면</a:t>
-            </a:r>
-          </a:p>
-        </p:txBody>
-      </p:sp>
-      <p:sp>
-        <p:nvSpPr>
-          <p:cNvPr id="59" name="직사각형 58">
-            <a:extLst>
-              <a:ext uri="{FF2B5EF4-FFF2-40B4-BE49-F238E27FC236}">
-                <a16:creationId xmlns:a16="http://schemas.microsoft.com/office/drawing/2014/main" id="{DE0BAEBE-7735-450A-BC43-3EC8EFE2DA29}"/>
-              </a:ext>
-            </a:extLst>
-          </p:cNvPr>
-          <p:cNvSpPr/>
-          <p:nvPr/>
-        </p:nvSpPr>
-        <p:spPr>
-          <a:xfrm>
-            <a:off x="2711459" y="859873"/>
-            <a:ext cx="1211032" cy="2301733"/>
-          </a:xfrm>
-          <a:prstGeom prst="rect">
-            <a:avLst/>
-          </a:prstGeom>
-        </p:spPr>
-        <p:style>
-          <a:lnRef idx="2">
-            <a:schemeClr val="accent1">
-              <a:shade val="50000"/>
-            </a:schemeClr>
-          </a:lnRef>
-          <a:fillRef idx="1">
-            <a:schemeClr val="accent1"/>
-          </a:fillRef>
-          <a:effectRef idx="0">
-            <a:schemeClr val="accent1"/>
-          </a:effectRef>
-          <a:fontRef idx="minor">
-            <a:schemeClr val="lt1"/>
-          </a:fontRef>
-        </p:style>
-        <p:txBody>
-          <a:bodyPr rtlCol="0" anchor="ctr"/>
-          <a:lstStyle/>
-          <a:p>
-            <a:pPr algn="ctr"/>
-            <a:r>
-              <a:rPr lang="ko-KR" altLang="en-US" dirty="0"/>
-              <a:t>시도 선택</a:t>
-            </a:r>
-            <a:endParaRPr lang="en-US" altLang="ko-KR" dirty="0"/>
-          </a:p>
-          <a:p>
-            <a:pPr algn="ctr"/>
-            <a:r>
-              <a:rPr lang="en-US" altLang="ko-KR" dirty="0"/>
-              <a:t>(</a:t>
-            </a:r>
-            <a:r>
-              <a:rPr lang="ko-KR" altLang="en-US" dirty="0"/>
-              <a:t>그래프 출력</a:t>
-            </a:r>
-            <a:r>
-              <a:rPr lang="en-US" altLang="ko-KR" dirty="0"/>
-              <a:t>)</a:t>
-            </a:r>
-            <a:endParaRPr lang="ko-KR" altLang="en-US" dirty="0"/>
-          </a:p>
-        </p:txBody>
-      </p:sp>
-      <p:sp>
-        <p:nvSpPr>
-          <p:cNvPr id="67" name="직사각형 66">
-            <a:extLst>
-              <a:ext uri="{FF2B5EF4-FFF2-40B4-BE49-F238E27FC236}">
-                <a16:creationId xmlns:a16="http://schemas.microsoft.com/office/drawing/2014/main" id="{2637BBB3-A22B-4D1A-AF4B-CA835A4D8EE1}"/>
-              </a:ext>
-            </a:extLst>
-          </p:cNvPr>
-          <p:cNvSpPr/>
-          <p:nvPr/>
-        </p:nvSpPr>
-        <p:spPr>
-          <a:xfrm>
-            <a:off x="2695316" y="4117818"/>
-            <a:ext cx="1211032" cy="2301733"/>
-          </a:xfrm>
-          <a:prstGeom prst="rect">
-            <a:avLst/>
-          </a:prstGeom>
-        </p:spPr>
-        <p:style>
-          <a:lnRef idx="2">
-            <a:schemeClr val="accent1">
-              <a:shade val="50000"/>
-            </a:schemeClr>
-          </a:lnRef>
-          <a:fillRef idx="1">
-            <a:schemeClr val="accent1"/>
-          </a:fillRef>
-          <a:effectRef idx="0">
-            <a:schemeClr val="accent1"/>
-          </a:effectRef>
-          <a:fontRef idx="minor">
-            <a:schemeClr val="lt1"/>
-          </a:fontRef>
-        </p:style>
-        <p:txBody>
-          <a:bodyPr rtlCol="0" anchor="ctr"/>
-          <a:lstStyle/>
-          <a:p>
-            <a:pPr algn="ctr"/>
-            <a:r>
-              <a:rPr lang="ko-KR" altLang="en-US" dirty="0"/>
-              <a:t>시도 선택</a:t>
-            </a:r>
-            <a:endParaRPr lang="en-US" altLang="ko-KR" dirty="0"/>
-          </a:p>
-          <a:p>
-            <a:pPr algn="ctr"/>
-            <a:r>
-              <a:rPr lang="en-US" altLang="ko-KR" dirty="0"/>
-              <a:t>(</a:t>
-            </a:r>
-            <a:r>
-              <a:rPr lang="ko-KR" altLang="en-US" dirty="0"/>
-              <a:t>그래프 출력</a:t>
-            </a:r>
-            <a:r>
-              <a:rPr lang="en-US" altLang="ko-KR"/>
-              <a:t>)</a:t>
-            </a:r>
-            <a:endParaRPr lang="ko-KR" altLang="en-US" dirty="0"/>
-          </a:p>
-        </p:txBody>
-      </p:sp>
-      <p:sp>
-        <p:nvSpPr>
-          <p:cNvPr id="68" name="직사각형 67">
-            <a:extLst>
-              <a:ext uri="{FF2B5EF4-FFF2-40B4-BE49-F238E27FC236}">
-                <a16:creationId xmlns:a16="http://schemas.microsoft.com/office/drawing/2014/main" id="{181AB683-81D0-434A-AEF2-40A398D15AE1}"/>
-              </a:ext>
-            </a:extLst>
-          </p:cNvPr>
-          <p:cNvSpPr/>
-          <p:nvPr/>
-        </p:nvSpPr>
-        <p:spPr>
-          <a:xfrm>
-            <a:off x="4637051" y="859873"/>
-            <a:ext cx="1211032" cy="2301733"/>
-          </a:xfrm>
-          <a:prstGeom prst="rect">
-            <a:avLst/>
-          </a:prstGeom>
-        </p:spPr>
-        <p:style>
-          <a:lnRef idx="2">
-            <a:schemeClr val="accent1">
-              <a:shade val="50000"/>
-            </a:schemeClr>
-          </a:lnRef>
-          <a:fillRef idx="1">
-            <a:schemeClr val="accent1"/>
-          </a:fillRef>
-          <a:effectRef idx="0">
-            <a:schemeClr val="accent1"/>
-          </a:effectRef>
-          <a:fontRef idx="minor">
-            <a:schemeClr val="lt1"/>
-          </a:fontRef>
-        </p:style>
-        <p:txBody>
-          <a:bodyPr rtlCol="0" anchor="ctr"/>
-          <a:lstStyle/>
-          <a:p>
-            <a:pPr algn="ctr"/>
-            <a:r>
-              <a:rPr lang="ko-KR" altLang="en-US" dirty="0"/>
-              <a:t>구군 선택</a:t>
-            </a:r>
-          </a:p>
-        </p:txBody>
-      </p:sp>
-      <p:sp>
-        <p:nvSpPr>
-          <p:cNvPr id="69" name="직사각형 68">
-            <a:extLst>
-              <a:ext uri="{FF2B5EF4-FFF2-40B4-BE49-F238E27FC236}">
-                <a16:creationId xmlns:a16="http://schemas.microsoft.com/office/drawing/2014/main" id="{EF21C272-E323-4930-8EB2-704607106508}"/>
-              </a:ext>
-            </a:extLst>
-          </p:cNvPr>
-          <p:cNvSpPr/>
-          <p:nvPr/>
-        </p:nvSpPr>
-        <p:spPr>
-          <a:xfrm>
-            <a:off x="4630181" y="4117818"/>
-            <a:ext cx="1211032" cy="2301733"/>
-          </a:xfrm>
-          <a:prstGeom prst="rect">
-            <a:avLst/>
-          </a:prstGeom>
-        </p:spPr>
-        <p:style>
-          <a:lnRef idx="2">
-            <a:schemeClr val="accent1">
-              <a:shade val="50000"/>
-            </a:schemeClr>
-          </a:lnRef>
-          <a:fillRef idx="1">
-            <a:schemeClr val="accent1"/>
-          </a:fillRef>
-          <a:effectRef idx="0">
-            <a:schemeClr val="accent1"/>
-          </a:effectRef>
-          <a:fontRef idx="minor">
-            <a:schemeClr val="lt1"/>
-          </a:fontRef>
-        </p:style>
-        <p:txBody>
-          <a:bodyPr rtlCol="0" anchor="ctr"/>
-          <a:lstStyle/>
-          <a:p>
-            <a:pPr algn="ctr"/>
-            <a:r>
-              <a:rPr lang="ko-KR" altLang="en-US" dirty="0"/>
-              <a:t>구군 선택</a:t>
-            </a:r>
-          </a:p>
-        </p:txBody>
-      </p:sp>
-      <p:sp>
-        <p:nvSpPr>
-          <p:cNvPr id="70" name="직사각형 69">
-            <a:extLst>
-              <a:ext uri="{FF2B5EF4-FFF2-40B4-BE49-F238E27FC236}">
-                <a16:creationId xmlns:a16="http://schemas.microsoft.com/office/drawing/2014/main" id="{0D6A00A2-D880-42A9-893B-806C86A6B3A3}"/>
-              </a:ext>
-            </a:extLst>
-          </p:cNvPr>
-          <p:cNvSpPr/>
-          <p:nvPr/>
-        </p:nvSpPr>
-        <p:spPr>
-          <a:xfrm>
-            <a:off x="6562643" y="857480"/>
-            <a:ext cx="1211032" cy="2301733"/>
-          </a:xfrm>
-          <a:prstGeom prst="rect">
-            <a:avLst/>
-          </a:prstGeom>
-        </p:spPr>
-        <p:style>
-          <a:lnRef idx="2">
-            <a:schemeClr val="accent1">
-              <a:shade val="50000"/>
-            </a:schemeClr>
-          </a:lnRef>
-          <a:fillRef idx="1">
-            <a:schemeClr val="accent1"/>
-          </a:fillRef>
-          <a:effectRef idx="0">
-            <a:schemeClr val="accent1"/>
-          </a:effectRef>
-          <a:fontRef idx="minor">
-            <a:schemeClr val="lt1"/>
-          </a:fontRef>
-        </p:style>
-        <p:txBody>
-          <a:bodyPr rtlCol="0" anchor="ctr"/>
-          <a:lstStyle/>
-          <a:p>
-            <a:pPr algn="ctr"/>
-            <a:r>
-              <a:rPr lang="ko-KR" altLang="en-US" dirty="0"/>
-              <a:t>구분 코드 선택</a:t>
-            </a:r>
-          </a:p>
-        </p:txBody>
-      </p:sp>
-      <p:sp>
-        <p:nvSpPr>
-          <p:cNvPr id="71" name="직사각형 70">
-            <a:extLst>
-              <a:ext uri="{FF2B5EF4-FFF2-40B4-BE49-F238E27FC236}">
-                <a16:creationId xmlns:a16="http://schemas.microsoft.com/office/drawing/2014/main" id="{FB0415B5-E420-42B6-B4E5-937AEB5D7FB4}"/>
-              </a:ext>
-            </a:extLst>
-          </p:cNvPr>
-          <p:cNvSpPr/>
-          <p:nvPr/>
-        </p:nvSpPr>
-        <p:spPr>
-          <a:xfrm>
-            <a:off x="6582647" y="4123705"/>
-            <a:ext cx="1211032" cy="2301733"/>
-          </a:xfrm>
-          <a:prstGeom prst="rect">
-            <a:avLst/>
-          </a:prstGeom>
-        </p:spPr>
-        <p:style>
-          <a:lnRef idx="2">
-            <a:schemeClr val="accent1">
-              <a:shade val="50000"/>
-            </a:schemeClr>
-          </a:lnRef>
-          <a:fillRef idx="1">
-            <a:schemeClr val="accent1"/>
-          </a:fillRef>
-          <a:effectRef idx="0">
-            <a:schemeClr val="accent1"/>
-          </a:effectRef>
-          <a:fontRef idx="minor">
-            <a:schemeClr val="lt1"/>
-          </a:fontRef>
-        </p:style>
-        <p:txBody>
-          <a:bodyPr rtlCol="0" anchor="ctr"/>
-          <a:lstStyle/>
-          <a:p>
-            <a:pPr algn="ctr"/>
-            <a:r>
-              <a:rPr lang="ko-KR" altLang="en-US" dirty="0"/>
-              <a:t>약국</a:t>
-            </a:r>
-            <a:r>
-              <a:rPr lang="en-US" altLang="ko-KR" dirty="0"/>
-              <a:t>, </a:t>
-            </a:r>
-            <a:r>
-              <a:rPr lang="ko-KR" altLang="en-US" dirty="0"/>
-              <a:t>우체국 목록 출력</a:t>
-            </a:r>
-          </a:p>
-        </p:txBody>
-      </p:sp>
-      <p:sp>
-        <p:nvSpPr>
-          <p:cNvPr id="72" name="직사각형 71">
-            <a:extLst>
-              <a:ext uri="{FF2B5EF4-FFF2-40B4-BE49-F238E27FC236}">
-                <a16:creationId xmlns:a16="http://schemas.microsoft.com/office/drawing/2014/main" id="{B916DD06-AAEF-4C16-A7B0-440ADF618FFA}"/>
-              </a:ext>
-            </a:extLst>
-          </p:cNvPr>
-          <p:cNvSpPr/>
-          <p:nvPr/>
-        </p:nvSpPr>
-        <p:spPr>
-          <a:xfrm>
-            <a:off x="8494186" y="879070"/>
-            <a:ext cx="1211032" cy="2301733"/>
-          </a:xfrm>
-          <a:prstGeom prst="rect">
-            <a:avLst/>
-          </a:prstGeom>
-        </p:spPr>
-        <p:style>
-          <a:lnRef idx="2">
-            <a:schemeClr val="accent1">
-              <a:shade val="50000"/>
-            </a:schemeClr>
-          </a:lnRef>
-          <a:fillRef idx="1">
-            <a:schemeClr val="accent1"/>
-          </a:fillRef>
-          <a:effectRef idx="0">
-            <a:schemeClr val="accent1"/>
-          </a:effectRef>
-          <a:fontRef idx="minor">
-            <a:schemeClr val="lt1"/>
-          </a:fontRef>
-        </p:style>
-        <p:txBody>
-          <a:bodyPr rtlCol="0" anchor="ctr"/>
-          <a:lstStyle/>
-          <a:p>
-            <a:pPr algn="ctr"/>
-            <a:r>
-              <a:rPr lang="ko-KR" altLang="en-US" dirty="0"/>
-              <a:t>진료소 목록 출력</a:t>
-            </a:r>
-          </a:p>
-        </p:txBody>
-      </p:sp>
-      <p:sp>
-        <p:nvSpPr>
-          <p:cNvPr id="73" name="직사각형 72">
-            <a:extLst>
-              <a:ext uri="{FF2B5EF4-FFF2-40B4-BE49-F238E27FC236}">
-                <a16:creationId xmlns:a16="http://schemas.microsoft.com/office/drawing/2014/main" id="{E33842DE-C7EB-4A7F-B7DF-42A166C38865}"/>
-              </a:ext>
-            </a:extLst>
-          </p:cNvPr>
-          <p:cNvSpPr/>
-          <p:nvPr/>
-        </p:nvSpPr>
-        <p:spPr>
-          <a:xfrm>
-            <a:off x="8494186" y="4102359"/>
-            <a:ext cx="1211032" cy="2301733"/>
-          </a:xfrm>
-          <a:prstGeom prst="rect">
-            <a:avLst/>
-          </a:prstGeom>
-        </p:spPr>
-        <p:style>
-          <a:lnRef idx="2">
-            <a:schemeClr val="accent1">
-              <a:shade val="50000"/>
-            </a:schemeClr>
-          </a:lnRef>
-          <a:fillRef idx="1">
-            <a:schemeClr val="accent1"/>
-          </a:fillRef>
-          <a:effectRef idx="0">
-            <a:schemeClr val="accent1"/>
-          </a:effectRef>
-          <a:fontRef idx="minor">
-            <a:schemeClr val="lt1"/>
-          </a:fontRef>
-        </p:style>
-        <p:txBody>
-          <a:bodyPr rtlCol="0" anchor="ctr"/>
-          <a:lstStyle/>
-          <a:p>
-            <a:pPr algn="ctr"/>
-            <a:r>
-              <a:rPr lang="ko-KR" altLang="en-US" dirty="0"/>
-              <a:t>지도</a:t>
-            </a:r>
-            <a:r>
-              <a:rPr lang="en-US" altLang="ko-KR" dirty="0"/>
-              <a:t>0</a:t>
-            </a:r>
-            <a:endParaRPr lang="ko-KR" altLang="en-US" dirty="0"/>
-          </a:p>
-        </p:txBody>
-      </p:sp>
-      <p:sp>
-        <p:nvSpPr>
-          <p:cNvPr id="6" name="화살표: 오른쪽 5">
-            <a:extLst>
-              <a:ext uri="{FF2B5EF4-FFF2-40B4-BE49-F238E27FC236}">
-                <a16:creationId xmlns:a16="http://schemas.microsoft.com/office/drawing/2014/main" id="{EB50FCC9-2E6E-4451-A47C-B5369D6218DE}"/>
-              </a:ext>
-            </a:extLst>
-          </p:cNvPr>
-          <p:cNvSpPr/>
-          <p:nvPr/>
-        </p:nvSpPr>
-        <p:spPr>
-          <a:xfrm rot="19005034">
-            <a:off x="1369197" y="2709852"/>
-            <a:ext cx="1305507" cy="572968"/>
-          </a:xfrm>
-          <a:prstGeom prst="rightArrow">
-            <a:avLst/>
-          </a:prstGeom>
-        </p:spPr>
-        <p:style>
-          <a:lnRef idx="2">
-            <a:schemeClr val="accent1">
-              <a:shade val="50000"/>
-            </a:schemeClr>
-          </a:lnRef>
-          <a:fillRef idx="1">
-            <a:schemeClr val="accent1"/>
-          </a:fillRef>
-          <a:effectRef idx="0">
-            <a:schemeClr val="accent1"/>
-          </a:effectRef>
-          <a:fontRef idx="minor">
-            <a:schemeClr val="lt1"/>
-          </a:fontRef>
-        </p:style>
-        <p:txBody>
-          <a:bodyPr rtlCol="0" anchor="ctr"/>
-          <a:lstStyle/>
-          <a:p>
-            <a:pPr algn="ctr"/>
-            <a:r>
-              <a:rPr lang="ko-KR" altLang="en-US" sz="1000" dirty="0"/>
-              <a:t>코로나</a:t>
-            </a:r>
-            <a:r>
-              <a:rPr lang="en-US" altLang="ko-KR" sz="1000" dirty="0"/>
-              <a:t>19 </a:t>
-            </a:r>
-            <a:r>
-              <a:rPr lang="ko-KR" altLang="en-US" sz="1000" dirty="0"/>
-              <a:t>진료소</a:t>
-            </a:r>
-          </a:p>
-        </p:txBody>
-      </p:sp>
-      <p:sp>
-        <p:nvSpPr>
-          <p:cNvPr id="74" name="화살표: 오른쪽 73">
-            <a:extLst>
-              <a:ext uri="{FF2B5EF4-FFF2-40B4-BE49-F238E27FC236}">
-                <a16:creationId xmlns:a16="http://schemas.microsoft.com/office/drawing/2014/main" id="{AFEAE16A-79F8-4454-A5C3-6072DAB97504}"/>
-              </a:ext>
-            </a:extLst>
-          </p:cNvPr>
-          <p:cNvSpPr/>
-          <p:nvPr/>
-        </p:nvSpPr>
-        <p:spPr>
-          <a:xfrm rot="2611756">
-            <a:off x="1388135" y="3997960"/>
-            <a:ext cx="1305507" cy="572968"/>
-          </a:xfrm>
-          <a:prstGeom prst="rightArrow">
-            <a:avLst/>
-          </a:prstGeom>
-        </p:spPr>
-        <p:style>
-          <a:lnRef idx="2">
-            <a:schemeClr val="accent1">
-              <a:shade val="50000"/>
-            </a:schemeClr>
-          </a:lnRef>
-          <a:fillRef idx="1">
-            <a:schemeClr val="accent1"/>
-          </a:fillRef>
-          <a:effectRef idx="0">
-            <a:schemeClr val="accent1"/>
-          </a:effectRef>
-          <a:fontRef idx="minor">
-            <a:schemeClr val="lt1"/>
-          </a:fontRef>
-        </p:style>
-        <p:txBody>
-          <a:bodyPr rtlCol="0" anchor="ctr"/>
-          <a:lstStyle/>
-          <a:p>
-            <a:pPr algn="ctr"/>
-            <a:r>
-              <a:rPr lang="ko-KR" altLang="en-US" sz="1230" dirty="0"/>
-              <a:t>마스크 판매처</a:t>
-            </a:r>
-          </a:p>
-        </p:txBody>
-      </p:sp>
-      <p:sp>
-        <p:nvSpPr>
-          <p:cNvPr id="7" name="화살표: 오른쪽 6">
-            <a:extLst>
-              <a:ext uri="{FF2B5EF4-FFF2-40B4-BE49-F238E27FC236}">
-                <a16:creationId xmlns:a16="http://schemas.microsoft.com/office/drawing/2014/main" id="{A8DF5146-9EB7-43DB-9FB0-83F06A938636}"/>
-              </a:ext>
-            </a:extLst>
-          </p:cNvPr>
-          <p:cNvSpPr/>
-          <p:nvPr/>
-        </p:nvSpPr>
-        <p:spPr>
-          <a:xfrm>
-            <a:off x="4068661" y="1780905"/>
-            <a:ext cx="404084" cy="448372"/>
+            <a:off x="2531927" y="3121210"/>
+            <a:ext cx="543105" cy="615296"/>
           </a:xfrm>
           <a:prstGeom prst="rightArrow">
             <a:avLst/>
@@ -20064,10 +19801,10 @@
       </p:sp>
       <p:sp>
         <p:nvSpPr>
-          <p:cNvPr id="75" name="화살표: 오른쪽 74">
+          <p:cNvPr id="85" name="화살표: 오른쪽 84">
             <a:extLst>
               <a:ext uri="{FF2B5EF4-FFF2-40B4-BE49-F238E27FC236}">
-                <a16:creationId xmlns:a16="http://schemas.microsoft.com/office/drawing/2014/main" id="{B803C768-EDF1-47AF-BE76-9525153A6D1D}"/>
+                <a16:creationId xmlns:a16="http://schemas.microsoft.com/office/drawing/2014/main" id="{4B680A3D-D6C7-4D7F-BF9A-2D079D53FEBB}"/>
               </a:ext>
             </a:extLst>
           </p:cNvPr>
@@ -20076,8 +19813,8 @@
         </p:nvSpPr>
         <p:spPr>
           <a:xfrm>
-            <a:off x="4052863" y="5061298"/>
-            <a:ext cx="404084" cy="448372"/>
+            <a:off x="5630044" y="3172439"/>
+            <a:ext cx="543105" cy="615296"/>
           </a:xfrm>
           <a:prstGeom prst="rightArrow">
             <a:avLst/>
@@ -20110,10 +19847,10 @@
       </p:sp>
       <p:sp>
         <p:nvSpPr>
-          <p:cNvPr id="76" name="화살표: 오른쪽 75">
+          <p:cNvPr id="86" name="화살표: 오른쪽 85">
             <a:extLst>
               <a:ext uri="{FF2B5EF4-FFF2-40B4-BE49-F238E27FC236}">
-                <a16:creationId xmlns:a16="http://schemas.microsoft.com/office/drawing/2014/main" id="{CD8C1B86-1010-4281-B4A1-8158EEDCE921}"/>
+                <a16:creationId xmlns:a16="http://schemas.microsoft.com/office/drawing/2014/main" id="{A88C0863-EDC8-4422-A927-A57C442B35A2}"/>
               </a:ext>
             </a:extLst>
           </p:cNvPr>
@@ -20122,8 +19859,3615 @@
         </p:nvSpPr>
         <p:spPr>
           <a:xfrm>
-            <a:off x="6061053" y="5035130"/>
-            <a:ext cx="404084" cy="448372"/>
+            <a:off x="8804771" y="3172439"/>
+            <a:ext cx="543105" cy="615296"/>
+          </a:xfrm>
+          <a:prstGeom prst="rightArrow">
+            <a:avLst/>
+          </a:prstGeom>
+        </p:spPr>
+        <p:style>
+          <a:lnRef idx="2">
+            <a:schemeClr val="accent1">
+              <a:shade val="50000"/>
+            </a:schemeClr>
+          </a:lnRef>
+          <a:fillRef idx="1">
+            <a:schemeClr val="accent1"/>
+          </a:fillRef>
+          <a:effectRef idx="0">
+            <a:schemeClr val="accent1"/>
+          </a:effectRef>
+          <a:fontRef idx="minor">
+            <a:schemeClr val="lt1"/>
+          </a:fontRef>
+        </p:style>
+        <p:txBody>
+          <a:bodyPr rtlCol="0" anchor="ctr"/>
+          <a:lstStyle/>
+          <a:p>
+            <a:pPr algn="ctr"/>
+            <a:endParaRPr lang="ko-KR" altLang="en-US"/>
+          </a:p>
+        </p:txBody>
+      </p:sp>
+      <p:pic>
+        <p:nvPicPr>
+          <p:cNvPr id="64" name="그림 63" descr="그리기이(가) 표시된 사진&#10;&#10;자동 생성된 설명">
+            <a:extLst>
+              <a:ext uri="{FF2B5EF4-FFF2-40B4-BE49-F238E27FC236}">
+                <a16:creationId xmlns:a16="http://schemas.microsoft.com/office/drawing/2014/main" id="{F25E8CDF-4665-4C19-B97B-5F3028E35D8F}"/>
+              </a:ext>
+            </a:extLst>
+          </p:cNvPr>
+          <p:cNvPicPr>
+            <a:picLocks noChangeAspect="1"/>
+          </p:cNvPicPr>
+          <p:nvPr/>
+        </p:nvPicPr>
+        <p:blipFill>
+          <a:blip r:embed="rId6"/>
+          <a:stretch>
+            <a:fillRect/>
+          </a:stretch>
+        </p:blipFill>
+        <p:spPr>
+          <a:xfrm>
+            <a:off x="423049" y="4295502"/>
+            <a:ext cx="1743192" cy="873613"/>
+          </a:xfrm>
+          <a:prstGeom prst="rect">
+            <a:avLst/>
+          </a:prstGeom>
+        </p:spPr>
+      </p:pic>
+    </p:spTree>
+    <p:extLst>
+      <p:ext uri="{BB962C8B-B14F-4D97-AF65-F5344CB8AC3E}">
+        <p14:creationId xmlns:p14="http://schemas.microsoft.com/office/powerpoint/2010/main" val="855397928"/>
+      </p:ext>
+    </p:extLst>
+  </p:cSld>
+  <p:clrMapOvr>
+    <a:masterClrMapping/>
+  </p:clrMapOvr>
+</p:sld>
+</file>
+
+<file path=ppt/slides/slide6.xml><?xml version="1.0" encoding="utf-8"?>
+<p:sld xmlns:a="http://schemas.openxmlformats.org/drawingml/2006/main" xmlns:r="http://schemas.openxmlformats.org/officeDocument/2006/relationships" xmlns:p="http://schemas.openxmlformats.org/presentationml/2006/main">
+  <p:cSld>
+    <p:bg>
+      <p:bgPr>
+        <a:solidFill>
+          <a:schemeClr val="bg1"/>
+        </a:solidFill>
+        <a:effectLst/>
+      </p:bgPr>
+    </p:bg>
+    <p:spTree>
+      <p:nvGrpSpPr>
+        <p:cNvPr id="1" name=""/>
+        <p:cNvGrpSpPr/>
+        <p:nvPr/>
+      </p:nvGrpSpPr>
+      <p:grpSpPr>
+        <a:xfrm>
+          <a:off x="0" y="0"/>
+          <a:ext cx="0" cy="0"/>
+          <a:chOff x="0" y="0"/>
+          <a:chExt cx="0" cy="0"/>
+        </a:xfrm>
+      </p:grpSpPr>
+      <p:grpSp>
+        <p:nvGrpSpPr>
+          <p:cNvPr id="9" name="Group 8">
+            <a:extLst>
+              <a:ext uri="{FF2B5EF4-FFF2-40B4-BE49-F238E27FC236}">
+                <a16:creationId xmlns:a16="http://schemas.microsoft.com/office/drawing/2014/main" id="{84DB7353-7D7A-431B-A5B6-A3845E6F2BB2}"/>
+              </a:ext>
+              <a:ext uri="{C183D7F6-B498-43B3-948B-1728B52AA6E4}">
+                <adec:decorative xmlns:adec="http://schemas.microsoft.com/office/drawing/2017/decorative" val="1"/>
+              </a:ext>
+            </a:extLst>
+          </p:cNvPr>
+          <p:cNvGrpSpPr>
+            <a:grpSpLocks noGrp="1" noUngrp="1" noRot="1" noChangeAspect="1" noMove="1" noResize="1"/>
+          </p:cNvGrpSpPr>
+          <p:nvPr>
+            <p:extLst>
+              <p:ext uri="{386F3935-93C4-4BCD-93E2-E3B085C9AB24}">
+                <p16:designElem xmlns:p16="http://schemas.microsoft.com/office/powerpoint/2015/main" val="1"/>
+              </p:ext>
+            </p:extLst>
+          </p:nvPr>
+        </p:nvGrpSpPr>
+        <p:grpSpPr>
+          <a:xfrm>
+            <a:off x="-329674" y="-59376"/>
+            <a:ext cx="12515851" cy="6923798"/>
+            <a:chOff x="-329674" y="-51881"/>
+            <a:chExt cx="12515851" cy="6923798"/>
+          </a:xfrm>
+        </p:grpSpPr>
+        <p:sp>
+          <p:nvSpPr>
+            <p:cNvPr id="10" name="Freeform 5">
+              <a:extLst>
+                <a:ext uri="{FF2B5EF4-FFF2-40B4-BE49-F238E27FC236}">
+                  <a16:creationId xmlns:a16="http://schemas.microsoft.com/office/drawing/2014/main" id="{9E8D15D6-6183-4BE1-A315-C7EC9C1A53FA}"/>
+                </a:ext>
+                <a:ext uri="{C183D7F6-B498-43B3-948B-1728B52AA6E4}">
+                  <adec:decorative xmlns:adec="http://schemas.microsoft.com/office/drawing/2017/decorative" val="1"/>
+                </a:ext>
+              </a:extLst>
+            </p:cNvPr>
+            <p:cNvSpPr/>
+            <p:nvPr>
+              <p:extLst>
+                <p:ext uri="{386F3935-93C4-4BCD-93E2-E3B085C9AB24}">
+                  <p16:designElem xmlns:p16="http://schemas.microsoft.com/office/powerpoint/2015/main" val="1"/>
+                </p:ext>
+              </p:extLst>
+            </p:nvPr>
+          </p:nvSpPr>
+          <p:spPr bwMode="auto">
+            <a:xfrm>
+              <a:off x="-329674" y="1298404"/>
+              <a:ext cx="9702800" cy="5573512"/>
+            </a:xfrm>
+            <a:custGeom>
+              <a:avLst/>
+              <a:gdLst/>
+              <a:ahLst/>
+              <a:cxnLst/>
+              <a:rect l="0" t="0" r="r" b="b"/>
+              <a:pathLst>
+                <a:path w="2038" h="1169">
+                  <a:moveTo>
+                    <a:pt x="1752" y="1169"/>
+                  </a:moveTo>
+                  <a:cubicBezTo>
+                    <a:pt x="2038" y="928"/>
+                    <a:pt x="1673" y="513"/>
+                    <a:pt x="1487" y="334"/>
+                  </a:cubicBezTo>
+                  <a:cubicBezTo>
+                    <a:pt x="1316" y="170"/>
+                    <a:pt x="1099" y="43"/>
+                    <a:pt x="860" y="22"/>
+                  </a:cubicBezTo>
+                  <a:cubicBezTo>
+                    <a:pt x="621" y="0"/>
+                    <a:pt x="341" y="128"/>
+                    <a:pt x="199" y="318"/>
+                  </a:cubicBezTo>
+                  <a:cubicBezTo>
+                    <a:pt x="0" y="586"/>
+                    <a:pt x="184" y="965"/>
+                    <a:pt x="399" y="1165"/>
+                  </a:cubicBezTo>
+                </a:path>
+              </a:pathLst>
+            </a:custGeom>
+            <a:noFill/>
+            <a:ln w="9525" cap="flat">
+              <a:solidFill>
+                <a:schemeClr val="tx1">
+                  <a:alpha val="20000"/>
+                </a:schemeClr>
+              </a:solidFill>
+              <a:prstDash val="solid"/>
+              <a:miter lim="800000"/>
+              <a:headEnd/>
+              <a:tailEnd/>
+            </a:ln>
+            <a:extLst>
+              <a:ext uri="{909E8E84-426E-40DD-AFC4-6F175D3DCCD1}">
+                <a14:hiddenFill xmlns:a14="http://schemas.microsoft.com/office/drawing/2010/main">
+                  <a:solidFill>
+                    <a:srgbClr val="FFFFFF"/>
+                  </a:solidFill>
+                </a14:hiddenFill>
+              </a:ext>
+            </a:extLst>
+          </p:spPr>
+        </p:sp>
+        <p:sp>
+          <p:nvSpPr>
+            <p:cNvPr id="11" name="Freeform 6">
+              <a:extLst>
+                <a:ext uri="{FF2B5EF4-FFF2-40B4-BE49-F238E27FC236}">
+                  <a16:creationId xmlns:a16="http://schemas.microsoft.com/office/drawing/2014/main" id="{82A253FA-4E60-4B4D-94B0-93ECFCF3098F}"/>
+                </a:ext>
+                <a:ext uri="{C183D7F6-B498-43B3-948B-1728B52AA6E4}">
+                  <adec:decorative xmlns:adec="http://schemas.microsoft.com/office/drawing/2017/decorative" val="1"/>
+                </a:ext>
+              </a:extLst>
+            </p:cNvPr>
+            <p:cNvSpPr/>
+            <p:nvPr>
+              <p:extLst>
+                <p:ext uri="{386F3935-93C4-4BCD-93E2-E3B085C9AB24}">
+                  <p16:designElem xmlns:p16="http://schemas.microsoft.com/office/powerpoint/2015/main" val="1"/>
+                </p:ext>
+              </p:extLst>
+            </p:nvPr>
+          </p:nvSpPr>
+          <p:spPr bwMode="auto">
+            <a:xfrm>
+              <a:off x="670451" y="2018236"/>
+              <a:ext cx="7373938" cy="4848892"/>
+            </a:xfrm>
+            <a:custGeom>
+              <a:avLst/>
+              <a:gdLst/>
+              <a:ahLst/>
+              <a:cxnLst/>
+              <a:rect l="0" t="0" r="r" b="b"/>
+              <a:pathLst>
+                <a:path w="1549" h="1017">
+                  <a:moveTo>
+                    <a:pt x="1025" y="1016"/>
+                  </a:moveTo>
+                  <a:cubicBezTo>
+                    <a:pt x="1223" y="971"/>
+                    <a:pt x="1549" y="857"/>
+                    <a:pt x="1443" y="592"/>
+                  </a:cubicBezTo>
+                  <a:cubicBezTo>
+                    <a:pt x="1344" y="344"/>
+                    <a:pt x="1041" y="111"/>
+                    <a:pt x="782" y="53"/>
+                  </a:cubicBezTo>
+                  <a:cubicBezTo>
+                    <a:pt x="545" y="0"/>
+                    <a:pt x="275" y="117"/>
+                    <a:pt x="150" y="329"/>
+                  </a:cubicBezTo>
+                  <a:cubicBezTo>
+                    <a:pt x="0" y="584"/>
+                    <a:pt x="243" y="911"/>
+                    <a:pt x="477" y="1017"/>
+                  </a:cubicBezTo>
+                </a:path>
+              </a:pathLst>
+            </a:custGeom>
+            <a:noFill/>
+            <a:ln w="9525" cap="flat">
+              <a:solidFill>
+                <a:schemeClr val="tx1">
+                  <a:alpha val="20000"/>
+                </a:schemeClr>
+              </a:solidFill>
+              <a:prstDash val="solid"/>
+              <a:miter lim="800000"/>
+              <a:headEnd/>
+              <a:tailEnd/>
+            </a:ln>
+            <a:extLst>
+              <a:ext uri="{909E8E84-426E-40DD-AFC4-6F175D3DCCD1}">
+                <a14:hiddenFill xmlns:a14="http://schemas.microsoft.com/office/drawing/2010/main">
+                  <a:solidFill>
+                    <a:srgbClr val="FFFFFF"/>
+                  </a:solidFill>
+                </a14:hiddenFill>
+              </a:ext>
+            </a:extLst>
+          </p:spPr>
+        </p:sp>
+        <p:sp>
+          <p:nvSpPr>
+            <p:cNvPr id="12" name="Freeform 7">
+              <a:extLst>
+                <a:ext uri="{FF2B5EF4-FFF2-40B4-BE49-F238E27FC236}">
+                  <a16:creationId xmlns:a16="http://schemas.microsoft.com/office/drawing/2014/main" id="{E1B39AD1-11BD-457B-822C-A873607F4126}"/>
+                </a:ext>
+                <a:ext uri="{C183D7F6-B498-43B3-948B-1728B52AA6E4}">
+                  <adec:decorative xmlns:adec="http://schemas.microsoft.com/office/drawing/2017/decorative" val="1"/>
+                </a:ext>
+              </a:extLst>
+            </p:cNvPr>
+            <p:cNvSpPr/>
+            <p:nvPr>
+              <p:extLst>
+                <p:ext uri="{386F3935-93C4-4BCD-93E2-E3B085C9AB24}">
+                  <p16:designElem xmlns:p16="http://schemas.microsoft.com/office/powerpoint/2015/main" val="1"/>
+                </p:ext>
+              </p:extLst>
+            </p:nvPr>
+          </p:nvSpPr>
+          <p:spPr bwMode="auto">
+            <a:xfrm>
+              <a:off x="251351" y="1788400"/>
+              <a:ext cx="8035925" cy="5083516"/>
+            </a:xfrm>
+            <a:custGeom>
+              <a:avLst/>
+              <a:gdLst/>
+              <a:ahLst/>
+              <a:cxnLst/>
+              <a:rect l="0" t="0" r="r" b="b"/>
+              <a:pathLst>
+                <a:path w="1688" h="1066">
+                  <a:moveTo>
+                    <a:pt x="1302" y="1066"/>
+                  </a:moveTo>
+                  <a:cubicBezTo>
+                    <a:pt x="1416" y="1024"/>
+                    <a:pt x="1551" y="962"/>
+                    <a:pt x="1613" y="850"/>
+                  </a:cubicBezTo>
+                  <a:cubicBezTo>
+                    <a:pt x="1688" y="715"/>
+                    <a:pt x="1606" y="575"/>
+                    <a:pt x="1517" y="471"/>
+                  </a:cubicBezTo>
+                  <a:cubicBezTo>
+                    <a:pt x="1336" y="258"/>
+                    <a:pt x="1084" y="62"/>
+                    <a:pt x="798" y="28"/>
+                  </a:cubicBezTo>
+                  <a:cubicBezTo>
+                    <a:pt x="559" y="0"/>
+                    <a:pt x="317" y="138"/>
+                    <a:pt x="181" y="333"/>
+                  </a:cubicBezTo>
+                  <a:cubicBezTo>
+                    <a:pt x="0" y="592"/>
+                    <a:pt x="191" y="907"/>
+                    <a:pt x="420" y="1066"/>
+                  </a:cubicBezTo>
+                </a:path>
+              </a:pathLst>
+            </a:custGeom>
+            <a:noFill/>
+            <a:ln w="9525" cap="flat">
+              <a:solidFill>
+                <a:schemeClr val="tx1">
+                  <a:alpha val="20000"/>
+                </a:schemeClr>
+              </a:solidFill>
+              <a:prstDash val="dash"/>
+              <a:miter lim="800000"/>
+              <a:headEnd/>
+              <a:tailEnd/>
+            </a:ln>
+            <a:extLst>
+              <a:ext uri="{909E8E84-426E-40DD-AFC4-6F175D3DCCD1}">
+                <a14:hiddenFill xmlns:a14="http://schemas.microsoft.com/office/drawing/2010/main">
+                  <a:solidFill>
+                    <a:srgbClr val="FFFFFF"/>
+                  </a:solidFill>
+                </a14:hiddenFill>
+              </a:ext>
+            </a:extLst>
+          </p:spPr>
+        </p:sp>
+        <p:sp>
+          <p:nvSpPr>
+            <p:cNvPr id="13" name="Freeform 8">
+              <a:extLst>
+                <a:ext uri="{FF2B5EF4-FFF2-40B4-BE49-F238E27FC236}">
+                  <a16:creationId xmlns:a16="http://schemas.microsoft.com/office/drawing/2014/main" id="{CC286005-78D5-4BE4-AA8B-75CDC07E7864}"/>
+                </a:ext>
+                <a:ext uri="{C183D7F6-B498-43B3-948B-1728B52AA6E4}">
+                  <adec:decorative xmlns:adec="http://schemas.microsoft.com/office/drawing/2017/decorative" val="1"/>
+                </a:ext>
+              </a:extLst>
+            </p:cNvPr>
+            <p:cNvSpPr/>
+            <p:nvPr>
+              <p:extLst>
+                <p:ext uri="{386F3935-93C4-4BCD-93E2-E3B085C9AB24}">
+                  <p16:designElem xmlns:p16="http://schemas.microsoft.com/office/powerpoint/2015/main" val="1"/>
+                </p:ext>
+              </p:extLst>
+            </p:nvPr>
+          </p:nvSpPr>
+          <p:spPr bwMode="auto">
+            <a:xfrm>
+              <a:off x="-1061" y="549842"/>
+              <a:ext cx="10334625" cy="6322075"/>
+            </a:xfrm>
+            <a:custGeom>
+              <a:avLst/>
+              <a:gdLst/>
+              <a:ahLst/>
+              <a:cxnLst/>
+              <a:rect l="0" t="0" r="r" b="b"/>
+              <a:pathLst>
+                <a:path w="2171" h="1326">
+                  <a:moveTo>
+                    <a:pt x="1873" y="1326"/>
+                  </a:moveTo>
+                  <a:cubicBezTo>
+                    <a:pt x="2171" y="1045"/>
+                    <a:pt x="1825" y="678"/>
+                    <a:pt x="1609" y="473"/>
+                  </a:cubicBezTo>
+                  <a:cubicBezTo>
+                    <a:pt x="1406" y="281"/>
+                    <a:pt x="1159" y="116"/>
+                    <a:pt x="880" y="63"/>
+                  </a:cubicBezTo>
+                  <a:cubicBezTo>
+                    <a:pt x="545" y="0"/>
+                    <a:pt x="214" y="161"/>
+                    <a:pt x="0" y="423"/>
+                  </a:cubicBezTo>
+                </a:path>
+              </a:pathLst>
+            </a:custGeom>
+            <a:noFill/>
+            <a:ln w="9525" cap="flat">
+              <a:solidFill>
+                <a:schemeClr val="tx1">
+                  <a:alpha val="20000"/>
+                </a:schemeClr>
+              </a:solidFill>
+              <a:prstDash val="solid"/>
+              <a:miter lim="800000"/>
+              <a:headEnd/>
+              <a:tailEnd/>
+            </a:ln>
+            <a:extLst>
+              <a:ext uri="{909E8E84-426E-40DD-AFC4-6F175D3DCCD1}">
+                <a14:hiddenFill xmlns:a14="http://schemas.microsoft.com/office/drawing/2010/main">
+                  <a:solidFill>
+                    <a:srgbClr val="FFFFFF"/>
+                  </a:solidFill>
+                </a14:hiddenFill>
+              </a:ext>
+            </a:extLst>
+          </p:spPr>
+        </p:sp>
+        <p:sp>
+          <p:nvSpPr>
+            <p:cNvPr id="14" name="Freeform 9">
+              <a:extLst>
+                <a:ext uri="{FF2B5EF4-FFF2-40B4-BE49-F238E27FC236}">
+                  <a16:creationId xmlns:a16="http://schemas.microsoft.com/office/drawing/2014/main" id="{09E4A22D-7E83-4F24-97FE-931A93CACC70}"/>
+                </a:ext>
+                <a:ext uri="{C183D7F6-B498-43B3-948B-1728B52AA6E4}">
+                  <adec:decorative xmlns:adec="http://schemas.microsoft.com/office/drawing/2017/decorative" val="1"/>
+                </a:ext>
+              </a:extLst>
+            </p:cNvPr>
+            <p:cNvSpPr/>
+            <p:nvPr>
+              <p:extLst>
+                <p:ext uri="{386F3935-93C4-4BCD-93E2-E3B085C9AB24}">
+                  <p16:designElem xmlns:p16="http://schemas.microsoft.com/office/powerpoint/2015/main" val="1"/>
+                </p:ext>
+              </p:extLst>
+            </p:nvPr>
+          </p:nvSpPr>
+          <p:spPr bwMode="auto">
+            <a:xfrm>
+              <a:off x="3701" y="6186246"/>
+              <a:ext cx="504825" cy="681527"/>
+            </a:xfrm>
+            <a:custGeom>
+              <a:avLst/>
+              <a:gdLst/>
+              <a:ahLst/>
+              <a:cxnLst/>
+              <a:rect l="0" t="0" r="r" b="b"/>
+              <a:pathLst>
+                <a:path w="106" h="143">
+                  <a:moveTo>
+                    <a:pt x="0" y="0"/>
+                  </a:moveTo>
+                  <a:cubicBezTo>
+                    <a:pt x="35" y="54"/>
+                    <a:pt x="70" y="101"/>
+                    <a:pt x="106" y="143"/>
+                  </a:cubicBezTo>
+                </a:path>
+              </a:pathLst>
+            </a:custGeom>
+            <a:noFill/>
+            <a:ln w="4763" cap="flat">
+              <a:solidFill>
+                <a:schemeClr val="tx1">
+                  <a:alpha val="20000"/>
+                </a:schemeClr>
+              </a:solidFill>
+              <a:prstDash val="solid"/>
+              <a:miter lim="800000"/>
+              <a:headEnd/>
+              <a:tailEnd/>
+            </a:ln>
+            <a:extLst>
+              <a:ext uri="{909E8E84-426E-40DD-AFC4-6F175D3DCCD1}">
+                <a14:hiddenFill xmlns:a14="http://schemas.microsoft.com/office/drawing/2010/main">
+                  <a:solidFill>
+                    <a:srgbClr val="FFFFFF"/>
+                  </a:solidFill>
+                </a14:hiddenFill>
+              </a:ext>
+            </a:extLst>
+          </p:spPr>
+        </p:sp>
+        <p:sp>
+          <p:nvSpPr>
+            <p:cNvPr id="15" name="Freeform 10">
+              <a:extLst>
+                <a:ext uri="{FF2B5EF4-FFF2-40B4-BE49-F238E27FC236}">
+                  <a16:creationId xmlns:a16="http://schemas.microsoft.com/office/drawing/2014/main" id="{4351E96B-8DD4-4D5E-A9F0-C47F5F33781B}"/>
+                </a:ext>
+                <a:ext uri="{C183D7F6-B498-43B3-948B-1728B52AA6E4}">
+                  <adec:decorative xmlns:adec="http://schemas.microsoft.com/office/drawing/2017/decorative" val="1"/>
+                </a:ext>
+              </a:extLst>
+            </p:cNvPr>
+            <p:cNvSpPr/>
+            <p:nvPr>
+              <p:extLst>
+                <p:ext uri="{386F3935-93C4-4BCD-93E2-E3B085C9AB24}">
+                  <p16:designElem xmlns:p16="http://schemas.microsoft.com/office/powerpoint/2015/main" val="1"/>
+                </p:ext>
+              </p:extLst>
+            </p:nvPr>
+          </p:nvSpPr>
+          <p:spPr bwMode="auto">
+            <a:xfrm>
+              <a:off x="-1061" y="-51881"/>
+              <a:ext cx="11091863" cy="6923796"/>
+            </a:xfrm>
+            <a:custGeom>
+              <a:avLst/>
+              <a:gdLst/>
+              <a:ahLst/>
+              <a:cxnLst/>
+              <a:rect l="0" t="0" r="r" b="b"/>
+              <a:pathLst>
+                <a:path w="2330" h="1452">
+                  <a:moveTo>
+                    <a:pt x="2046" y="1452"/>
+                  </a:moveTo>
+                  <a:cubicBezTo>
+                    <a:pt x="2330" y="1153"/>
+                    <a:pt x="2049" y="821"/>
+                    <a:pt x="1813" y="601"/>
+                  </a:cubicBezTo>
+                  <a:cubicBezTo>
+                    <a:pt x="1569" y="375"/>
+                    <a:pt x="1282" y="179"/>
+                    <a:pt x="956" y="97"/>
+                  </a:cubicBezTo>
+                  <a:cubicBezTo>
+                    <a:pt x="572" y="0"/>
+                    <a:pt x="292" y="101"/>
+                    <a:pt x="0" y="366"/>
+                  </a:cubicBezTo>
+                </a:path>
+              </a:pathLst>
+            </a:custGeom>
+            <a:noFill/>
+            <a:ln w="9525" cap="flat">
+              <a:solidFill>
+                <a:schemeClr val="tx1">
+                  <a:alpha val="20000"/>
+                </a:schemeClr>
+              </a:solidFill>
+              <a:prstDash val="solid"/>
+              <a:miter lim="800000"/>
+              <a:headEnd/>
+              <a:tailEnd/>
+            </a:ln>
+            <a:extLst>
+              <a:ext uri="{909E8E84-426E-40DD-AFC4-6F175D3DCCD1}">
+                <a14:hiddenFill xmlns:a14="http://schemas.microsoft.com/office/drawing/2010/main">
+                  <a:solidFill>
+                    <a:srgbClr val="FFFFFF"/>
+                  </a:solidFill>
+                </a14:hiddenFill>
+              </a:ext>
+            </a:extLst>
+          </p:spPr>
+        </p:sp>
+        <p:sp>
+          <p:nvSpPr>
+            <p:cNvPr id="16" name="Freeform 11">
+              <a:extLst>
+                <a:ext uri="{FF2B5EF4-FFF2-40B4-BE49-F238E27FC236}">
+                  <a16:creationId xmlns:a16="http://schemas.microsoft.com/office/drawing/2014/main" id="{BFF78610-2475-4756-9EC8-5DA7D8902D5B}"/>
+                </a:ext>
+                <a:ext uri="{C183D7F6-B498-43B3-948B-1728B52AA6E4}">
+                  <adec:decorative xmlns:adec="http://schemas.microsoft.com/office/drawing/2017/decorative" val="1"/>
+                </a:ext>
+              </a:extLst>
+            </p:cNvPr>
+            <p:cNvSpPr/>
+            <p:nvPr>
+              <p:extLst>
+                <p:ext uri="{386F3935-93C4-4BCD-93E2-E3B085C9AB24}">
+                  <p16:designElem xmlns:p16="http://schemas.microsoft.com/office/powerpoint/2015/main" val="1"/>
+                </p:ext>
+              </p:extLst>
+            </p:nvPr>
+          </p:nvSpPr>
+          <p:spPr bwMode="auto">
+            <a:xfrm>
+              <a:off x="5426601" y="5579"/>
+              <a:ext cx="5788025" cy="6847184"/>
+            </a:xfrm>
+            <a:custGeom>
+              <a:avLst/>
+              <a:gdLst/>
+              <a:ahLst/>
+              <a:cxnLst/>
+              <a:rect l="0" t="0" r="r" b="b"/>
+              <a:pathLst>
+                <a:path w="1216" h="1436">
+                  <a:moveTo>
+                    <a:pt x="1094" y="1436"/>
+                  </a:moveTo>
+                  <a:cubicBezTo>
+                    <a:pt x="1216" y="1114"/>
+                    <a:pt x="904" y="770"/>
+                    <a:pt x="709" y="551"/>
+                  </a:cubicBezTo>
+                  <a:cubicBezTo>
+                    <a:pt x="509" y="327"/>
+                    <a:pt x="274" y="127"/>
+                    <a:pt x="0" y="0"/>
+                  </a:cubicBezTo>
+                </a:path>
+              </a:pathLst>
+            </a:custGeom>
+            <a:noFill/>
+            <a:ln w="9525" cap="flat">
+              <a:solidFill>
+                <a:schemeClr val="tx1">
+                  <a:alpha val="20000"/>
+                </a:schemeClr>
+              </a:solidFill>
+              <a:prstDash val="solid"/>
+              <a:miter lim="800000"/>
+              <a:headEnd/>
+              <a:tailEnd/>
+            </a:ln>
+            <a:extLst>
+              <a:ext uri="{909E8E84-426E-40DD-AFC4-6F175D3DCCD1}">
+                <a14:hiddenFill xmlns:a14="http://schemas.microsoft.com/office/drawing/2010/main">
+                  <a:solidFill>
+                    <a:srgbClr val="FFFFFF"/>
+                  </a:solidFill>
+                </a14:hiddenFill>
+              </a:ext>
+            </a:extLst>
+          </p:spPr>
+        </p:sp>
+        <p:sp>
+          <p:nvSpPr>
+            <p:cNvPr id="17" name="Freeform 12">
+              <a:extLst>
+                <a:ext uri="{FF2B5EF4-FFF2-40B4-BE49-F238E27FC236}">
+                  <a16:creationId xmlns:a16="http://schemas.microsoft.com/office/drawing/2014/main" id="{C7ACAE44-681D-4CBC-B2AB-E5131DF5A867}"/>
+                </a:ext>
+                <a:ext uri="{C183D7F6-B498-43B3-948B-1728B52AA6E4}">
+                  <adec:decorative xmlns:adec="http://schemas.microsoft.com/office/drawing/2017/decorative" val="1"/>
+                </a:ext>
+              </a:extLst>
+            </p:cNvPr>
+            <p:cNvSpPr/>
+            <p:nvPr>
+              <p:extLst>
+                <p:ext uri="{386F3935-93C4-4BCD-93E2-E3B085C9AB24}">
+                  <p16:designElem xmlns:p16="http://schemas.microsoft.com/office/powerpoint/2015/main" val="1"/>
+                </p:ext>
+              </p:extLst>
+            </p:nvPr>
+          </p:nvSpPr>
+          <p:spPr bwMode="auto">
+            <a:xfrm>
+              <a:off x="-1061" y="5579"/>
+              <a:ext cx="1057275" cy="614491"/>
+            </a:xfrm>
+            <a:custGeom>
+              <a:avLst/>
+              <a:gdLst/>
+              <a:ahLst/>
+              <a:cxnLst/>
+              <a:rect l="0" t="0" r="r" b="b"/>
+              <a:pathLst>
+                <a:path w="222" h="129">
+                  <a:moveTo>
+                    <a:pt x="222" y="0"/>
+                  </a:moveTo>
+                  <a:cubicBezTo>
+                    <a:pt x="152" y="35"/>
+                    <a:pt x="76" y="78"/>
+                    <a:pt x="0" y="129"/>
+                  </a:cubicBezTo>
+                </a:path>
+              </a:pathLst>
+            </a:custGeom>
+            <a:noFill/>
+            <a:ln w="9525" cap="flat">
+              <a:solidFill>
+                <a:schemeClr val="tx1">
+                  <a:alpha val="20000"/>
+                </a:schemeClr>
+              </a:solidFill>
+              <a:prstDash val="solid"/>
+              <a:miter lim="800000"/>
+              <a:headEnd/>
+              <a:tailEnd/>
+            </a:ln>
+            <a:extLst>
+              <a:ext uri="{909E8E84-426E-40DD-AFC4-6F175D3DCCD1}">
+                <a14:hiddenFill xmlns:a14="http://schemas.microsoft.com/office/drawing/2010/main">
+                  <a:solidFill>
+                    <a:srgbClr val="FFFFFF"/>
+                  </a:solidFill>
+                </a14:hiddenFill>
+              </a:ext>
+            </a:extLst>
+          </p:spPr>
+        </p:sp>
+        <p:sp>
+          <p:nvSpPr>
+            <p:cNvPr id="18" name="Freeform 13">
+              <a:extLst>
+                <a:ext uri="{FF2B5EF4-FFF2-40B4-BE49-F238E27FC236}">
+                  <a16:creationId xmlns:a16="http://schemas.microsoft.com/office/drawing/2014/main" id="{CA22E4A0-73AA-4722-9C16-F3AF9A33EC5C}"/>
+                </a:ext>
+                <a:ext uri="{C183D7F6-B498-43B3-948B-1728B52AA6E4}">
+                  <adec:decorative xmlns:adec="http://schemas.microsoft.com/office/drawing/2017/decorative" val="1"/>
+                </a:ext>
+              </a:extLst>
+            </p:cNvPr>
+            <p:cNvSpPr/>
+            <p:nvPr>
+              <p:extLst>
+                <p:ext uri="{386F3935-93C4-4BCD-93E2-E3B085C9AB24}">
+                  <p16:designElem xmlns:p16="http://schemas.microsoft.com/office/powerpoint/2015/main" val="1"/>
+                </p:ext>
+              </p:extLst>
+            </p:nvPr>
+          </p:nvSpPr>
+          <p:spPr bwMode="auto">
+            <a:xfrm>
+              <a:off x="5821889" y="5579"/>
+              <a:ext cx="5588000" cy="6866337"/>
+            </a:xfrm>
+            <a:custGeom>
+              <a:avLst/>
+              <a:gdLst/>
+              <a:ahLst/>
+              <a:cxnLst/>
+              <a:rect l="0" t="0" r="r" b="b"/>
+              <a:pathLst>
+                <a:path w="1174" h="1440">
+                  <a:moveTo>
+                    <a:pt x="1067" y="1440"/>
+                  </a:moveTo>
+                  <a:cubicBezTo>
+                    <a:pt x="1174" y="1124"/>
+                    <a:pt x="887" y="797"/>
+                    <a:pt x="698" y="577"/>
+                  </a:cubicBezTo>
+                  <a:cubicBezTo>
+                    <a:pt x="500" y="348"/>
+                    <a:pt x="270" y="141"/>
+                    <a:pt x="0" y="0"/>
+                  </a:cubicBezTo>
+                </a:path>
+              </a:pathLst>
+            </a:custGeom>
+            <a:noFill/>
+            <a:ln w="9525" cap="flat">
+              <a:solidFill>
+                <a:schemeClr val="tx1">
+                  <a:alpha val="20000"/>
+                </a:schemeClr>
+              </a:solidFill>
+              <a:prstDash val="dash"/>
+              <a:miter lim="800000"/>
+              <a:headEnd/>
+              <a:tailEnd/>
+            </a:ln>
+            <a:extLst>
+              <a:ext uri="{909E8E84-426E-40DD-AFC4-6F175D3DCCD1}">
+                <a14:hiddenFill xmlns:a14="http://schemas.microsoft.com/office/drawing/2010/main">
+                  <a:solidFill>
+                    <a:srgbClr val="FFFFFF"/>
+                  </a:solidFill>
+                </a14:hiddenFill>
+              </a:ext>
+            </a:extLst>
+          </p:spPr>
+        </p:sp>
+        <p:sp>
+          <p:nvSpPr>
+            <p:cNvPr id="19" name="Freeform 14">
+              <a:extLst>
+                <a:ext uri="{FF2B5EF4-FFF2-40B4-BE49-F238E27FC236}">
+                  <a16:creationId xmlns:a16="http://schemas.microsoft.com/office/drawing/2014/main" id="{BB36E626-EBEB-41C0-B224-8DB049DB4D72}"/>
+                </a:ext>
+                <a:ext uri="{C183D7F6-B498-43B3-948B-1728B52AA6E4}">
+                  <adec:decorative xmlns:adec="http://schemas.microsoft.com/office/drawing/2017/decorative" val="1"/>
+                </a:ext>
+              </a:extLst>
+            </p:cNvPr>
+            <p:cNvSpPr/>
+            <p:nvPr>
+              <p:extLst>
+                <p:ext uri="{386F3935-93C4-4BCD-93E2-E3B085C9AB24}">
+                  <p16:designElem xmlns:p16="http://schemas.microsoft.com/office/powerpoint/2015/main" val="1"/>
+                </p:ext>
+              </p:extLst>
+            </p:nvPr>
+          </p:nvSpPr>
+          <p:spPr bwMode="auto">
+            <a:xfrm>
+              <a:off x="3701" y="790"/>
+              <a:ext cx="595313" cy="352734"/>
+            </a:xfrm>
+            <a:custGeom>
+              <a:avLst/>
+              <a:gdLst/>
+              <a:ahLst/>
+              <a:cxnLst/>
+              <a:rect l="0" t="0" r="r" b="b"/>
+              <a:pathLst>
+                <a:path w="125" h="74">
+                  <a:moveTo>
+                    <a:pt x="125" y="0"/>
+                  </a:moveTo>
+                  <a:cubicBezTo>
+                    <a:pt x="85" y="22"/>
+                    <a:pt x="43" y="47"/>
+                    <a:pt x="0" y="74"/>
+                  </a:cubicBezTo>
+                </a:path>
+              </a:pathLst>
+            </a:custGeom>
+            <a:noFill/>
+            <a:ln w="9525" cap="flat">
+              <a:solidFill>
+                <a:schemeClr val="tx1">
+                  <a:alpha val="20000"/>
+                </a:schemeClr>
+              </a:solidFill>
+              <a:prstDash val="dash"/>
+              <a:miter lim="800000"/>
+              <a:headEnd/>
+              <a:tailEnd/>
+            </a:ln>
+            <a:extLst>
+              <a:ext uri="{909E8E84-426E-40DD-AFC4-6F175D3DCCD1}">
+                <a14:hiddenFill xmlns:a14="http://schemas.microsoft.com/office/drawing/2010/main">
+                  <a:solidFill>
+                    <a:srgbClr val="FFFFFF"/>
+                  </a:solidFill>
+                </a14:hiddenFill>
+              </a:ext>
+            </a:extLst>
+          </p:spPr>
+        </p:sp>
+        <p:sp>
+          <p:nvSpPr>
+            <p:cNvPr id="20" name="Freeform 15">
+              <a:extLst>
+                <a:ext uri="{FF2B5EF4-FFF2-40B4-BE49-F238E27FC236}">
+                  <a16:creationId xmlns:a16="http://schemas.microsoft.com/office/drawing/2014/main" id="{D603DEC5-BED4-4DB6-A253-F61CC367423A}"/>
+                </a:ext>
+                <a:ext uri="{C183D7F6-B498-43B3-948B-1728B52AA6E4}">
+                  <adec:decorative xmlns:adec="http://schemas.microsoft.com/office/drawing/2017/decorative" val="1"/>
+                </a:ext>
+              </a:extLst>
+            </p:cNvPr>
+            <p:cNvSpPr/>
+            <p:nvPr>
+              <p:extLst>
+                <p:ext uri="{386F3935-93C4-4BCD-93E2-E3B085C9AB24}">
+                  <p16:designElem xmlns:p16="http://schemas.microsoft.com/office/powerpoint/2015/main" val="1"/>
+                </p:ext>
+              </p:extLst>
+            </p:nvPr>
+          </p:nvSpPr>
+          <p:spPr bwMode="auto">
+            <a:xfrm>
+              <a:off x="6012389" y="5579"/>
+              <a:ext cx="5497513" cy="6866337"/>
+            </a:xfrm>
+            <a:custGeom>
+              <a:avLst/>
+              <a:gdLst/>
+              <a:ahLst/>
+              <a:cxnLst/>
+              <a:rect l="0" t="0" r="r" b="b"/>
+              <a:pathLst>
+                <a:path w="1155" h="1440">
+                  <a:moveTo>
+                    <a:pt x="1056" y="1440"/>
+                  </a:moveTo>
+                  <a:cubicBezTo>
+                    <a:pt x="1155" y="1123"/>
+                    <a:pt x="875" y="801"/>
+                    <a:pt x="686" y="580"/>
+                  </a:cubicBezTo>
+                  <a:cubicBezTo>
+                    <a:pt x="491" y="352"/>
+                    <a:pt x="264" y="145"/>
+                    <a:pt x="0" y="0"/>
+                  </a:cubicBezTo>
+                </a:path>
+              </a:pathLst>
+            </a:custGeom>
+            <a:noFill/>
+            <a:ln w="12700" cap="flat">
+              <a:solidFill>
+                <a:schemeClr val="tx1">
+                  <a:alpha val="20000"/>
+                </a:schemeClr>
+              </a:solidFill>
+              <a:prstDash val="dashDot"/>
+              <a:miter lim="800000"/>
+              <a:headEnd/>
+              <a:tailEnd/>
+            </a:ln>
+            <a:extLst>
+              <a:ext uri="{909E8E84-426E-40DD-AFC4-6F175D3DCCD1}">
+                <a14:hiddenFill xmlns:a14="http://schemas.microsoft.com/office/drawing/2010/main">
+                  <a:solidFill>
+                    <a:srgbClr val="FFFFFF"/>
+                  </a:solidFill>
+                </a14:hiddenFill>
+              </a:ext>
+            </a:extLst>
+          </p:spPr>
+        </p:sp>
+        <p:sp>
+          <p:nvSpPr>
+            <p:cNvPr id="21" name="Freeform 16">
+              <a:extLst>
+                <a:ext uri="{FF2B5EF4-FFF2-40B4-BE49-F238E27FC236}">
+                  <a16:creationId xmlns:a16="http://schemas.microsoft.com/office/drawing/2014/main" id="{86AE9DE6-CA9A-479B-A0FB-0E1BAC7A65ED}"/>
+                </a:ext>
+                <a:ext uri="{C183D7F6-B498-43B3-948B-1728B52AA6E4}">
+                  <adec:decorative xmlns:adec="http://schemas.microsoft.com/office/drawing/2017/decorative" val="1"/>
+                </a:ext>
+              </a:extLst>
+            </p:cNvPr>
+            <p:cNvSpPr/>
+            <p:nvPr>
+              <p:extLst>
+                <p:ext uri="{386F3935-93C4-4BCD-93E2-E3B085C9AB24}">
+                  <p16:designElem xmlns:p16="http://schemas.microsoft.com/office/powerpoint/2015/main" val="1"/>
+                </p:ext>
+              </p:extLst>
+            </p:nvPr>
+          </p:nvSpPr>
+          <p:spPr bwMode="auto">
+            <a:xfrm>
+              <a:off x="-1061" y="5579"/>
+              <a:ext cx="357188" cy="213875"/>
+            </a:xfrm>
+            <a:custGeom>
+              <a:avLst/>
+              <a:gdLst/>
+              <a:ahLst/>
+              <a:cxnLst/>
+              <a:rect l="0" t="0" r="r" b="b"/>
+              <a:pathLst>
+                <a:path w="75" h="45">
+                  <a:moveTo>
+                    <a:pt x="75" y="0"/>
+                  </a:moveTo>
+                  <a:cubicBezTo>
+                    <a:pt x="50" y="14"/>
+                    <a:pt x="25" y="29"/>
+                    <a:pt x="0" y="45"/>
+                  </a:cubicBezTo>
+                </a:path>
+              </a:pathLst>
+            </a:custGeom>
+            <a:noFill/>
+            <a:ln w="12700" cap="flat">
+              <a:solidFill>
+                <a:schemeClr val="tx1">
+                  <a:alpha val="20000"/>
+                </a:schemeClr>
+              </a:solidFill>
+              <a:prstDash val="dashDot"/>
+              <a:miter lim="800000"/>
+              <a:headEnd/>
+              <a:tailEnd/>
+            </a:ln>
+            <a:extLst>
+              <a:ext uri="{909E8E84-426E-40DD-AFC4-6F175D3DCCD1}">
+                <a14:hiddenFill xmlns:a14="http://schemas.microsoft.com/office/drawing/2010/main">
+                  <a:solidFill>
+                    <a:srgbClr val="FFFFFF"/>
+                  </a:solidFill>
+                </a14:hiddenFill>
+              </a:ext>
+            </a:extLst>
+          </p:spPr>
+        </p:sp>
+        <p:sp>
+          <p:nvSpPr>
+            <p:cNvPr id="22" name="Freeform 17">
+              <a:extLst>
+                <a:ext uri="{FF2B5EF4-FFF2-40B4-BE49-F238E27FC236}">
+                  <a16:creationId xmlns:a16="http://schemas.microsoft.com/office/drawing/2014/main" id="{16CB8DC8-E75F-4574-A290-AAB7031BE8A3}"/>
+                </a:ext>
+                <a:ext uri="{C183D7F6-B498-43B3-948B-1728B52AA6E4}">
+                  <adec:decorative xmlns:adec="http://schemas.microsoft.com/office/drawing/2017/decorative" val="1"/>
+                </a:ext>
+              </a:extLst>
+            </p:cNvPr>
+            <p:cNvSpPr/>
+            <p:nvPr>
+              <p:extLst>
+                <p:ext uri="{386F3935-93C4-4BCD-93E2-E3B085C9AB24}">
+                  <p16:designElem xmlns:p16="http://schemas.microsoft.com/office/powerpoint/2015/main" val="1"/>
+                </p:ext>
+              </p:extLst>
+            </p:nvPr>
+          </p:nvSpPr>
+          <p:spPr bwMode="auto">
+            <a:xfrm>
+              <a:off x="6210826" y="790"/>
+              <a:ext cx="5522913" cy="6871126"/>
+            </a:xfrm>
+            <a:custGeom>
+              <a:avLst/>
+              <a:gdLst/>
+              <a:ahLst/>
+              <a:cxnLst/>
+              <a:rect l="0" t="0" r="r" b="b"/>
+              <a:pathLst>
+                <a:path w="1160" h="1441">
+                  <a:moveTo>
+                    <a:pt x="1053" y="1441"/>
+                  </a:moveTo>
+                  <a:cubicBezTo>
+                    <a:pt x="1160" y="1129"/>
+                    <a:pt x="892" y="817"/>
+                    <a:pt x="705" y="599"/>
+                  </a:cubicBezTo>
+                  <a:cubicBezTo>
+                    <a:pt x="503" y="365"/>
+                    <a:pt x="270" y="152"/>
+                    <a:pt x="0" y="0"/>
+                  </a:cubicBezTo>
+                </a:path>
+              </a:pathLst>
+            </a:custGeom>
+            <a:noFill/>
+            <a:ln w="9525" cap="flat">
+              <a:solidFill>
+                <a:schemeClr val="tx1">
+                  <a:alpha val="20000"/>
+                </a:schemeClr>
+              </a:solidFill>
+              <a:prstDash val="solid"/>
+              <a:miter lim="800000"/>
+              <a:headEnd/>
+              <a:tailEnd/>
+            </a:ln>
+            <a:extLst>
+              <a:ext uri="{909E8E84-426E-40DD-AFC4-6F175D3DCCD1}">
+                <a14:hiddenFill xmlns:a14="http://schemas.microsoft.com/office/drawing/2010/main">
+                  <a:solidFill>
+                    <a:srgbClr val="FFFFFF"/>
+                  </a:solidFill>
+                </a14:hiddenFill>
+              </a:ext>
+            </a:extLst>
+          </p:spPr>
+        </p:sp>
+        <p:sp>
+          <p:nvSpPr>
+            <p:cNvPr id="23" name="Freeform 18">
+              <a:extLst>
+                <a:ext uri="{FF2B5EF4-FFF2-40B4-BE49-F238E27FC236}">
+                  <a16:creationId xmlns:a16="http://schemas.microsoft.com/office/drawing/2014/main" id="{1CA657E1-3A52-4C23-AA47-EBB2D5C41487}"/>
+                </a:ext>
+                <a:ext uri="{C183D7F6-B498-43B3-948B-1728B52AA6E4}">
+                  <adec:decorative xmlns:adec="http://schemas.microsoft.com/office/drawing/2017/decorative" val="1"/>
+                </a:ext>
+              </a:extLst>
+            </p:cNvPr>
+            <p:cNvSpPr/>
+            <p:nvPr>
+              <p:extLst>
+                <p:ext uri="{386F3935-93C4-4BCD-93E2-E3B085C9AB24}">
+                  <p16:designElem xmlns:p16="http://schemas.microsoft.com/office/powerpoint/2015/main" val="1"/>
+                </p:ext>
+              </p:extLst>
+            </p:nvPr>
+          </p:nvSpPr>
+          <p:spPr bwMode="auto">
+            <a:xfrm>
+              <a:off x="6463239" y="5579"/>
+              <a:ext cx="5413375" cy="6866337"/>
+            </a:xfrm>
+            <a:custGeom>
+              <a:avLst/>
+              <a:gdLst/>
+              <a:ahLst/>
+              <a:cxnLst/>
+              <a:rect l="0" t="0" r="r" b="b"/>
+              <a:pathLst>
+                <a:path w="1137" h="1440">
+                  <a:moveTo>
+                    <a:pt x="1040" y="1440"/>
+                  </a:moveTo>
+                  <a:cubicBezTo>
+                    <a:pt x="1137" y="1131"/>
+                    <a:pt x="883" y="828"/>
+                    <a:pt x="698" y="611"/>
+                  </a:cubicBezTo>
+                  <a:cubicBezTo>
+                    <a:pt x="498" y="375"/>
+                    <a:pt x="268" y="159"/>
+                    <a:pt x="0" y="0"/>
+                  </a:cubicBezTo>
+                </a:path>
+              </a:pathLst>
+            </a:custGeom>
+            <a:noFill/>
+            <a:ln w="9525" cap="flat">
+              <a:solidFill>
+                <a:schemeClr val="tx1">
+                  <a:alpha val="20000"/>
+                </a:schemeClr>
+              </a:solidFill>
+              <a:prstDash val="solid"/>
+              <a:miter lim="800000"/>
+              <a:headEnd/>
+              <a:tailEnd/>
+            </a:ln>
+            <a:extLst>
+              <a:ext uri="{909E8E84-426E-40DD-AFC4-6F175D3DCCD1}">
+                <a14:hiddenFill xmlns:a14="http://schemas.microsoft.com/office/drawing/2010/main">
+                  <a:solidFill>
+                    <a:srgbClr val="FFFFFF"/>
+                  </a:solidFill>
+                </a14:hiddenFill>
+              </a:ext>
+            </a:extLst>
+          </p:spPr>
+        </p:sp>
+        <p:sp>
+          <p:nvSpPr>
+            <p:cNvPr id="24" name="Freeform 19">
+              <a:extLst>
+                <a:ext uri="{FF2B5EF4-FFF2-40B4-BE49-F238E27FC236}">
+                  <a16:creationId xmlns:a16="http://schemas.microsoft.com/office/drawing/2014/main" id="{ED4F701B-2A93-464F-A673-54EED5C4C4CE}"/>
+                </a:ext>
+                <a:ext uri="{C183D7F6-B498-43B3-948B-1728B52AA6E4}">
+                  <adec:decorative xmlns:adec="http://schemas.microsoft.com/office/drawing/2017/decorative" val="1"/>
+                </a:ext>
+              </a:extLst>
+            </p:cNvPr>
+            <p:cNvSpPr/>
+            <p:nvPr>
+              <p:extLst>
+                <p:ext uri="{386F3935-93C4-4BCD-93E2-E3B085C9AB24}">
+                  <p16:designElem xmlns:p16="http://schemas.microsoft.com/office/powerpoint/2015/main" val="1"/>
+                </p:ext>
+              </p:extLst>
+            </p:nvPr>
+          </p:nvSpPr>
+          <p:spPr bwMode="auto">
+            <a:xfrm>
+              <a:off x="6877576" y="5579"/>
+              <a:ext cx="5037138" cy="6861550"/>
+            </a:xfrm>
+            <a:custGeom>
+              <a:avLst/>
+              <a:gdLst/>
+              <a:ahLst/>
+              <a:cxnLst/>
+              <a:rect l="0" t="0" r="r" b="b"/>
+              <a:pathLst>
+                <a:path w="1058" h="1439">
+                  <a:moveTo>
+                    <a:pt x="1011" y="1439"/>
+                  </a:moveTo>
+                  <a:cubicBezTo>
+                    <a:pt x="1058" y="1131"/>
+                    <a:pt x="825" y="841"/>
+                    <a:pt x="648" y="617"/>
+                  </a:cubicBezTo>
+                  <a:cubicBezTo>
+                    <a:pt x="462" y="383"/>
+                    <a:pt x="248" y="168"/>
+                    <a:pt x="0" y="0"/>
+                  </a:cubicBezTo>
+                </a:path>
+              </a:pathLst>
+            </a:custGeom>
+            <a:noFill/>
+            <a:ln w="9525" cap="flat">
+              <a:solidFill>
+                <a:schemeClr val="tx1">
+                  <a:alpha val="20000"/>
+                </a:schemeClr>
+              </a:solidFill>
+              <a:prstDash val="solid"/>
+              <a:miter lim="800000"/>
+              <a:headEnd/>
+              <a:tailEnd/>
+            </a:ln>
+            <a:extLst>
+              <a:ext uri="{909E8E84-426E-40DD-AFC4-6F175D3DCCD1}">
+                <a14:hiddenFill xmlns:a14="http://schemas.microsoft.com/office/drawing/2010/main">
+                  <a:solidFill>
+                    <a:srgbClr val="FFFFFF"/>
+                  </a:solidFill>
+                </a14:hiddenFill>
+              </a:ext>
+            </a:extLst>
+          </p:spPr>
+        </p:sp>
+        <p:sp>
+          <p:nvSpPr>
+            <p:cNvPr id="25" name="Freeform 20">
+              <a:extLst>
+                <a:ext uri="{FF2B5EF4-FFF2-40B4-BE49-F238E27FC236}">
+                  <a16:creationId xmlns:a16="http://schemas.microsoft.com/office/drawing/2014/main" id="{9977C34F-F6C9-4749-B201-7B928802DFF9}"/>
+                </a:ext>
+                <a:ext uri="{C183D7F6-B498-43B3-948B-1728B52AA6E4}">
+                  <adec:decorative xmlns:adec="http://schemas.microsoft.com/office/drawing/2017/decorative" val="1"/>
+                </a:ext>
+              </a:extLst>
+            </p:cNvPr>
+            <p:cNvSpPr/>
+            <p:nvPr>
+              <p:extLst>
+                <p:ext uri="{386F3935-93C4-4BCD-93E2-E3B085C9AB24}">
+                  <p16:designElem xmlns:p16="http://schemas.microsoft.com/office/powerpoint/2015/main" val="1"/>
+                </p:ext>
+              </p:extLst>
+            </p:nvPr>
+          </p:nvSpPr>
+          <p:spPr bwMode="auto">
+            <a:xfrm>
+              <a:off x="8768289" y="5579"/>
+              <a:ext cx="3417888" cy="2742066"/>
+            </a:xfrm>
+            <a:custGeom>
+              <a:avLst/>
+              <a:gdLst/>
+              <a:ahLst/>
+              <a:cxnLst/>
+              <a:rect l="0" t="0" r="r" b="b"/>
+              <a:pathLst>
+                <a:path w="718" h="575">
+                  <a:moveTo>
+                    <a:pt x="718" y="575"/>
+                  </a:moveTo>
+                  <a:cubicBezTo>
+                    <a:pt x="500" y="360"/>
+                    <a:pt x="260" y="163"/>
+                    <a:pt x="0" y="0"/>
+                  </a:cubicBezTo>
+                </a:path>
+              </a:pathLst>
+            </a:custGeom>
+            <a:noFill/>
+            <a:ln w="9525" cap="flat">
+              <a:solidFill>
+                <a:schemeClr val="tx1">
+                  <a:alpha val="20000"/>
+                </a:schemeClr>
+              </a:solidFill>
+              <a:prstDash val="solid"/>
+              <a:miter lim="800000"/>
+              <a:headEnd/>
+              <a:tailEnd/>
+            </a:ln>
+            <a:extLst>
+              <a:ext uri="{909E8E84-426E-40DD-AFC4-6F175D3DCCD1}">
+                <a14:hiddenFill xmlns:a14="http://schemas.microsoft.com/office/drawing/2010/main">
+                  <a:solidFill>
+                    <a:srgbClr val="FFFFFF"/>
+                  </a:solidFill>
+                </a14:hiddenFill>
+              </a:ext>
+            </a:extLst>
+          </p:spPr>
+        </p:sp>
+        <p:sp>
+          <p:nvSpPr>
+            <p:cNvPr id="26" name="Freeform 21">
+              <a:extLst>
+                <a:ext uri="{FF2B5EF4-FFF2-40B4-BE49-F238E27FC236}">
+                  <a16:creationId xmlns:a16="http://schemas.microsoft.com/office/drawing/2014/main" id="{3A913E6B-DBE9-4291-A34C-36069ECB8E67}"/>
+                </a:ext>
+                <a:ext uri="{C183D7F6-B498-43B3-948B-1728B52AA6E4}">
+                  <adec:decorative xmlns:adec="http://schemas.microsoft.com/office/drawing/2017/decorative" val="1"/>
+                </a:ext>
+              </a:extLst>
+            </p:cNvPr>
+            <p:cNvSpPr/>
+            <p:nvPr>
+              <p:extLst>
+                <p:ext uri="{386F3935-93C4-4BCD-93E2-E3B085C9AB24}">
+                  <p16:designElem xmlns:p16="http://schemas.microsoft.com/office/powerpoint/2015/main" val="1"/>
+                </p:ext>
+              </p:extLst>
+            </p:nvPr>
+          </p:nvSpPr>
+          <p:spPr bwMode="auto">
+            <a:xfrm>
+              <a:off x="9235014" y="10367"/>
+              <a:ext cx="2951163" cy="2555325"/>
+            </a:xfrm>
+            <a:custGeom>
+              <a:avLst/>
+              <a:gdLst/>
+              <a:ahLst/>
+              <a:cxnLst/>
+              <a:rect l="0" t="0" r="r" b="b"/>
+              <a:pathLst>
+                <a:path w="620" h="536">
+                  <a:moveTo>
+                    <a:pt x="620" y="536"/>
+                  </a:moveTo>
+                  <a:cubicBezTo>
+                    <a:pt x="404" y="314"/>
+                    <a:pt x="196" y="138"/>
+                    <a:pt x="0" y="0"/>
+                  </a:cubicBezTo>
+                </a:path>
+              </a:pathLst>
+            </a:custGeom>
+            <a:noFill/>
+            <a:ln w="9525" cap="flat">
+              <a:solidFill>
+                <a:schemeClr val="tx1">
+                  <a:alpha val="20000"/>
+                </a:schemeClr>
+              </a:solidFill>
+              <a:prstDash val="solid"/>
+              <a:miter lim="800000"/>
+              <a:headEnd/>
+              <a:tailEnd/>
+            </a:ln>
+            <a:extLst>
+              <a:ext uri="{909E8E84-426E-40DD-AFC4-6F175D3DCCD1}">
+                <a14:hiddenFill xmlns:a14="http://schemas.microsoft.com/office/drawing/2010/main">
+                  <a:solidFill>
+                    <a:srgbClr val="FFFFFF"/>
+                  </a:solidFill>
+                </a14:hiddenFill>
+              </a:ext>
+            </a:extLst>
+          </p:spPr>
+        </p:sp>
+        <p:sp>
+          <p:nvSpPr>
+            <p:cNvPr id="27" name="Freeform 22">
+              <a:extLst>
+                <a:ext uri="{FF2B5EF4-FFF2-40B4-BE49-F238E27FC236}">
+                  <a16:creationId xmlns:a16="http://schemas.microsoft.com/office/drawing/2014/main" id="{7D415C04-AB5C-4B76-9E49-EEBAEE64D045}"/>
+                </a:ext>
+                <a:ext uri="{C183D7F6-B498-43B3-948B-1728B52AA6E4}">
+                  <adec:decorative xmlns:adec="http://schemas.microsoft.com/office/drawing/2017/decorative" val="1"/>
+                </a:ext>
+              </a:extLst>
+            </p:cNvPr>
+            <p:cNvSpPr/>
+            <p:nvPr>
+              <p:extLst>
+                <p:ext uri="{386F3935-93C4-4BCD-93E2-E3B085C9AB24}">
+                  <p16:designElem xmlns:p16="http://schemas.microsoft.com/office/powerpoint/2015/main" val="1"/>
+                </p:ext>
+              </p:extLst>
+            </p:nvPr>
+          </p:nvSpPr>
+          <p:spPr bwMode="auto">
+            <a:xfrm>
+              <a:off x="10020826" y="5579"/>
+              <a:ext cx="2165350" cy="1358265"/>
+            </a:xfrm>
+            <a:custGeom>
+              <a:avLst/>
+              <a:gdLst/>
+              <a:ahLst/>
+              <a:cxnLst/>
+              <a:rect l="0" t="0" r="r" b="b"/>
+              <a:pathLst>
+                <a:path w="455" h="285">
+                  <a:moveTo>
+                    <a:pt x="0" y="0"/>
+                  </a:moveTo>
+                  <a:cubicBezTo>
+                    <a:pt x="153" y="85"/>
+                    <a:pt x="308" y="180"/>
+                    <a:pt x="455" y="285"/>
+                  </a:cubicBezTo>
+                </a:path>
+              </a:pathLst>
+            </a:custGeom>
+            <a:noFill/>
+            <a:ln w="9525" cap="flat">
+              <a:solidFill>
+                <a:schemeClr val="tx1">
+                  <a:alpha val="20000"/>
+                </a:schemeClr>
+              </a:solidFill>
+              <a:prstDash val="dash"/>
+              <a:miter lim="800000"/>
+              <a:headEnd/>
+              <a:tailEnd/>
+            </a:ln>
+            <a:extLst>
+              <a:ext uri="{909E8E84-426E-40DD-AFC4-6F175D3DCCD1}">
+                <a14:hiddenFill xmlns:a14="http://schemas.microsoft.com/office/drawing/2010/main">
+                  <a:solidFill>
+                    <a:srgbClr val="FFFFFF"/>
+                  </a:solidFill>
+                </a14:hiddenFill>
+              </a:ext>
+            </a:extLst>
+          </p:spPr>
+        </p:sp>
+        <p:sp>
+          <p:nvSpPr>
+            <p:cNvPr id="28" name="Freeform 23">
+              <a:extLst>
+                <a:ext uri="{FF2B5EF4-FFF2-40B4-BE49-F238E27FC236}">
+                  <a16:creationId xmlns:a16="http://schemas.microsoft.com/office/drawing/2014/main" id="{151FDC11-E872-4EAE-A597-822F9FE17086}"/>
+                </a:ext>
+                <a:ext uri="{C183D7F6-B498-43B3-948B-1728B52AA6E4}">
+                  <adec:decorative xmlns:adec="http://schemas.microsoft.com/office/drawing/2017/decorative" val="1"/>
+                </a:ext>
+              </a:extLst>
+            </p:cNvPr>
+            <p:cNvSpPr/>
+            <p:nvPr>
+              <p:extLst>
+                <p:ext uri="{386F3935-93C4-4BCD-93E2-E3B085C9AB24}">
+                  <p16:designElem xmlns:p16="http://schemas.microsoft.com/office/powerpoint/2015/main" val="1"/>
+                </p:ext>
+              </p:extLst>
+            </p:nvPr>
+          </p:nvSpPr>
+          <p:spPr bwMode="auto">
+            <a:xfrm>
+              <a:off x="11290826" y="5579"/>
+              <a:ext cx="895350" cy="534687"/>
+            </a:xfrm>
+            <a:custGeom>
+              <a:avLst/>
+              <a:gdLst/>
+              <a:ahLst/>
+              <a:cxnLst/>
+              <a:rect l="0" t="0" r="r" b="b"/>
+              <a:pathLst>
+                <a:path w="188" h="112">
+                  <a:moveTo>
+                    <a:pt x="0" y="0"/>
+                  </a:moveTo>
+                  <a:cubicBezTo>
+                    <a:pt x="63" y="36"/>
+                    <a:pt x="126" y="73"/>
+                    <a:pt x="188" y="112"/>
+                  </a:cubicBezTo>
+                </a:path>
+              </a:pathLst>
+            </a:custGeom>
+            <a:noFill/>
+            <a:ln w="9525" cap="flat">
+              <a:solidFill>
+                <a:schemeClr val="tx1">
+                  <a:alpha val="20000"/>
+                </a:schemeClr>
+              </a:solidFill>
+              <a:prstDash val="solid"/>
+              <a:miter lim="800000"/>
+              <a:headEnd/>
+              <a:tailEnd/>
+            </a:ln>
+            <a:extLst>
+              <a:ext uri="{909E8E84-426E-40DD-AFC4-6F175D3DCCD1}">
+                <a14:hiddenFill xmlns:a14="http://schemas.microsoft.com/office/drawing/2010/main">
+                  <a:solidFill>
+                    <a:srgbClr val="FFFFFF"/>
+                  </a:solidFill>
+                </a14:hiddenFill>
+              </a:ext>
+            </a:extLst>
+          </p:spPr>
+        </p:sp>
+      </p:grpSp>
+      <p:grpSp>
+        <p:nvGrpSpPr>
+          <p:cNvPr id="30" name="Group 29">
+            <a:extLst>
+              <a:ext uri="{FF2B5EF4-FFF2-40B4-BE49-F238E27FC236}">
+                <a16:creationId xmlns:a16="http://schemas.microsoft.com/office/drawing/2014/main" id="{1B24766B-81CA-44C7-BF11-77A12BA42411}"/>
+              </a:ext>
+              <a:ext uri="{C183D7F6-B498-43B3-948B-1728B52AA6E4}">
+                <adec:decorative xmlns:adec="http://schemas.microsoft.com/office/drawing/2017/decorative" val="1"/>
+              </a:ext>
+            </a:extLst>
+          </p:cNvPr>
+          <p:cNvGrpSpPr>
+            <a:grpSpLocks noGrp="1" noUngrp="1" noRot="1" noChangeAspect="1" noMove="1" noResize="1"/>
+          </p:cNvGrpSpPr>
+          <p:nvPr>
+            <p:extLst>
+              <p:ext uri="{386F3935-93C4-4BCD-93E2-E3B085C9AB24}">
+                <p16:designElem xmlns:p16="http://schemas.microsoft.com/office/powerpoint/2015/main" val="1"/>
+              </p:ext>
+            </p:extLst>
+          </p:nvPr>
+        </p:nvGrpSpPr>
+        <p:grpSpPr>
+          <a:xfrm>
+            <a:off x="1669293" y="1186483"/>
+            <a:ext cx="8848345" cy="4477933"/>
+            <a:chOff x="1669293" y="1186483"/>
+            <a:chExt cx="8848345" cy="4477933"/>
+          </a:xfrm>
+        </p:grpSpPr>
+        <p:sp>
+          <p:nvSpPr>
+            <p:cNvPr id="31" name="Rectangle 30">
+              <a:extLst>
+                <a:ext uri="{FF2B5EF4-FFF2-40B4-BE49-F238E27FC236}">
+                  <a16:creationId xmlns:a16="http://schemas.microsoft.com/office/drawing/2014/main" id="{1A2F9962-DEB8-461C-8B4C-C0ED0D8A7B70}"/>
+                </a:ext>
+                <a:ext uri="{C183D7F6-B498-43B3-948B-1728B52AA6E4}">
+                  <adec:decorative xmlns:adec="http://schemas.microsoft.com/office/drawing/2017/decorative" val="1"/>
+                </a:ext>
+              </a:extLst>
+            </p:cNvPr>
+            <p:cNvSpPr/>
+            <p:nvPr>
+              <p:extLst>
+                <p:ext uri="{386F3935-93C4-4BCD-93E2-E3B085C9AB24}">
+                  <p16:designElem xmlns:p16="http://schemas.microsoft.com/office/powerpoint/2015/main" val="1"/>
+                </p:ext>
+              </p:extLst>
+            </p:nvPr>
+          </p:nvSpPr>
+          <p:spPr>
+            <a:xfrm>
+              <a:off x="1674042" y="1186483"/>
+              <a:ext cx="8843596" cy="716184"/>
+            </a:xfrm>
+            <a:prstGeom prst="rect">
+              <a:avLst/>
+            </a:prstGeom>
+            <a:solidFill>
+              <a:schemeClr val="accent1"/>
+            </a:solidFill>
+            <a:ln>
+              <a:noFill/>
+            </a:ln>
+          </p:spPr>
+          <p:style>
+            <a:lnRef idx="2">
+              <a:schemeClr val="accent1">
+                <a:shade val="50000"/>
+              </a:schemeClr>
+            </a:lnRef>
+            <a:fillRef idx="1">
+              <a:schemeClr val="accent1"/>
+            </a:fillRef>
+            <a:effectRef idx="0">
+              <a:schemeClr val="accent1"/>
+            </a:effectRef>
+            <a:fontRef idx="minor">
+              <a:schemeClr val="lt1"/>
+            </a:fontRef>
+          </p:style>
+        </p:sp>
+        <p:sp>
+          <p:nvSpPr>
+            <p:cNvPr id="32" name="Isosceles Triangle 31">
+              <a:extLst>
+                <a:ext uri="{FF2B5EF4-FFF2-40B4-BE49-F238E27FC236}">
+                  <a16:creationId xmlns:a16="http://schemas.microsoft.com/office/drawing/2014/main" id="{C0672E08-EB09-4B8E-8522-24BBC2CFFD28}"/>
+                </a:ext>
+                <a:ext uri="{C183D7F6-B498-43B3-948B-1728B52AA6E4}">
+                  <adec:decorative xmlns:adec="http://schemas.microsoft.com/office/drawing/2017/decorative" val="1"/>
+                </a:ext>
+              </a:extLst>
+            </p:cNvPr>
+            <p:cNvSpPr/>
+            <p:nvPr>
+              <p:extLst>
+                <p:ext uri="{386F3935-93C4-4BCD-93E2-E3B085C9AB24}">
+                  <p16:designElem xmlns:p16="http://schemas.microsoft.com/office/powerpoint/2015/main" val="1"/>
+                </p:ext>
+              </p:extLst>
+            </p:nvPr>
+          </p:nvSpPr>
+          <p:spPr>
+            <a:xfrm rot="10800000">
+              <a:off x="5892384" y="5313353"/>
+              <a:ext cx="407233" cy="351063"/>
+            </a:xfrm>
+            <a:prstGeom prst="triangle">
+              <a:avLst/>
+            </a:prstGeom>
+            <a:solidFill>
+              <a:schemeClr val="accent1"/>
+            </a:solidFill>
+            <a:ln>
+              <a:noFill/>
+            </a:ln>
+          </p:spPr>
+          <p:style>
+            <a:lnRef idx="2">
+              <a:schemeClr val="accent1">
+                <a:shade val="50000"/>
+              </a:schemeClr>
+            </a:lnRef>
+            <a:fillRef idx="1">
+              <a:schemeClr val="accent1"/>
+            </a:fillRef>
+            <a:effectRef idx="0">
+              <a:schemeClr val="accent1"/>
+            </a:effectRef>
+            <a:fontRef idx="minor">
+              <a:schemeClr val="lt1"/>
+            </a:fontRef>
+          </p:style>
+        </p:sp>
+        <p:sp>
+          <p:nvSpPr>
+            <p:cNvPr id="33" name="Rectangle 32">
+              <a:extLst>
+                <a:ext uri="{FF2B5EF4-FFF2-40B4-BE49-F238E27FC236}">
+                  <a16:creationId xmlns:a16="http://schemas.microsoft.com/office/drawing/2014/main" id="{3447AB64-F3EC-4A1F-BFD4-F0F9DB3DAD7B}"/>
+                </a:ext>
+                <a:ext uri="{C183D7F6-B498-43B3-948B-1728B52AA6E4}">
+                  <adec:decorative xmlns:adec="http://schemas.microsoft.com/office/drawing/2017/decorative" val="1"/>
+                </a:ext>
+              </a:extLst>
+            </p:cNvPr>
+            <p:cNvSpPr/>
+            <p:nvPr>
+              <p:extLst>
+                <p:ext uri="{386F3935-93C4-4BCD-93E2-E3B085C9AB24}">
+                  <p16:designElem xmlns:p16="http://schemas.microsoft.com/office/powerpoint/2015/main" val="1"/>
+                </p:ext>
+              </p:extLst>
+            </p:nvPr>
+          </p:nvSpPr>
+          <p:spPr>
+            <a:xfrm>
+              <a:off x="1669293" y="1991156"/>
+              <a:ext cx="8845667" cy="3322196"/>
+            </a:xfrm>
+            <a:prstGeom prst="rect">
+              <a:avLst/>
+            </a:prstGeom>
+            <a:solidFill>
+              <a:schemeClr val="accent1"/>
+            </a:solidFill>
+            <a:ln>
+              <a:noFill/>
+            </a:ln>
+          </p:spPr>
+          <p:style>
+            <a:lnRef idx="2">
+              <a:schemeClr val="accent1">
+                <a:shade val="50000"/>
+              </a:schemeClr>
+            </a:lnRef>
+            <a:fillRef idx="1">
+              <a:schemeClr val="accent1"/>
+            </a:fillRef>
+            <a:effectRef idx="0">
+              <a:schemeClr val="accent1"/>
+            </a:effectRef>
+            <a:fontRef idx="minor">
+              <a:schemeClr val="lt1"/>
+            </a:fontRef>
+          </p:style>
+        </p:sp>
+      </p:grpSp>
+      <p:sp useBgFill="1">
+        <p:nvSpPr>
+          <p:cNvPr id="35" name="Rectangle 34">
+            <a:extLst>
+              <a:ext uri="{FF2B5EF4-FFF2-40B4-BE49-F238E27FC236}">
+                <a16:creationId xmlns:a16="http://schemas.microsoft.com/office/drawing/2014/main" id="{10CE3618-1D7A-4256-B2AF-9DB692996C65}"/>
+              </a:ext>
+              <a:ext uri="{C183D7F6-B498-43B3-948B-1728B52AA6E4}">
+                <adec:decorative xmlns:adec="http://schemas.microsoft.com/office/drawing/2017/decorative" val="1"/>
+              </a:ext>
+            </a:extLst>
+          </p:cNvPr>
+          <p:cNvSpPr>
+            <a:spLocks noGrp="1" noRot="1" noChangeAspect="1" noMove="1" noResize="1" noEditPoints="1" noAdjustHandles="1" noChangeArrowheads="1" noChangeShapeType="1" noTextEdit="1"/>
+          </p:cNvSpPr>
+          <p:nvPr>
+            <p:extLst>
+              <p:ext uri="{386F3935-93C4-4BCD-93E2-E3B085C9AB24}">
+                <p16:designElem xmlns:p16="http://schemas.microsoft.com/office/powerpoint/2015/main" val="1"/>
+              </p:ext>
+            </p:extLst>
+          </p:nvPr>
+        </p:nvSpPr>
+        <p:spPr>
+          <a:xfrm>
+            <a:off x="0" y="0"/>
+            <a:ext cx="12192000" cy="6858001"/>
+          </a:xfrm>
+          <a:prstGeom prst="rect">
+            <a:avLst/>
+          </a:prstGeom>
+          <a:ln>
+            <a:noFill/>
+          </a:ln>
+        </p:spPr>
+        <p:style>
+          <a:lnRef idx="2">
+            <a:schemeClr val="accent1">
+              <a:shade val="50000"/>
+            </a:schemeClr>
+          </a:lnRef>
+          <a:fillRef idx="1">
+            <a:schemeClr val="accent1"/>
+          </a:fillRef>
+          <a:effectRef idx="0">
+            <a:schemeClr val="accent1"/>
+          </a:effectRef>
+          <a:fontRef idx="minor">
+            <a:schemeClr val="lt1"/>
+          </a:fontRef>
+        </p:style>
+        <p:txBody>
+          <a:bodyPr rtlCol="0" anchor="ctr"/>
+          <a:lstStyle/>
+          <a:p>
+            <a:pPr marL="0" marR="0" lvl="0" indent="0" algn="ctr" defTabSz="457200" rtl="0" eaLnBrk="1" fontAlgn="auto" latinLnBrk="0" hangingPunct="1">
+              <a:lnSpc>
+                <a:spcPct val="100000"/>
+              </a:lnSpc>
+              <a:spcBef>
+                <a:spcPts val="0"/>
+              </a:spcBef>
+              <a:spcAft>
+                <a:spcPts val="0"/>
+              </a:spcAft>
+              <a:buClrTx/>
+              <a:buSzTx/>
+              <a:buFontTx/>
+              <a:buNone/>
+              <a:tabLst/>
+              <a:defRPr/>
+            </a:pPr>
+            <a:endParaRPr kumimoji="0" lang="en-US" sz="1800" b="0" i="0" u="none" strike="noStrike" kern="1200" cap="none" spc="0" normalizeH="0" baseline="0" noProof="0">
+              <a:ln>
+                <a:noFill/>
+              </a:ln>
+              <a:solidFill>
+                <a:prstClr val="white"/>
+              </a:solidFill>
+              <a:effectLst/>
+              <a:uLnTx/>
+              <a:uFillTx/>
+              <a:latin typeface="Rockwell" panose="02060603020205020403"/>
+              <a:ea typeface="+mn-ea"/>
+              <a:cs typeface="+mn-cs"/>
+            </a:endParaRPr>
+          </a:p>
+        </p:txBody>
+      </p:sp>
+      <p:sp>
+        <p:nvSpPr>
+          <p:cNvPr id="65" name="직사각형 64">
+            <a:extLst>
+              <a:ext uri="{FF2B5EF4-FFF2-40B4-BE49-F238E27FC236}">
+                <a16:creationId xmlns:a16="http://schemas.microsoft.com/office/drawing/2014/main" id="{5D40A97D-4538-4AFA-A3B1-AC74810E8E87}"/>
+              </a:ext>
+            </a:extLst>
+          </p:cNvPr>
+          <p:cNvSpPr/>
+          <p:nvPr/>
+        </p:nvSpPr>
+        <p:spPr>
+          <a:xfrm>
+            <a:off x="37061" y="1768502"/>
+            <a:ext cx="2457398" cy="3719512"/>
+          </a:xfrm>
+          <a:prstGeom prst="rect">
+            <a:avLst/>
+          </a:prstGeom>
+        </p:spPr>
+        <p:style>
+          <a:lnRef idx="2">
+            <a:schemeClr val="accent1">
+              <a:shade val="50000"/>
+            </a:schemeClr>
+          </a:lnRef>
+          <a:fillRef idx="1">
+            <a:schemeClr val="accent1"/>
+          </a:fillRef>
+          <a:effectRef idx="0">
+            <a:schemeClr val="accent1"/>
+          </a:effectRef>
+          <a:fontRef idx="minor">
+            <a:schemeClr val="lt1"/>
+          </a:fontRef>
+        </p:style>
+        <p:txBody>
+          <a:bodyPr rtlCol="0" anchor="ctr"/>
+          <a:lstStyle/>
+          <a:p>
+            <a:pPr algn="ctr"/>
+            <a:endParaRPr lang="ko-KR" altLang="en-US" dirty="0"/>
+          </a:p>
+        </p:txBody>
+      </p:sp>
+      <p:sp>
+        <p:nvSpPr>
+          <p:cNvPr id="64" name="직사각형 63">
+            <a:extLst>
+              <a:ext uri="{FF2B5EF4-FFF2-40B4-BE49-F238E27FC236}">
+                <a16:creationId xmlns:a16="http://schemas.microsoft.com/office/drawing/2014/main" id="{6AFB9D2E-D336-4744-A185-77E75C078B2B}"/>
+              </a:ext>
+            </a:extLst>
+          </p:cNvPr>
+          <p:cNvSpPr/>
+          <p:nvPr/>
+        </p:nvSpPr>
+        <p:spPr>
+          <a:xfrm>
+            <a:off x="3170622" y="1820935"/>
+            <a:ext cx="2529774" cy="3719512"/>
+          </a:xfrm>
+          <a:prstGeom prst="rect">
+            <a:avLst/>
+          </a:prstGeom>
+        </p:spPr>
+        <p:style>
+          <a:lnRef idx="2">
+            <a:schemeClr val="accent1">
+              <a:shade val="50000"/>
+            </a:schemeClr>
+          </a:lnRef>
+          <a:fillRef idx="1">
+            <a:schemeClr val="accent1"/>
+          </a:fillRef>
+          <a:effectRef idx="0">
+            <a:schemeClr val="accent1"/>
+          </a:effectRef>
+          <a:fontRef idx="minor">
+            <a:schemeClr val="lt1"/>
+          </a:fontRef>
+        </p:style>
+        <p:txBody>
+          <a:bodyPr rtlCol="0" anchor="ctr"/>
+          <a:lstStyle/>
+          <a:p>
+            <a:pPr algn="ctr"/>
+            <a:endParaRPr lang="ko-KR" altLang="en-US"/>
+          </a:p>
+        </p:txBody>
+      </p:sp>
+      <p:grpSp>
+        <p:nvGrpSpPr>
+          <p:cNvPr id="37" name="Group 36">
+            <a:extLst>
+              <a:ext uri="{FF2B5EF4-FFF2-40B4-BE49-F238E27FC236}">
+                <a16:creationId xmlns:a16="http://schemas.microsoft.com/office/drawing/2014/main" id="{D91A9185-A7D5-460B-98BC-0BF2EBD3EEBE}"/>
+              </a:ext>
+              <a:ext uri="{C183D7F6-B498-43B3-948B-1728B52AA6E4}">
+                <adec:decorative xmlns:adec="http://schemas.microsoft.com/office/drawing/2017/decorative" val="1"/>
+              </a:ext>
+            </a:extLst>
+          </p:cNvPr>
+          <p:cNvGrpSpPr>
+            <a:grpSpLocks noGrp="1" noUngrp="1" noRot="1" noChangeAspect="1" noMove="1" noResize="1"/>
+          </p:cNvGrpSpPr>
+          <p:nvPr>
+            <p:extLst>
+              <p:ext uri="{386F3935-93C4-4BCD-93E2-E3B085C9AB24}">
+                <p16:designElem xmlns:p16="http://schemas.microsoft.com/office/powerpoint/2015/main" val="1"/>
+              </p:ext>
+            </p:extLst>
+          </p:nvPr>
+        </p:nvGrpSpPr>
+        <p:grpSpPr>
+          <a:xfrm>
+            <a:off x="-329674" y="-59376"/>
+            <a:ext cx="12515851" cy="6923798"/>
+            <a:chOff x="-329674" y="-51881"/>
+            <a:chExt cx="12515851" cy="6923798"/>
+          </a:xfrm>
+        </p:grpSpPr>
+        <p:sp>
+          <p:nvSpPr>
+            <p:cNvPr id="38" name="Freeform 5">
+              <a:extLst>
+                <a:ext uri="{FF2B5EF4-FFF2-40B4-BE49-F238E27FC236}">
+                  <a16:creationId xmlns:a16="http://schemas.microsoft.com/office/drawing/2014/main" id="{8AFC1764-6516-4F77-BF30-B8ADB3C9F499}"/>
+                </a:ext>
+                <a:ext uri="{C183D7F6-B498-43B3-948B-1728B52AA6E4}">
+                  <adec:decorative xmlns:adec="http://schemas.microsoft.com/office/drawing/2017/decorative" val="1"/>
+                </a:ext>
+              </a:extLst>
+            </p:cNvPr>
+            <p:cNvSpPr/>
+            <p:nvPr>
+              <p:extLst>
+                <p:ext uri="{386F3935-93C4-4BCD-93E2-E3B085C9AB24}">
+                  <p16:designElem xmlns:p16="http://schemas.microsoft.com/office/powerpoint/2015/main" val="1"/>
+                </p:ext>
+              </p:extLst>
+            </p:nvPr>
+          </p:nvSpPr>
+          <p:spPr bwMode="auto">
+            <a:xfrm>
+              <a:off x="-329674" y="1298404"/>
+              <a:ext cx="9702800" cy="5573512"/>
+            </a:xfrm>
+            <a:custGeom>
+              <a:avLst/>
+              <a:gdLst/>
+              <a:ahLst/>
+              <a:cxnLst/>
+              <a:rect l="0" t="0" r="r" b="b"/>
+              <a:pathLst>
+                <a:path w="2038" h="1169">
+                  <a:moveTo>
+                    <a:pt x="1752" y="1169"/>
+                  </a:moveTo>
+                  <a:cubicBezTo>
+                    <a:pt x="2038" y="928"/>
+                    <a:pt x="1673" y="513"/>
+                    <a:pt x="1487" y="334"/>
+                  </a:cubicBezTo>
+                  <a:cubicBezTo>
+                    <a:pt x="1316" y="170"/>
+                    <a:pt x="1099" y="43"/>
+                    <a:pt x="860" y="22"/>
+                  </a:cubicBezTo>
+                  <a:cubicBezTo>
+                    <a:pt x="621" y="0"/>
+                    <a:pt x="341" y="128"/>
+                    <a:pt x="199" y="318"/>
+                  </a:cubicBezTo>
+                  <a:cubicBezTo>
+                    <a:pt x="0" y="586"/>
+                    <a:pt x="184" y="965"/>
+                    <a:pt x="399" y="1165"/>
+                  </a:cubicBezTo>
+                </a:path>
+              </a:pathLst>
+            </a:custGeom>
+            <a:noFill/>
+            <a:ln w="9525" cap="flat">
+              <a:solidFill>
+                <a:schemeClr val="accent1">
+                  <a:alpha val="15000"/>
+                </a:schemeClr>
+              </a:solidFill>
+              <a:prstDash val="solid"/>
+              <a:miter lim="800000"/>
+              <a:headEnd/>
+              <a:tailEnd/>
+            </a:ln>
+            <a:extLst>
+              <a:ext uri="{909E8E84-426E-40DD-AFC4-6F175D3DCCD1}">
+                <a14:hiddenFill xmlns:a14="http://schemas.microsoft.com/office/drawing/2010/main">
+                  <a:solidFill>
+                    <a:srgbClr val="FFFFFF"/>
+                  </a:solidFill>
+                </a14:hiddenFill>
+              </a:ext>
+            </a:extLst>
+          </p:spPr>
+        </p:sp>
+        <p:sp>
+          <p:nvSpPr>
+            <p:cNvPr id="39" name="Freeform 6">
+              <a:extLst>
+                <a:ext uri="{FF2B5EF4-FFF2-40B4-BE49-F238E27FC236}">
+                  <a16:creationId xmlns:a16="http://schemas.microsoft.com/office/drawing/2014/main" id="{FCAFF9F9-F806-47EC-BCAC-9921E719FF2A}"/>
+                </a:ext>
+                <a:ext uri="{C183D7F6-B498-43B3-948B-1728B52AA6E4}">
+                  <adec:decorative xmlns:adec="http://schemas.microsoft.com/office/drawing/2017/decorative" val="1"/>
+                </a:ext>
+              </a:extLst>
+            </p:cNvPr>
+            <p:cNvSpPr/>
+            <p:nvPr>
+              <p:extLst>
+                <p:ext uri="{386F3935-93C4-4BCD-93E2-E3B085C9AB24}">
+                  <p16:designElem xmlns:p16="http://schemas.microsoft.com/office/powerpoint/2015/main" val="1"/>
+                </p:ext>
+              </p:extLst>
+            </p:nvPr>
+          </p:nvSpPr>
+          <p:spPr bwMode="auto">
+            <a:xfrm>
+              <a:off x="670451" y="2018236"/>
+              <a:ext cx="7373938" cy="4848892"/>
+            </a:xfrm>
+            <a:custGeom>
+              <a:avLst/>
+              <a:gdLst/>
+              <a:ahLst/>
+              <a:cxnLst/>
+              <a:rect l="0" t="0" r="r" b="b"/>
+              <a:pathLst>
+                <a:path w="1549" h="1017">
+                  <a:moveTo>
+                    <a:pt x="1025" y="1016"/>
+                  </a:moveTo>
+                  <a:cubicBezTo>
+                    <a:pt x="1223" y="971"/>
+                    <a:pt x="1549" y="857"/>
+                    <a:pt x="1443" y="592"/>
+                  </a:cubicBezTo>
+                  <a:cubicBezTo>
+                    <a:pt x="1344" y="344"/>
+                    <a:pt x="1041" y="111"/>
+                    <a:pt x="782" y="53"/>
+                  </a:cubicBezTo>
+                  <a:cubicBezTo>
+                    <a:pt x="545" y="0"/>
+                    <a:pt x="275" y="117"/>
+                    <a:pt x="150" y="329"/>
+                  </a:cubicBezTo>
+                  <a:cubicBezTo>
+                    <a:pt x="0" y="584"/>
+                    <a:pt x="243" y="911"/>
+                    <a:pt x="477" y="1017"/>
+                  </a:cubicBezTo>
+                </a:path>
+              </a:pathLst>
+            </a:custGeom>
+            <a:noFill/>
+            <a:ln w="9525" cap="flat">
+              <a:solidFill>
+                <a:schemeClr val="accent1">
+                  <a:alpha val="18000"/>
+                </a:schemeClr>
+              </a:solidFill>
+              <a:prstDash val="solid"/>
+              <a:miter lim="800000"/>
+              <a:headEnd/>
+              <a:tailEnd/>
+            </a:ln>
+            <a:extLst>
+              <a:ext uri="{909E8E84-426E-40DD-AFC4-6F175D3DCCD1}">
+                <a14:hiddenFill xmlns:a14="http://schemas.microsoft.com/office/drawing/2010/main">
+                  <a:solidFill>
+                    <a:srgbClr val="FFFFFF"/>
+                  </a:solidFill>
+                </a14:hiddenFill>
+              </a:ext>
+            </a:extLst>
+          </p:spPr>
+          <p:txBody>
+            <a:bodyPr/>
+            <a:lstStyle/>
+            <a:p>
+              <a:pPr marL="0" marR="0" lvl="0" indent="0" algn="l" defTabSz="457200" rtl="0" eaLnBrk="1" fontAlgn="auto" latinLnBrk="0" hangingPunct="1">
+                <a:lnSpc>
+                  <a:spcPct val="100000"/>
+                </a:lnSpc>
+                <a:spcBef>
+                  <a:spcPts val="0"/>
+                </a:spcBef>
+                <a:spcAft>
+                  <a:spcPts val="0"/>
+                </a:spcAft>
+                <a:buClrTx/>
+                <a:buSzTx/>
+                <a:buFontTx/>
+                <a:buNone/>
+                <a:tabLst/>
+                <a:defRPr/>
+              </a:pPr>
+              <a:endParaRPr kumimoji="0" lang="en-US" sz="1800" b="0" i="0" u="none" strike="noStrike" kern="1200" cap="none" spc="0" normalizeH="0" baseline="0" noProof="0" dirty="0">
+                <a:ln>
+                  <a:noFill/>
+                </a:ln>
+                <a:solidFill>
+                  <a:prstClr val="black"/>
+                </a:solidFill>
+                <a:effectLst/>
+                <a:uLnTx/>
+                <a:uFillTx/>
+                <a:latin typeface="Rockwell" panose="02060603020205020403"/>
+                <a:ea typeface="+mn-ea"/>
+                <a:cs typeface="+mn-cs"/>
+              </a:endParaRPr>
+            </a:p>
+          </p:txBody>
+        </p:sp>
+        <p:sp>
+          <p:nvSpPr>
+            <p:cNvPr id="40" name="Freeform 7">
+              <a:extLst>
+                <a:ext uri="{FF2B5EF4-FFF2-40B4-BE49-F238E27FC236}">
+                  <a16:creationId xmlns:a16="http://schemas.microsoft.com/office/drawing/2014/main" id="{09D92491-36BD-4861-BA54-DD88E608988E}"/>
+                </a:ext>
+                <a:ext uri="{C183D7F6-B498-43B3-948B-1728B52AA6E4}">
+                  <adec:decorative xmlns:adec="http://schemas.microsoft.com/office/drawing/2017/decorative" val="1"/>
+                </a:ext>
+              </a:extLst>
+            </p:cNvPr>
+            <p:cNvSpPr/>
+            <p:nvPr>
+              <p:extLst>
+                <p:ext uri="{386F3935-93C4-4BCD-93E2-E3B085C9AB24}">
+                  <p16:designElem xmlns:p16="http://schemas.microsoft.com/office/powerpoint/2015/main" val="1"/>
+                </p:ext>
+              </p:extLst>
+            </p:nvPr>
+          </p:nvSpPr>
+          <p:spPr bwMode="auto">
+            <a:xfrm>
+              <a:off x="251351" y="1788400"/>
+              <a:ext cx="8035925" cy="5083516"/>
+            </a:xfrm>
+            <a:custGeom>
+              <a:avLst/>
+              <a:gdLst/>
+              <a:ahLst/>
+              <a:cxnLst/>
+              <a:rect l="0" t="0" r="r" b="b"/>
+              <a:pathLst>
+                <a:path w="1688" h="1066">
+                  <a:moveTo>
+                    <a:pt x="1302" y="1066"/>
+                  </a:moveTo>
+                  <a:cubicBezTo>
+                    <a:pt x="1416" y="1024"/>
+                    <a:pt x="1551" y="962"/>
+                    <a:pt x="1613" y="850"/>
+                  </a:cubicBezTo>
+                  <a:cubicBezTo>
+                    <a:pt x="1688" y="715"/>
+                    <a:pt x="1606" y="575"/>
+                    <a:pt x="1517" y="471"/>
+                  </a:cubicBezTo>
+                  <a:cubicBezTo>
+                    <a:pt x="1336" y="258"/>
+                    <a:pt x="1084" y="62"/>
+                    <a:pt x="798" y="28"/>
+                  </a:cubicBezTo>
+                  <a:cubicBezTo>
+                    <a:pt x="559" y="0"/>
+                    <a:pt x="317" y="138"/>
+                    <a:pt x="181" y="333"/>
+                  </a:cubicBezTo>
+                  <a:cubicBezTo>
+                    <a:pt x="0" y="592"/>
+                    <a:pt x="191" y="907"/>
+                    <a:pt x="420" y="1066"/>
+                  </a:cubicBezTo>
+                </a:path>
+              </a:pathLst>
+            </a:custGeom>
+            <a:noFill/>
+            <a:ln w="9525" cap="flat">
+              <a:solidFill>
+                <a:schemeClr val="accent1">
+                  <a:alpha val="20000"/>
+                </a:schemeClr>
+              </a:solidFill>
+              <a:prstDash val="dash"/>
+              <a:miter lim="800000"/>
+              <a:headEnd/>
+              <a:tailEnd/>
+            </a:ln>
+            <a:extLst>
+              <a:ext uri="{909E8E84-426E-40DD-AFC4-6F175D3DCCD1}">
+                <a14:hiddenFill xmlns:a14="http://schemas.microsoft.com/office/drawing/2010/main">
+                  <a:solidFill>
+                    <a:srgbClr val="FFFFFF"/>
+                  </a:solidFill>
+                </a14:hiddenFill>
+              </a:ext>
+            </a:extLst>
+          </p:spPr>
+        </p:sp>
+        <p:sp>
+          <p:nvSpPr>
+            <p:cNvPr id="41" name="Freeform 8">
+              <a:extLst>
+                <a:ext uri="{FF2B5EF4-FFF2-40B4-BE49-F238E27FC236}">
+                  <a16:creationId xmlns:a16="http://schemas.microsoft.com/office/drawing/2014/main" id="{23740E15-AB86-4E5C-A137-07E0DDC03548}"/>
+                </a:ext>
+                <a:ext uri="{C183D7F6-B498-43B3-948B-1728B52AA6E4}">
+                  <adec:decorative xmlns:adec="http://schemas.microsoft.com/office/drawing/2017/decorative" val="1"/>
+                </a:ext>
+              </a:extLst>
+            </p:cNvPr>
+            <p:cNvSpPr/>
+            <p:nvPr>
+              <p:extLst>
+                <p:ext uri="{386F3935-93C4-4BCD-93E2-E3B085C9AB24}">
+                  <p16:designElem xmlns:p16="http://schemas.microsoft.com/office/powerpoint/2015/main" val="1"/>
+                </p:ext>
+              </p:extLst>
+            </p:nvPr>
+          </p:nvSpPr>
+          <p:spPr bwMode="auto">
+            <a:xfrm>
+              <a:off x="-1061" y="549842"/>
+              <a:ext cx="10334625" cy="6322075"/>
+            </a:xfrm>
+            <a:custGeom>
+              <a:avLst/>
+              <a:gdLst/>
+              <a:ahLst/>
+              <a:cxnLst/>
+              <a:rect l="0" t="0" r="r" b="b"/>
+              <a:pathLst>
+                <a:path w="2171" h="1326">
+                  <a:moveTo>
+                    <a:pt x="1873" y="1326"/>
+                  </a:moveTo>
+                  <a:cubicBezTo>
+                    <a:pt x="2171" y="1045"/>
+                    <a:pt x="1825" y="678"/>
+                    <a:pt x="1609" y="473"/>
+                  </a:cubicBezTo>
+                  <a:cubicBezTo>
+                    <a:pt x="1406" y="281"/>
+                    <a:pt x="1159" y="116"/>
+                    <a:pt x="880" y="63"/>
+                  </a:cubicBezTo>
+                  <a:cubicBezTo>
+                    <a:pt x="545" y="0"/>
+                    <a:pt x="214" y="161"/>
+                    <a:pt x="0" y="423"/>
+                  </a:cubicBezTo>
+                </a:path>
+              </a:pathLst>
+            </a:custGeom>
+            <a:noFill/>
+            <a:ln w="9525" cap="flat">
+              <a:solidFill>
+                <a:schemeClr val="accent1">
+                  <a:alpha val="11000"/>
+                </a:schemeClr>
+              </a:solidFill>
+              <a:prstDash val="solid"/>
+              <a:miter lim="800000"/>
+              <a:headEnd/>
+              <a:tailEnd/>
+            </a:ln>
+            <a:extLst>
+              <a:ext uri="{909E8E84-426E-40DD-AFC4-6F175D3DCCD1}">
+                <a14:hiddenFill xmlns:a14="http://schemas.microsoft.com/office/drawing/2010/main">
+                  <a:solidFill>
+                    <a:srgbClr val="FFFFFF"/>
+                  </a:solidFill>
+                </a14:hiddenFill>
+              </a:ext>
+            </a:extLst>
+          </p:spPr>
+        </p:sp>
+        <p:sp>
+          <p:nvSpPr>
+            <p:cNvPr id="42" name="Freeform 9">
+              <a:extLst>
+                <a:ext uri="{FF2B5EF4-FFF2-40B4-BE49-F238E27FC236}">
+                  <a16:creationId xmlns:a16="http://schemas.microsoft.com/office/drawing/2014/main" id="{BE097852-1F54-4EF0-A1BE-561272FCD6D7}"/>
+                </a:ext>
+                <a:ext uri="{C183D7F6-B498-43B3-948B-1728B52AA6E4}">
+                  <adec:decorative xmlns:adec="http://schemas.microsoft.com/office/drawing/2017/decorative" val="1"/>
+                </a:ext>
+              </a:extLst>
+            </p:cNvPr>
+            <p:cNvSpPr/>
+            <p:nvPr>
+              <p:extLst>
+                <p:ext uri="{386F3935-93C4-4BCD-93E2-E3B085C9AB24}">
+                  <p16:designElem xmlns:p16="http://schemas.microsoft.com/office/powerpoint/2015/main" val="1"/>
+                </p:ext>
+              </p:extLst>
+            </p:nvPr>
+          </p:nvSpPr>
+          <p:spPr bwMode="auto">
+            <a:xfrm>
+              <a:off x="3701" y="6186246"/>
+              <a:ext cx="504825" cy="681527"/>
+            </a:xfrm>
+            <a:custGeom>
+              <a:avLst/>
+              <a:gdLst/>
+              <a:ahLst/>
+              <a:cxnLst/>
+              <a:rect l="0" t="0" r="r" b="b"/>
+              <a:pathLst>
+                <a:path w="106" h="143">
+                  <a:moveTo>
+                    <a:pt x="0" y="0"/>
+                  </a:moveTo>
+                  <a:cubicBezTo>
+                    <a:pt x="35" y="54"/>
+                    <a:pt x="70" y="101"/>
+                    <a:pt x="106" y="143"/>
+                  </a:cubicBezTo>
+                </a:path>
+              </a:pathLst>
+            </a:custGeom>
+            <a:noFill/>
+            <a:ln w="4763" cap="flat">
+              <a:solidFill>
+                <a:schemeClr val="accent1">
+                  <a:alpha val="20000"/>
+                </a:schemeClr>
+              </a:solidFill>
+              <a:prstDash val="solid"/>
+              <a:miter lim="800000"/>
+              <a:headEnd/>
+              <a:tailEnd/>
+            </a:ln>
+            <a:extLst>
+              <a:ext uri="{909E8E84-426E-40DD-AFC4-6F175D3DCCD1}">
+                <a14:hiddenFill xmlns:a14="http://schemas.microsoft.com/office/drawing/2010/main">
+                  <a:solidFill>
+                    <a:srgbClr val="FFFFFF"/>
+                  </a:solidFill>
+                </a14:hiddenFill>
+              </a:ext>
+            </a:extLst>
+          </p:spPr>
+        </p:sp>
+        <p:sp>
+          <p:nvSpPr>
+            <p:cNvPr id="43" name="Freeform 10">
+              <a:extLst>
+                <a:ext uri="{FF2B5EF4-FFF2-40B4-BE49-F238E27FC236}">
+                  <a16:creationId xmlns:a16="http://schemas.microsoft.com/office/drawing/2014/main" id="{5C2DF1F9-21CC-430E-84C8-356C73C6FD38}"/>
+                </a:ext>
+                <a:ext uri="{C183D7F6-B498-43B3-948B-1728B52AA6E4}">
+                  <adec:decorative xmlns:adec="http://schemas.microsoft.com/office/drawing/2017/decorative" val="1"/>
+                </a:ext>
+              </a:extLst>
+            </p:cNvPr>
+            <p:cNvSpPr/>
+            <p:nvPr>
+              <p:extLst>
+                <p:ext uri="{386F3935-93C4-4BCD-93E2-E3B085C9AB24}">
+                  <p16:designElem xmlns:p16="http://schemas.microsoft.com/office/powerpoint/2015/main" val="1"/>
+                </p:ext>
+              </p:extLst>
+            </p:nvPr>
+          </p:nvSpPr>
+          <p:spPr bwMode="auto">
+            <a:xfrm>
+              <a:off x="-1061" y="-51881"/>
+              <a:ext cx="11091863" cy="6923796"/>
+            </a:xfrm>
+            <a:custGeom>
+              <a:avLst/>
+              <a:gdLst/>
+              <a:ahLst/>
+              <a:cxnLst/>
+              <a:rect l="0" t="0" r="r" b="b"/>
+              <a:pathLst>
+                <a:path w="2330" h="1452">
+                  <a:moveTo>
+                    <a:pt x="2046" y="1452"/>
+                  </a:moveTo>
+                  <a:cubicBezTo>
+                    <a:pt x="2330" y="1153"/>
+                    <a:pt x="2049" y="821"/>
+                    <a:pt x="1813" y="601"/>
+                  </a:cubicBezTo>
+                  <a:cubicBezTo>
+                    <a:pt x="1569" y="375"/>
+                    <a:pt x="1282" y="179"/>
+                    <a:pt x="956" y="97"/>
+                  </a:cubicBezTo>
+                  <a:cubicBezTo>
+                    <a:pt x="572" y="0"/>
+                    <a:pt x="292" y="101"/>
+                    <a:pt x="0" y="366"/>
+                  </a:cubicBezTo>
+                </a:path>
+              </a:pathLst>
+            </a:custGeom>
+            <a:noFill/>
+            <a:ln w="9525" cap="flat">
+              <a:solidFill>
+                <a:schemeClr val="accent1">
+                  <a:alpha val="8000"/>
+                </a:schemeClr>
+              </a:solidFill>
+              <a:prstDash val="solid"/>
+              <a:miter lim="800000"/>
+              <a:headEnd/>
+              <a:tailEnd/>
+            </a:ln>
+            <a:extLst>
+              <a:ext uri="{909E8E84-426E-40DD-AFC4-6F175D3DCCD1}">
+                <a14:hiddenFill xmlns:a14="http://schemas.microsoft.com/office/drawing/2010/main">
+                  <a:solidFill>
+                    <a:srgbClr val="FFFFFF"/>
+                  </a:solidFill>
+                </a14:hiddenFill>
+              </a:ext>
+            </a:extLst>
+          </p:spPr>
+        </p:sp>
+        <p:sp>
+          <p:nvSpPr>
+            <p:cNvPr id="44" name="Freeform 11">
+              <a:extLst>
+                <a:ext uri="{FF2B5EF4-FFF2-40B4-BE49-F238E27FC236}">
+                  <a16:creationId xmlns:a16="http://schemas.microsoft.com/office/drawing/2014/main" id="{7F11B45B-3EDE-4B6A-903B-0AE6E9DDF415}"/>
+                </a:ext>
+                <a:ext uri="{C183D7F6-B498-43B3-948B-1728B52AA6E4}">
+                  <adec:decorative xmlns:adec="http://schemas.microsoft.com/office/drawing/2017/decorative" val="1"/>
+                </a:ext>
+              </a:extLst>
+            </p:cNvPr>
+            <p:cNvSpPr/>
+            <p:nvPr>
+              <p:extLst>
+                <p:ext uri="{386F3935-93C4-4BCD-93E2-E3B085C9AB24}">
+                  <p16:designElem xmlns:p16="http://schemas.microsoft.com/office/powerpoint/2015/main" val="1"/>
+                </p:ext>
+              </p:extLst>
+            </p:nvPr>
+          </p:nvSpPr>
+          <p:spPr bwMode="auto">
+            <a:xfrm>
+              <a:off x="5426601" y="5579"/>
+              <a:ext cx="5788025" cy="6847184"/>
+            </a:xfrm>
+            <a:custGeom>
+              <a:avLst/>
+              <a:gdLst/>
+              <a:ahLst/>
+              <a:cxnLst/>
+              <a:rect l="0" t="0" r="r" b="b"/>
+              <a:pathLst>
+                <a:path w="1216" h="1436">
+                  <a:moveTo>
+                    <a:pt x="1094" y="1436"/>
+                  </a:moveTo>
+                  <a:cubicBezTo>
+                    <a:pt x="1216" y="1114"/>
+                    <a:pt x="904" y="770"/>
+                    <a:pt x="709" y="551"/>
+                  </a:cubicBezTo>
+                  <a:cubicBezTo>
+                    <a:pt x="509" y="327"/>
+                    <a:pt x="274" y="127"/>
+                    <a:pt x="0" y="0"/>
+                  </a:cubicBezTo>
+                </a:path>
+              </a:pathLst>
+            </a:custGeom>
+            <a:noFill/>
+            <a:ln w="9525" cap="flat">
+              <a:solidFill>
+                <a:schemeClr val="accent1">
+                  <a:alpha val="7000"/>
+                </a:schemeClr>
+              </a:solidFill>
+              <a:prstDash val="solid"/>
+              <a:miter lim="800000"/>
+              <a:headEnd/>
+              <a:tailEnd/>
+            </a:ln>
+            <a:extLst>
+              <a:ext uri="{909E8E84-426E-40DD-AFC4-6F175D3DCCD1}">
+                <a14:hiddenFill xmlns:a14="http://schemas.microsoft.com/office/drawing/2010/main">
+                  <a:solidFill>
+                    <a:srgbClr val="FFFFFF"/>
+                  </a:solidFill>
+                </a14:hiddenFill>
+              </a:ext>
+            </a:extLst>
+          </p:spPr>
+        </p:sp>
+        <p:sp>
+          <p:nvSpPr>
+            <p:cNvPr id="45" name="Freeform 12">
+              <a:extLst>
+                <a:ext uri="{FF2B5EF4-FFF2-40B4-BE49-F238E27FC236}">
+                  <a16:creationId xmlns:a16="http://schemas.microsoft.com/office/drawing/2014/main" id="{F77FDDC5-477E-420D-B98F-42ABA24772F8}"/>
+                </a:ext>
+                <a:ext uri="{C183D7F6-B498-43B3-948B-1728B52AA6E4}">
+                  <adec:decorative xmlns:adec="http://schemas.microsoft.com/office/drawing/2017/decorative" val="1"/>
+                </a:ext>
+              </a:extLst>
+            </p:cNvPr>
+            <p:cNvSpPr/>
+            <p:nvPr>
+              <p:extLst>
+                <p:ext uri="{386F3935-93C4-4BCD-93E2-E3B085C9AB24}">
+                  <p16:designElem xmlns:p16="http://schemas.microsoft.com/office/powerpoint/2015/main" val="1"/>
+                </p:ext>
+              </p:extLst>
+            </p:nvPr>
+          </p:nvSpPr>
+          <p:spPr bwMode="auto">
+            <a:xfrm>
+              <a:off x="-1061" y="5579"/>
+              <a:ext cx="1057275" cy="614491"/>
+            </a:xfrm>
+            <a:custGeom>
+              <a:avLst/>
+              <a:gdLst/>
+              <a:ahLst/>
+              <a:cxnLst/>
+              <a:rect l="0" t="0" r="r" b="b"/>
+              <a:pathLst>
+                <a:path w="222" h="129">
+                  <a:moveTo>
+                    <a:pt x="222" y="0"/>
+                  </a:moveTo>
+                  <a:cubicBezTo>
+                    <a:pt x="152" y="35"/>
+                    <a:pt x="76" y="78"/>
+                    <a:pt x="0" y="129"/>
+                  </a:cubicBezTo>
+                </a:path>
+              </a:pathLst>
+            </a:custGeom>
+            <a:noFill/>
+            <a:ln w="9525" cap="flat">
+              <a:solidFill>
+                <a:schemeClr val="accent1">
+                  <a:alpha val="8000"/>
+                </a:schemeClr>
+              </a:solidFill>
+              <a:prstDash val="solid"/>
+              <a:miter lim="800000"/>
+              <a:headEnd/>
+              <a:tailEnd/>
+            </a:ln>
+            <a:extLst>
+              <a:ext uri="{909E8E84-426E-40DD-AFC4-6F175D3DCCD1}">
+                <a14:hiddenFill xmlns:a14="http://schemas.microsoft.com/office/drawing/2010/main">
+                  <a:solidFill>
+                    <a:srgbClr val="FFFFFF"/>
+                  </a:solidFill>
+                </a14:hiddenFill>
+              </a:ext>
+            </a:extLst>
+          </p:spPr>
+        </p:sp>
+        <p:sp>
+          <p:nvSpPr>
+            <p:cNvPr id="46" name="Freeform 13">
+              <a:extLst>
+                <a:ext uri="{FF2B5EF4-FFF2-40B4-BE49-F238E27FC236}">
+                  <a16:creationId xmlns:a16="http://schemas.microsoft.com/office/drawing/2014/main" id="{A92C0474-B573-45C5-84C5-194CE1715FE2}"/>
+                </a:ext>
+                <a:ext uri="{C183D7F6-B498-43B3-948B-1728B52AA6E4}">
+                  <adec:decorative xmlns:adec="http://schemas.microsoft.com/office/drawing/2017/decorative" val="1"/>
+                </a:ext>
+              </a:extLst>
+            </p:cNvPr>
+            <p:cNvSpPr/>
+            <p:nvPr>
+              <p:extLst>
+                <p:ext uri="{386F3935-93C4-4BCD-93E2-E3B085C9AB24}">
+                  <p16:designElem xmlns:p16="http://schemas.microsoft.com/office/powerpoint/2015/main" val="1"/>
+                </p:ext>
+              </p:extLst>
+            </p:nvPr>
+          </p:nvSpPr>
+          <p:spPr bwMode="auto">
+            <a:xfrm>
+              <a:off x="5821889" y="5579"/>
+              <a:ext cx="5588000" cy="6866337"/>
+            </a:xfrm>
+            <a:custGeom>
+              <a:avLst/>
+              <a:gdLst/>
+              <a:ahLst/>
+              <a:cxnLst/>
+              <a:rect l="0" t="0" r="r" b="b"/>
+              <a:pathLst>
+                <a:path w="1174" h="1440">
+                  <a:moveTo>
+                    <a:pt x="1067" y="1440"/>
+                  </a:moveTo>
+                  <a:cubicBezTo>
+                    <a:pt x="1174" y="1124"/>
+                    <a:pt x="887" y="797"/>
+                    <a:pt x="698" y="577"/>
+                  </a:cubicBezTo>
+                  <a:cubicBezTo>
+                    <a:pt x="500" y="348"/>
+                    <a:pt x="270" y="141"/>
+                    <a:pt x="0" y="0"/>
+                  </a:cubicBezTo>
+                </a:path>
+              </a:pathLst>
+            </a:custGeom>
+            <a:noFill/>
+            <a:ln w="9525" cap="flat">
+              <a:solidFill>
+                <a:schemeClr val="accent1">
+                  <a:alpha val="6000"/>
+                </a:schemeClr>
+              </a:solidFill>
+              <a:prstDash val="dash"/>
+              <a:miter lim="800000"/>
+              <a:headEnd/>
+              <a:tailEnd/>
+            </a:ln>
+            <a:extLst>
+              <a:ext uri="{909E8E84-426E-40DD-AFC4-6F175D3DCCD1}">
+                <a14:hiddenFill xmlns:a14="http://schemas.microsoft.com/office/drawing/2010/main">
+                  <a:solidFill>
+                    <a:srgbClr val="FFFFFF"/>
+                  </a:solidFill>
+                </a14:hiddenFill>
+              </a:ext>
+            </a:extLst>
+          </p:spPr>
+        </p:sp>
+        <p:sp>
+          <p:nvSpPr>
+            <p:cNvPr id="47" name="Freeform 14">
+              <a:extLst>
+                <a:ext uri="{FF2B5EF4-FFF2-40B4-BE49-F238E27FC236}">
+                  <a16:creationId xmlns:a16="http://schemas.microsoft.com/office/drawing/2014/main" id="{2FBC62F8-64D0-4025-99AE-A04E291D90EA}"/>
+                </a:ext>
+                <a:ext uri="{C183D7F6-B498-43B3-948B-1728B52AA6E4}">
+                  <adec:decorative xmlns:adec="http://schemas.microsoft.com/office/drawing/2017/decorative" val="1"/>
+                </a:ext>
+              </a:extLst>
+            </p:cNvPr>
+            <p:cNvSpPr/>
+            <p:nvPr>
+              <p:extLst>
+                <p:ext uri="{386F3935-93C4-4BCD-93E2-E3B085C9AB24}">
+                  <p16:designElem xmlns:p16="http://schemas.microsoft.com/office/powerpoint/2015/main" val="1"/>
+                </p:ext>
+              </p:extLst>
+            </p:nvPr>
+          </p:nvSpPr>
+          <p:spPr bwMode="auto">
+            <a:xfrm>
+              <a:off x="3701" y="790"/>
+              <a:ext cx="595313" cy="352734"/>
+            </a:xfrm>
+            <a:custGeom>
+              <a:avLst/>
+              <a:gdLst/>
+              <a:ahLst/>
+              <a:cxnLst/>
+              <a:rect l="0" t="0" r="r" b="b"/>
+              <a:pathLst>
+                <a:path w="125" h="74">
+                  <a:moveTo>
+                    <a:pt x="125" y="0"/>
+                  </a:moveTo>
+                  <a:cubicBezTo>
+                    <a:pt x="85" y="22"/>
+                    <a:pt x="43" y="47"/>
+                    <a:pt x="0" y="74"/>
+                  </a:cubicBezTo>
+                </a:path>
+              </a:pathLst>
+            </a:custGeom>
+            <a:noFill/>
+            <a:ln w="9525" cap="flat">
+              <a:solidFill>
+                <a:schemeClr val="accent1">
+                  <a:alpha val="6000"/>
+                </a:schemeClr>
+              </a:solidFill>
+              <a:prstDash val="dash"/>
+              <a:miter lim="800000"/>
+              <a:headEnd/>
+              <a:tailEnd/>
+            </a:ln>
+            <a:extLst>
+              <a:ext uri="{909E8E84-426E-40DD-AFC4-6F175D3DCCD1}">
+                <a14:hiddenFill xmlns:a14="http://schemas.microsoft.com/office/drawing/2010/main">
+                  <a:solidFill>
+                    <a:srgbClr val="FFFFFF"/>
+                  </a:solidFill>
+                </a14:hiddenFill>
+              </a:ext>
+            </a:extLst>
+          </p:spPr>
+        </p:sp>
+        <p:sp>
+          <p:nvSpPr>
+            <p:cNvPr id="48" name="Freeform 15">
+              <a:extLst>
+                <a:ext uri="{FF2B5EF4-FFF2-40B4-BE49-F238E27FC236}">
+                  <a16:creationId xmlns:a16="http://schemas.microsoft.com/office/drawing/2014/main" id="{7632F945-80B5-4575-A538-29495BF8F258}"/>
+                </a:ext>
+                <a:ext uri="{C183D7F6-B498-43B3-948B-1728B52AA6E4}">
+                  <adec:decorative xmlns:adec="http://schemas.microsoft.com/office/drawing/2017/decorative" val="1"/>
+                </a:ext>
+              </a:extLst>
+            </p:cNvPr>
+            <p:cNvSpPr/>
+            <p:nvPr>
+              <p:extLst>
+                <p:ext uri="{386F3935-93C4-4BCD-93E2-E3B085C9AB24}">
+                  <p16:designElem xmlns:p16="http://schemas.microsoft.com/office/powerpoint/2015/main" val="1"/>
+                </p:ext>
+              </p:extLst>
+            </p:nvPr>
+          </p:nvSpPr>
+          <p:spPr bwMode="auto">
+            <a:xfrm>
+              <a:off x="6012389" y="5579"/>
+              <a:ext cx="5497513" cy="6866337"/>
+            </a:xfrm>
+            <a:custGeom>
+              <a:avLst/>
+              <a:gdLst/>
+              <a:ahLst/>
+              <a:cxnLst/>
+              <a:rect l="0" t="0" r="r" b="b"/>
+              <a:pathLst>
+                <a:path w="1155" h="1440">
+                  <a:moveTo>
+                    <a:pt x="1056" y="1440"/>
+                  </a:moveTo>
+                  <a:cubicBezTo>
+                    <a:pt x="1155" y="1123"/>
+                    <a:pt x="875" y="801"/>
+                    <a:pt x="686" y="580"/>
+                  </a:cubicBezTo>
+                  <a:cubicBezTo>
+                    <a:pt x="491" y="352"/>
+                    <a:pt x="264" y="145"/>
+                    <a:pt x="0" y="0"/>
+                  </a:cubicBezTo>
+                </a:path>
+              </a:pathLst>
+            </a:custGeom>
+            <a:noFill/>
+            <a:ln w="12700" cap="flat">
+              <a:solidFill>
+                <a:schemeClr val="accent1">
+                  <a:alpha val="5000"/>
+                </a:schemeClr>
+              </a:solidFill>
+              <a:prstDash val="dashDot"/>
+              <a:miter lim="800000"/>
+              <a:headEnd/>
+              <a:tailEnd/>
+            </a:ln>
+            <a:extLst>
+              <a:ext uri="{909E8E84-426E-40DD-AFC4-6F175D3DCCD1}">
+                <a14:hiddenFill xmlns:a14="http://schemas.microsoft.com/office/drawing/2010/main">
+                  <a:solidFill>
+                    <a:srgbClr val="FFFFFF"/>
+                  </a:solidFill>
+                </a14:hiddenFill>
+              </a:ext>
+            </a:extLst>
+          </p:spPr>
+        </p:sp>
+        <p:sp>
+          <p:nvSpPr>
+            <p:cNvPr id="49" name="Freeform 16">
+              <a:extLst>
+                <a:ext uri="{FF2B5EF4-FFF2-40B4-BE49-F238E27FC236}">
+                  <a16:creationId xmlns:a16="http://schemas.microsoft.com/office/drawing/2014/main" id="{5562CC17-43D4-4E57-AE08-83952EE59D5A}"/>
+                </a:ext>
+                <a:ext uri="{C183D7F6-B498-43B3-948B-1728B52AA6E4}">
+                  <adec:decorative xmlns:adec="http://schemas.microsoft.com/office/drawing/2017/decorative" val="1"/>
+                </a:ext>
+              </a:extLst>
+            </p:cNvPr>
+            <p:cNvSpPr/>
+            <p:nvPr>
+              <p:extLst>
+                <p:ext uri="{386F3935-93C4-4BCD-93E2-E3B085C9AB24}">
+                  <p16:designElem xmlns:p16="http://schemas.microsoft.com/office/powerpoint/2015/main" val="1"/>
+                </p:ext>
+              </p:extLst>
+            </p:nvPr>
+          </p:nvSpPr>
+          <p:spPr bwMode="auto">
+            <a:xfrm>
+              <a:off x="-1061" y="5579"/>
+              <a:ext cx="357188" cy="213875"/>
+            </a:xfrm>
+            <a:custGeom>
+              <a:avLst/>
+              <a:gdLst/>
+              <a:ahLst/>
+              <a:cxnLst/>
+              <a:rect l="0" t="0" r="r" b="b"/>
+              <a:pathLst>
+                <a:path w="75" h="45">
+                  <a:moveTo>
+                    <a:pt x="75" y="0"/>
+                  </a:moveTo>
+                  <a:cubicBezTo>
+                    <a:pt x="50" y="14"/>
+                    <a:pt x="25" y="29"/>
+                    <a:pt x="0" y="45"/>
+                  </a:cubicBezTo>
+                </a:path>
+              </a:pathLst>
+            </a:custGeom>
+            <a:noFill/>
+            <a:ln w="12700" cap="flat">
+              <a:solidFill>
+                <a:schemeClr val="accent1">
+                  <a:alpha val="5000"/>
+                </a:schemeClr>
+              </a:solidFill>
+              <a:prstDash val="dashDot"/>
+              <a:miter lim="800000"/>
+              <a:headEnd/>
+              <a:tailEnd/>
+            </a:ln>
+            <a:extLst>
+              <a:ext uri="{909E8E84-426E-40DD-AFC4-6F175D3DCCD1}">
+                <a14:hiddenFill xmlns:a14="http://schemas.microsoft.com/office/drawing/2010/main">
+                  <a:solidFill>
+                    <a:srgbClr val="FFFFFF"/>
+                  </a:solidFill>
+                </a14:hiddenFill>
+              </a:ext>
+            </a:extLst>
+          </p:spPr>
+        </p:sp>
+        <p:sp>
+          <p:nvSpPr>
+            <p:cNvPr id="50" name="Freeform 17">
+              <a:extLst>
+                <a:ext uri="{FF2B5EF4-FFF2-40B4-BE49-F238E27FC236}">
+                  <a16:creationId xmlns:a16="http://schemas.microsoft.com/office/drawing/2014/main" id="{E1D78CFE-04CA-4101-AFCF-196940B2D137}"/>
+                </a:ext>
+                <a:ext uri="{C183D7F6-B498-43B3-948B-1728B52AA6E4}">
+                  <adec:decorative xmlns:adec="http://schemas.microsoft.com/office/drawing/2017/decorative" val="1"/>
+                </a:ext>
+              </a:extLst>
+            </p:cNvPr>
+            <p:cNvSpPr/>
+            <p:nvPr>
+              <p:extLst>
+                <p:ext uri="{386F3935-93C4-4BCD-93E2-E3B085C9AB24}">
+                  <p16:designElem xmlns:p16="http://schemas.microsoft.com/office/powerpoint/2015/main" val="1"/>
+                </p:ext>
+              </p:extLst>
+            </p:nvPr>
+          </p:nvSpPr>
+          <p:spPr bwMode="auto">
+            <a:xfrm>
+              <a:off x="6210826" y="790"/>
+              <a:ext cx="5522913" cy="6871126"/>
+            </a:xfrm>
+            <a:custGeom>
+              <a:avLst/>
+              <a:gdLst/>
+              <a:ahLst/>
+              <a:cxnLst/>
+              <a:rect l="0" t="0" r="r" b="b"/>
+              <a:pathLst>
+                <a:path w="1160" h="1441">
+                  <a:moveTo>
+                    <a:pt x="1053" y="1441"/>
+                  </a:moveTo>
+                  <a:cubicBezTo>
+                    <a:pt x="1160" y="1129"/>
+                    <a:pt x="892" y="817"/>
+                    <a:pt x="705" y="599"/>
+                  </a:cubicBezTo>
+                  <a:cubicBezTo>
+                    <a:pt x="503" y="365"/>
+                    <a:pt x="270" y="152"/>
+                    <a:pt x="0" y="0"/>
+                  </a:cubicBezTo>
+                </a:path>
+              </a:pathLst>
+            </a:custGeom>
+            <a:noFill/>
+            <a:ln w="9525" cap="flat">
+              <a:solidFill>
+                <a:schemeClr val="accent1">
+                  <a:alpha val="4000"/>
+                </a:schemeClr>
+              </a:solidFill>
+              <a:prstDash val="solid"/>
+              <a:miter lim="800000"/>
+              <a:headEnd/>
+              <a:tailEnd/>
+            </a:ln>
+            <a:extLst>
+              <a:ext uri="{909E8E84-426E-40DD-AFC4-6F175D3DCCD1}">
+                <a14:hiddenFill xmlns:a14="http://schemas.microsoft.com/office/drawing/2010/main">
+                  <a:solidFill>
+                    <a:srgbClr val="FFFFFF"/>
+                  </a:solidFill>
+                </a14:hiddenFill>
+              </a:ext>
+            </a:extLst>
+          </p:spPr>
+        </p:sp>
+        <p:sp>
+          <p:nvSpPr>
+            <p:cNvPr id="51" name="Freeform 18">
+              <a:extLst>
+                <a:ext uri="{FF2B5EF4-FFF2-40B4-BE49-F238E27FC236}">
+                  <a16:creationId xmlns:a16="http://schemas.microsoft.com/office/drawing/2014/main" id="{41F2A149-A64E-4690-B049-18C156A8E206}"/>
+                </a:ext>
+                <a:ext uri="{C183D7F6-B498-43B3-948B-1728B52AA6E4}">
+                  <adec:decorative xmlns:adec="http://schemas.microsoft.com/office/drawing/2017/decorative" val="1"/>
+                </a:ext>
+              </a:extLst>
+            </p:cNvPr>
+            <p:cNvSpPr/>
+            <p:nvPr>
+              <p:extLst>
+                <p:ext uri="{386F3935-93C4-4BCD-93E2-E3B085C9AB24}">
+                  <p16:designElem xmlns:p16="http://schemas.microsoft.com/office/powerpoint/2015/main" val="1"/>
+                </p:ext>
+              </p:extLst>
+            </p:nvPr>
+          </p:nvSpPr>
+          <p:spPr bwMode="auto">
+            <a:xfrm>
+              <a:off x="6463239" y="5579"/>
+              <a:ext cx="5413375" cy="6866337"/>
+            </a:xfrm>
+            <a:custGeom>
+              <a:avLst/>
+              <a:gdLst/>
+              <a:ahLst/>
+              <a:cxnLst/>
+              <a:rect l="0" t="0" r="r" b="b"/>
+              <a:pathLst>
+                <a:path w="1137" h="1440">
+                  <a:moveTo>
+                    <a:pt x="1040" y="1440"/>
+                  </a:moveTo>
+                  <a:cubicBezTo>
+                    <a:pt x="1137" y="1131"/>
+                    <a:pt x="883" y="828"/>
+                    <a:pt x="698" y="611"/>
+                  </a:cubicBezTo>
+                  <a:cubicBezTo>
+                    <a:pt x="498" y="375"/>
+                    <a:pt x="268" y="159"/>
+                    <a:pt x="0" y="0"/>
+                  </a:cubicBezTo>
+                </a:path>
+              </a:pathLst>
+            </a:custGeom>
+            <a:noFill/>
+            <a:ln w="9525" cap="flat">
+              <a:solidFill>
+                <a:schemeClr val="accent1">
+                  <a:alpha val="3000"/>
+                </a:schemeClr>
+              </a:solidFill>
+              <a:prstDash val="solid"/>
+              <a:miter lim="800000"/>
+              <a:headEnd/>
+              <a:tailEnd/>
+            </a:ln>
+            <a:extLst>
+              <a:ext uri="{909E8E84-426E-40DD-AFC4-6F175D3DCCD1}">
+                <a14:hiddenFill xmlns:a14="http://schemas.microsoft.com/office/drawing/2010/main">
+                  <a:solidFill>
+                    <a:srgbClr val="FFFFFF"/>
+                  </a:solidFill>
+                </a14:hiddenFill>
+              </a:ext>
+            </a:extLst>
+          </p:spPr>
+        </p:sp>
+        <p:sp>
+          <p:nvSpPr>
+            <p:cNvPr id="52" name="Freeform 19">
+              <a:extLst>
+                <a:ext uri="{FF2B5EF4-FFF2-40B4-BE49-F238E27FC236}">
+                  <a16:creationId xmlns:a16="http://schemas.microsoft.com/office/drawing/2014/main" id="{D9313C72-D62D-4416-A6AE-7EB7D6B54A58}"/>
+                </a:ext>
+                <a:ext uri="{C183D7F6-B498-43B3-948B-1728B52AA6E4}">
+                  <adec:decorative xmlns:adec="http://schemas.microsoft.com/office/drawing/2017/decorative" val="1"/>
+                </a:ext>
+              </a:extLst>
+            </p:cNvPr>
+            <p:cNvSpPr/>
+            <p:nvPr>
+              <p:extLst>
+                <p:ext uri="{386F3935-93C4-4BCD-93E2-E3B085C9AB24}">
+                  <p16:designElem xmlns:p16="http://schemas.microsoft.com/office/powerpoint/2015/main" val="1"/>
+                </p:ext>
+              </p:extLst>
+            </p:nvPr>
+          </p:nvSpPr>
+          <p:spPr bwMode="auto">
+            <a:xfrm>
+              <a:off x="6877576" y="5579"/>
+              <a:ext cx="5037138" cy="6861550"/>
+            </a:xfrm>
+            <a:custGeom>
+              <a:avLst/>
+              <a:gdLst/>
+              <a:ahLst/>
+              <a:cxnLst/>
+              <a:rect l="0" t="0" r="r" b="b"/>
+              <a:pathLst>
+                <a:path w="1058" h="1439">
+                  <a:moveTo>
+                    <a:pt x="1011" y="1439"/>
+                  </a:moveTo>
+                  <a:cubicBezTo>
+                    <a:pt x="1058" y="1131"/>
+                    <a:pt x="825" y="841"/>
+                    <a:pt x="648" y="617"/>
+                  </a:cubicBezTo>
+                  <a:cubicBezTo>
+                    <a:pt x="462" y="383"/>
+                    <a:pt x="248" y="168"/>
+                    <a:pt x="0" y="0"/>
+                  </a:cubicBezTo>
+                </a:path>
+              </a:pathLst>
+            </a:custGeom>
+            <a:noFill/>
+            <a:ln w="9525" cap="flat">
+              <a:solidFill>
+                <a:schemeClr val="accent1">
+                  <a:alpha val="5000"/>
+                </a:schemeClr>
+              </a:solidFill>
+              <a:prstDash val="solid"/>
+              <a:miter lim="800000"/>
+              <a:headEnd/>
+              <a:tailEnd/>
+            </a:ln>
+            <a:extLst>
+              <a:ext uri="{909E8E84-426E-40DD-AFC4-6F175D3DCCD1}">
+                <a14:hiddenFill xmlns:a14="http://schemas.microsoft.com/office/drawing/2010/main">
+                  <a:solidFill>
+                    <a:srgbClr val="FFFFFF"/>
+                  </a:solidFill>
+                </a14:hiddenFill>
+              </a:ext>
+            </a:extLst>
+          </p:spPr>
+        </p:sp>
+        <p:sp>
+          <p:nvSpPr>
+            <p:cNvPr id="53" name="Freeform 20">
+              <a:extLst>
+                <a:ext uri="{FF2B5EF4-FFF2-40B4-BE49-F238E27FC236}">
+                  <a16:creationId xmlns:a16="http://schemas.microsoft.com/office/drawing/2014/main" id="{77B03BEA-76E5-4ECB-B9BB-D89D27509EFD}"/>
+                </a:ext>
+                <a:ext uri="{C183D7F6-B498-43B3-948B-1728B52AA6E4}">
+                  <adec:decorative xmlns:adec="http://schemas.microsoft.com/office/drawing/2017/decorative" val="1"/>
+                </a:ext>
+              </a:extLst>
+            </p:cNvPr>
+            <p:cNvSpPr/>
+            <p:nvPr>
+              <p:extLst>
+                <p:ext uri="{386F3935-93C4-4BCD-93E2-E3B085C9AB24}">
+                  <p16:designElem xmlns:p16="http://schemas.microsoft.com/office/powerpoint/2015/main" val="1"/>
+                </p:ext>
+              </p:extLst>
+            </p:nvPr>
+          </p:nvSpPr>
+          <p:spPr bwMode="auto">
+            <a:xfrm>
+              <a:off x="8768289" y="5579"/>
+              <a:ext cx="3417888" cy="2742066"/>
+            </a:xfrm>
+            <a:custGeom>
+              <a:avLst/>
+              <a:gdLst/>
+              <a:ahLst/>
+              <a:cxnLst/>
+              <a:rect l="0" t="0" r="r" b="b"/>
+              <a:pathLst>
+                <a:path w="718" h="575">
+                  <a:moveTo>
+                    <a:pt x="718" y="575"/>
+                  </a:moveTo>
+                  <a:cubicBezTo>
+                    <a:pt x="500" y="360"/>
+                    <a:pt x="260" y="163"/>
+                    <a:pt x="0" y="0"/>
+                  </a:cubicBezTo>
+                </a:path>
+              </a:pathLst>
+            </a:custGeom>
+            <a:noFill/>
+            <a:ln w="9525" cap="flat">
+              <a:solidFill>
+                <a:schemeClr val="accent1">
+                  <a:alpha val="4000"/>
+                </a:schemeClr>
+              </a:solidFill>
+              <a:prstDash val="solid"/>
+              <a:miter lim="800000"/>
+              <a:headEnd/>
+              <a:tailEnd/>
+            </a:ln>
+            <a:extLst>
+              <a:ext uri="{909E8E84-426E-40DD-AFC4-6F175D3DCCD1}">
+                <a14:hiddenFill xmlns:a14="http://schemas.microsoft.com/office/drawing/2010/main">
+                  <a:solidFill>
+                    <a:srgbClr val="FFFFFF"/>
+                  </a:solidFill>
+                </a14:hiddenFill>
+              </a:ext>
+            </a:extLst>
+          </p:spPr>
+        </p:sp>
+        <p:sp>
+          <p:nvSpPr>
+            <p:cNvPr id="54" name="Freeform 21">
+              <a:extLst>
+                <a:ext uri="{FF2B5EF4-FFF2-40B4-BE49-F238E27FC236}">
+                  <a16:creationId xmlns:a16="http://schemas.microsoft.com/office/drawing/2014/main" id="{6AF6BECE-416D-4C3A-AD6F-68B08F3CA751}"/>
+                </a:ext>
+                <a:ext uri="{C183D7F6-B498-43B3-948B-1728B52AA6E4}">
+                  <adec:decorative xmlns:adec="http://schemas.microsoft.com/office/drawing/2017/decorative" val="1"/>
+                </a:ext>
+              </a:extLst>
+            </p:cNvPr>
+            <p:cNvSpPr/>
+            <p:nvPr>
+              <p:extLst>
+                <p:ext uri="{386F3935-93C4-4BCD-93E2-E3B085C9AB24}">
+                  <p16:designElem xmlns:p16="http://schemas.microsoft.com/office/powerpoint/2015/main" val="1"/>
+                </p:ext>
+              </p:extLst>
+            </p:nvPr>
+          </p:nvSpPr>
+          <p:spPr bwMode="auto">
+            <a:xfrm>
+              <a:off x="9235014" y="10367"/>
+              <a:ext cx="2951163" cy="2555325"/>
+            </a:xfrm>
+            <a:custGeom>
+              <a:avLst/>
+              <a:gdLst/>
+              <a:ahLst/>
+              <a:cxnLst/>
+              <a:rect l="0" t="0" r="r" b="b"/>
+              <a:pathLst>
+                <a:path w="620" h="536">
+                  <a:moveTo>
+                    <a:pt x="620" y="536"/>
+                  </a:moveTo>
+                  <a:cubicBezTo>
+                    <a:pt x="404" y="314"/>
+                    <a:pt x="196" y="138"/>
+                    <a:pt x="0" y="0"/>
+                  </a:cubicBezTo>
+                </a:path>
+              </a:pathLst>
+            </a:custGeom>
+            <a:noFill/>
+            <a:ln w="9525" cap="flat">
+              <a:solidFill>
+                <a:schemeClr val="accent1">
+                  <a:alpha val="4000"/>
+                </a:schemeClr>
+              </a:solidFill>
+              <a:prstDash val="solid"/>
+              <a:miter lim="800000"/>
+              <a:headEnd/>
+              <a:tailEnd/>
+            </a:ln>
+            <a:extLst>
+              <a:ext uri="{909E8E84-426E-40DD-AFC4-6F175D3DCCD1}">
+                <a14:hiddenFill xmlns:a14="http://schemas.microsoft.com/office/drawing/2010/main">
+                  <a:solidFill>
+                    <a:srgbClr val="FFFFFF"/>
+                  </a:solidFill>
+                </a14:hiddenFill>
+              </a:ext>
+            </a:extLst>
+          </p:spPr>
+        </p:sp>
+        <p:sp>
+          <p:nvSpPr>
+            <p:cNvPr id="55" name="Freeform 22">
+              <a:extLst>
+                <a:ext uri="{FF2B5EF4-FFF2-40B4-BE49-F238E27FC236}">
+                  <a16:creationId xmlns:a16="http://schemas.microsoft.com/office/drawing/2014/main" id="{B9197E2A-A098-480D-A2A6-3F3B889EDAEE}"/>
+                </a:ext>
+                <a:ext uri="{C183D7F6-B498-43B3-948B-1728B52AA6E4}">
+                  <adec:decorative xmlns:adec="http://schemas.microsoft.com/office/drawing/2017/decorative" val="1"/>
+                </a:ext>
+              </a:extLst>
+            </p:cNvPr>
+            <p:cNvSpPr/>
+            <p:nvPr>
+              <p:extLst>
+                <p:ext uri="{386F3935-93C4-4BCD-93E2-E3B085C9AB24}">
+                  <p16:designElem xmlns:p16="http://schemas.microsoft.com/office/powerpoint/2015/main" val="1"/>
+                </p:ext>
+              </p:extLst>
+            </p:nvPr>
+          </p:nvSpPr>
+          <p:spPr bwMode="auto">
+            <a:xfrm>
+              <a:off x="10020826" y="5579"/>
+              <a:ext cx="2165350" cy="1358265"/>
+            </a:xfrm>
+            <a:custGeom>
+              <a:avLst/>
+              <a:gdLst/>
+              <a:ahLst/>
+              <a:cxnLst/>
+              <a:rect l="0" t="0" r="r" b="b"/>
+              <a:pathLst>
+                <a:path w="455" h="285">
+                  <a:moveTo>
+                    <a:pt x="0" y="0"/>
+                  </a:moveTo>
+                  <a:cubicBezTo>
+                    <a:pt x="153" y="85"/>
+                    <a:pt x="308" y="180"/>
+                    <a:pt x="455" y="285"/>
+                  </a:cubicBezTo>
+                </a:path>
+              </a:pathLst>
+            </a:custGeom>
+            <a:noFill/>
+            <a:ln w="9525" cap="flat">
+              <a:solidFill>
+                <a:schemeClr val="accent1">
+                  <a:alpha val="4000"/>
+                </a:schemeClr>
+              </a:solidFill>
+              <a:prstDash val="dash"/>
+              <a:miter lim="800000"/>
+              <a:headEnd/>
+              <a:tailEnd/>
+            </a:ln>
+            <a:extLst>
+              <a:ext uri="{909E8E84-426E-40DD-AFC4-6F175D3DCCD1}">
+                <a14:hiddenFill xmlns:a14="http://schemas.microsoft.com/office/drawing/2010/main">
+                  <a:solidFill>
+                    <a:srgbClr val="FFFFFF"/>
+                  </a:solidFill>
+                </a14:hiddenFill>
+              </a:ext>
+            </a:extLst>
+          </p:spPr>
+        </p:sp>
+        <p:sp>
+          <p:nvSpPr>
+            <p:cNvPr id="56" name="Freeform 23">
+              <a:extLst>
+                <a:ext uri="{FF2B5EF4-FFF2-40B4-BE49-F238E27FC236}">
+                  <a16:creationId xmlns:a16="http://schemas.microsoft.com/office/drawing/2014/main" id="{5A493EDB-6C9E-483F-86A6-0F473E5908D5}"/>
+                </a:ext>
+                <a:ext uri="{C183D7F6-B498-43B3-948B-1728B52AA6E4}">
+                  <adec:decorative xmlns:adec="http://schemas.microsoft.com/office/drawing/2017/decorative" val="1"/>
+                </a:ext>
+              </a:extLst>
+            </p:cNvPr>
+            <p:cNvSpPr/>
+            <p:nvPr>
+              <p:extLst>
+                <p:ext uri="{386F3935-93C4-4BCD-93E2-E3B085C9AB24}">
+                  <p16:designElem xmlns:p16="http://schemas.microsoft.com/office/powerpoint/2015/main" val="1"/>
+                </p:ext>
+              </p:extLst>
+            </p:nvPr>
+          </p:nvSpPr>
+          <p:spPr bwMode="auto">
+            <a:xfrm>
+              <a:off x="11290826" y="5579"/>
+              <a:ext cx="895350" cy="534687"/>
+            </a:xfrm>
+            <a:custGeom>
+              <a:avLst/>
+              <a:gdLst/>
+              <a:ahLst/>
+              <a:cxnLst/>
+              <a:rect l="0" t="0" r="r" b="b"/>
+              <a:pathLst>
+                <a:path w="188" h="112">
+                  <a:moveTo>
+                    <a:pt x="0" y="0"/>
+                  </a:moveTo>
+                  <a:cubicBezTo>
+                    <a:pt x="63" y="36"/>
+                    <a:pt x="126" y="73"/>
+                    <a:pt x="188" y="112"/>
+                  </a:cubicBezTo>
+                </a:path>
+              </a:pathLst>
+            </a:custGeom>
+            <a:noFill/>
+            <a:ln w="9525" cap="flat">
+              <a:solidFill>
+                <a:schemeClr val="accent1">
+                  <a:alpha val="3000"/>
+                </a:schemeClr>
+              </a:solidFill>
+              <a:prstDash val="solid"/>
+              <a:miter lim="800000"/>
+              <a:headEnd/>
+              <a:tailEnd/>
+            </a:ln>
+            <a:extLst>
+              <a:ext uri="{909E8E84-426E-40DD-AFC4-6F175D3DCCD1}">
+                <a14:hiddenFill xmlns:a14="http://schemas.microsoft.com/office/drawing/2010/main">
+                  <a:solidFill>
+                    <a:srgbClr val="FFFFFF"/>
+                  </a:solidFill>
+                </a14:hiddenFill>
+              </a:ext>
+            </a:extLst>
+          </p:spPr>
+        </p:sp>
+      </p:grpSp>
+      <p:sp>
+        <p:nvSpPr>
+          <p:cNvPr id="4" name="제목 3">
+            <a:extLst>
+              <a:ext uri="{FF2B5EF4-FFF2-40B4-BE49-F238E27FC236}">
+                <a16:creationId xmlns:a16="http://schemas.microsoft.com/office/drawing/2014/main" id="{21AE69BC-BEB1-4B75-A494-C5E9E2F5BC72}"/>
+              </a:ext>
+            </a:extLst>
+          </p:cNvPr>
+          <p:cNvSpPr>
+            <a:spLocks noGrp="1"/>
+          </p:cNvSpPr>
+          <p:nvPr>
+            <p:ph type="title"/>
+          </p:nvPr>
+        </p:nvSpPr>
+        <p:spPr>
+          <a:xfrm>
+            <a:off x="177533" y="156733"/>
+            <a:ext cx="6810496" cy="544331"/>
+          </a:xfrm>
+        </p:spPr>
+        <p:txBody>
+          <a:bodyPr vert="horz" lIns="228600" tIns="228600" rIns="228600" bIns="0" rtlCol="0" anchor="b">
+            <a:noAutofit/>
+          </a:bodyPr>
+          <a:lstStyle/>
+          <a:p>
+            <a:pPr algn="l" latinLnBrk="0">
+              <a:lnSpc>
+                <a:spcPct val="80000"/>
+              </a:lnSpc>
+            </a:pPr>
+            <a:r>
+              <a:rPr lang="ko-KR" altLang="en-US" sz="3000" dirty="0">
+                <a:solidFill>
+                  <a:schemeClr val="accent1"/>
+                </a:solidFill>
+              </a:rPr>
+              <a:t>스토리보드 설계</a:t>
+            </a:r>
+            <a:r>
+              <a:rPr lang="en-US" altLang="ko-KR" sz="3000" dirty="0">
+                <a:solidFill>
+                  <a:schemeClr val="accent1"/>
+                </a:solidFill>
+              </a:rPr>
+              <a:t>(</a:t>
+            </a:r>
+            <a:r>
+              <a:rPr lang="ko-KR" altLang="en-US" sz="3000" dirty="0">
+                <a:solidFill>
+                  <a:schemeClr val="accent1"/>
+                </a:solidFill>
+              </a:rPr>
+              <a:t>코로나</a:t>
+            </a:r>
+            <a:r>
+              <a:rPr lang="en-US" altLang="ko-KR" sz="3000" dirty="0">
+                <a:solidFill>
+                  <a:schemeClr val="accent1"/>
+                </a:solidFill>
+              </a:rPr>
+              <a:t>-19 </a:t>
+            </a:r>
+            <a:r>
+              <a:rPr lang="ko-KR" altLang="en-US" sz="3000" dirty="0">
+                <a:solidFill>
+                  <a:schemeClr val="accent1"/>
+                </a:solidFill>
+              </a:rPr>
+              <a:t>병원 정보</a:t>
+            </a:r>
+            <a:r>
+              <a:rPr lang="en-US" altLang="ko-KR" sz="3000" dirty="0">
+                <a:solidFill>
+                  <a:schemeClr val="accent1"/>
+                </a:solidFill>
+              </a:rPr>
+              <a:t>)</a:t>
+            </a:r>
+          </a:p>
+        </p:txBody>
+      </p:sp>
+      <p:sp>
+        <p:nvSpPr>
+          <p:cNvPr id="58" name="Isosceles Triangle 57">
+            <a:extLst>
+              <a:ext uri="{FF2B5EF4-FFF2-40B4-BE49-F238E27FC236}">
+                <a16:creationId xmlns:a16="http://schemas.microsoft.com/office/drawing/2014/main" id="{3F39476B-1A6D-47CB-AC7A-FB87EF003323}"/>
+              </a:ext>
+              <a:ext uri="{C183D7F6-B498-43B3-948B-1728B52AA6E4}">
+                <adec:decorative xmlns:adec="http://schemas.microsoft.com/office/drawing/2017/decorative" val="1"/>
+              </a:ext>
+            </a:extLst>
+          </p:cNvPr>
+          <p:cNvSpPr>
+            <a:spLocks noGrp="1" noRot="1" noChangeAspect="1" noMove="1" noResize="1" noEditPoints="1" noAdjustHandles="1" noChangeArrowheads="1" noChangeShapeType="1" noTextEdit="1"/>
+          </p:cNvSpPr>
+          <p:nvPr>
+            <p:extLst>
+              <p:ext uri="{386F3935-93C4-4BCD-93E2-E3B085C9AB24}">
+                <p16:designElem xmlns:p16="http://schemas.microsoft.com/office/powerpoint/2015/main" val="1"/>
+              </p:ext>
+            </p:extLst>
+          </p:nvPr>
+        </p:nvSpPr>
+        <p:spPr>
+          <a:xfrm rot="10800000">
+            <a:off x="1490253" y="3276595"/>
+            <a:ext cx="300774" cy="259288"/>
+          </a:xfrm>
+          <a:prstGeom prst="triangle">
+            <a:avLst/>
+          </a:prstGeom>
+          <a:solidFill>
+            <a:schemeClr val="accent1"/>
+          </a:solidFill>
+          <a:ln>
+            <a:noFill/>
+          </a:ln>
+        </p:spPr>
+        <p:style>
+          <a:lnRef idx="2">
+            <a:schemeClr val="accent1">
+              <a:shade val="50000"/>
+            </a:schemeClr>
+          </a:lnRef>
+          <a:fillRef idx="1">
+            <a:schemeClr val="accent1"/>
+          </a:fillRef>
+          <a:effectRef idx="0">
+            <a:schemeClr val="accent1"/>
+          </a:effectRef>
+          <a:fontRef idx="minor">
+            <a:schemeClr val="lt1"/>
+          </a:fontRef>
+        </p:style>
+        <p:txBody>
+          <a:bodyPr/>
+          <a:lstStyle/>
+          <a:p>
+            <a:pPr marL="0" marR="0" lvl="0" indent="0" algn="l" defTabSz="457200" rtl="0" eaLnBrk="1" fontAlgn="auto" latinLnBrk="0" hangingPunct="1">
+              <a:lnSpc>
+                <a:spcPct val="100000"/>
+              </a:lnSpc>
+              <a:spcBef>
+                <a:spcPts val="0"/>
+              </a:spcBef>
+              <a:spcAft>
+                <a:spcPts val="0"/>
+              </a:spcAft>
+              <a:buClrTx/>
+              <a:buSzTx/>
+              <a:buFontTx/>
+              <a:buNone/>
+              <a:tabLst/>
+              <a:defRPr/>
+            </a:pPr>
+            <a:endParaRPr kumimoji="0" lang="en-US" sz="1800" b="0" i="0" u="none" strike="noStrike" kern="1200" cap="none" spc="0" normalizeH="0" baseline="0" noProof="0" dirty="0">
+              <a:ln>
+                <a:noFill/>
+              </a:ln>
+              <a:solidFill>
+                <a:prstClr val="white"/>
+              </a:solidFill>
+              <a:effectLst/>
+              <a:uLnTx/>
+              <a:uFillTx/>
+              <a:latin typeface="Rockwell" panose="02060603020205020403"/>
+              <a:ea typeface="+mn-ea"/>
+              <a:cs typeface="+mn-cs"/>
+            </a:endParaRPr>
+          </a:p>
+        </p:txBody>
+      </p:sp>
+      <p:pic>
+        <p:nvPicPr>
+          <p:cNvPr id="57" name="그림 56">
+            <a:extLst>
+              <a:ext uri="{FF2B5EF4-FFF2-40B4-BE49-F238E27FC236}">
+                <a16:creationId xmlns:a16="http://schemas.microsoft.com/office/drawing/2014/main" id="{1534B4D8-C66A-4288-AE23-5332EF40847C}"/>
+              </a:ext>
+            </a:extLst>
+          </p:cNvPr>
+          <p:cNvPicPr>
+            <a:picLocks noChangeAspect="1"/>
+          </p:cNvPicPr>
+          <p:nvPr/>
+        </p:nvPicPr>
+        <p:blipFill>
+          <a:blip r:embed="rId2"/>
+          <a:stretch>
+            <a:fillRect/>
+          </a:stretch>
+        </p:blipFill>
+        <p:spPr>
+          <a:xfrm>
+            <a:off x="156206" y="1984737"/>
+            <a:ext cx="2212952" cy="3308581"/>
+          </a:xfrm>
+          <a:prstGeom prst="rect">
+            <a:avLst/>
+          </a:prstGeom>
+        </p:spPr>
+      </p:pic>
+      <p:pic>
+        <p:nvPicPr>
+          <p:cNvPr id="59" name="그림 58" descr="스크린샷이(가) 표시된 사진&#10;&#10;자동 생성된 설명">
+            <a:extLst>
+              <a:ext uri="{FF2B5EF4-FFF2-40B4-BE49-F238E27FC236}">
+                <a16:creationId xmlns:a16="http://schemas.microsoft.com/office/drawing/2014/main" id="{B1CE7E13-6CAA-4166-BD5F-A126A9A188A5}"/>
+              </a:ext>
+            </a:extLst>
+          </p:cNvPr>
+          <p:cNvPicPr>
+            <a:picLocks noChangeAspect="1"/>
+          </p:cNvPicPr>
+          <p:nvPr/>
+        </p:nvPicPr>
+        <p:blipFill>
+          <a:blip r:embed="rId3"/>
+          <a:stretch>
+            <a:fillRect/>
+          </a:stretch>
+        </p:blipFill>
+        <p:spPr>
+          <a:xfrm>
+            <a:off x="3311094" y="1998041"/>
+            <a:ext cx="2299663" cy="3410685"/>
+          </a:xfrm>
+          <a:prstGeom prst="rect">
+            <a:avLst/>
+          </a:prstGeom>
+        </p:spPr>
+      </p:pic>
+      <p:sp>
+        <p:nvSpPr>
+          <p:cNvPr id="60" name="화살표: 오른쪽 59">
+            <a:extLst>
+              <a:ext uri="{FF2B5EF4-FFF2-40B4-BE49-F238E27FC236}">
+                <a16:creationId xmlns:a16="http://schemas.microsoft.com/office/drawing/2014/main" id="{98EADED9-92D5-47A3-A45D-E1468B58C30D}"/>
+              </a:ext>
+            </a:extLst>
+          </p:cNvPr>
+          <p:cNvSpPr/>
+          <p:nvPr/>
+        </p:nvSpPr>
+        <p:spPr>
+          <a:xfrm>
+            <a:off x="2612045" y="3193576"/>
+            <a:ext cx="543105" cy="615296"/>
           </a:xfrm>
           <a:prstGeom prst="rightArrow">
             <a:avLst/>
@@ -20156,10 +23500,10 @@
       </p:sp>
       <p:sp>
         <p:nvSpPr>
-          <p:cNvPr id="77" name="화살표: 오른쪽 76">
+          <p:cNvPr id="61" name="화살표: 오른쪽 60">
             <a:extLst>
               <a:ext uri="{FF2B5EF4-FFF2-40B4-BE49-F238E27FC236}">
-                <a16:creationId xmlns:a16="http://schemas.microsoft.com/office/drawing/2014/main" id="{16FFC3F1-8129-49A1-97E4-6631EABE97C0}"/>
+                <a16:creationId xmlns:a16="http://schemas.microsoft.com/office/drawing/2014/main" id="{C970BE81-B77A-4C28-9FAC-84F9DAAE545A}"/>
               </a:ext>
             </a:extLst>
           </p:cNvPr>
@@ -20168,8 +23512,8 @@
         </p:nvSpPr>
         <p:spPr>
           <a:xfrm>
-            <a:off x="6011705" y="1824700"/>
-            <a:ext cx="404084" cy="448372"/>
+            <a:off x="5772586" y="3215575"/>
+            <a:ext cx="543105" cy="615296"/>
           </a:xfrm>
           <a:prstGeom prst="rightArrow">
             <a:avLst/>
@@ -20202,10 +23546,10 @@
       </p:sp>
       <p:sp>
         <p:nvSpPr>
-          <p:cNvPr id="78" name="화살표: 오른쪽 77">
+          <p:cNvPr id="62" name="화살표: 오른쪽 61">
             <a:extLst>
               <a:ext uri="{FF2B5EF4-FFF2-40B4-BE49-F238E27FC236}">
-                <a16:creationId xmlns:a16="http://schemas.microsoft.com/office/drawing/2014/main" id="{8CCB7108-56C3-43E8-8FE4-DD54014F4ACF}"/>
+                <a16:creationId xmlns:a16="http://schemas.microsoft.com/office/drawing/2014/main" id="{D2D7F6C1-3F0F-4B44-993D-24EF0B45FC36}"/>
               </a:ext>
             </a:extLst>
           </p:cNvPr>
@@ -20214,8 +23558,8 @@
         </p:nvSpPr>
         <p:spPr>
           <a:xfrm>
-            <a:off x="7975324" y="1824700"/>
-            <a:ext cx="404084" cy="448372"/>
+            <a:off x="8972852" y="3228235"/>
+            <a:ext cx="543105" cy="615296"/>
           </a:xfrm>
           <a:prstGeom prst="rightArrow">
             <a:avLst/>
@@ -20248,10 +23592,10 @@
       </p:sp>
       <p:sp>
         <p:nvSpPr>
-          <p:cNvPr id="79" name="화살표: 오른쪽 78">
+          <p:cNvPr id="8" name="직사각형 7">
             <a:extLst>
               <a:ext uri="{FF2B5EF4-FFF2-40B4-BE49-F238E27FC236}">
-                <a16:creationId xmlns:a16="http://schemas.microsoft.com/office/drawing/2014/main" id="{0E40BD6B-B4F2-4DB4-81C9-6DDC3B5DBA7F}"/>
+                <a16:creationId xmlns:a16="http://schemas.microsoft.com/office/drawing/2014/main" id="{87FF3C9E-590E-4DAE-A734-CE31E8C9A37F}"/>
               </a:ext>
             </a:extLst>
           </p:cNvPr>
@@ -20260,10 +23604,10 @@
         </p:nvSpPr>
         <p:spPr>
           <a:xfrm>
-            <a:off x="7961753" y="5036636"/>
-            <a:ext cx="404084" cy="448372"/>
+            <a:off x="6369692" y="1807671"/>
+            <a:ext cx="2529774" cy="3719512"/>
           </a:xfrm>
-          <a:prstGeom prst="rightArrow">
+          <a:prstGeom prst="rect">
             <a:avLst/>
           </a:prstGeom>
         </p:spPr>
@@ -20292,10 +23636,146 @@
           </a:p>
         </p:txBody>
       </p:sp>
+      <p:pic>
+        <p:nvPicPr>
+          <p:cNvPr id="3" name="그림 2" descr="스크린샷, 조류이(가) 표시된 사진&#10;&#10;자동 생성된 설명">
+            <a:extLst>
+              <a:ext uri="{FF2B5EF4-FFF2-40B4-BE49-F238E27FC236}">
+                <a16:creationId xmlns:a16="http://schemas.microsoft.com/office/drawing/2014/main" id="{1B13F04B-81A0-46F5-A2E0-682AD67EABD2}"/>
+              </a:ext>
+            </a:extLst>
+          </p:cNvPr>
+          <p:cNvPicPr>
+            <a:picLocks noChangeAspect="1"/>
+          </p:cNvPicPr>
+          <p:nvPr/>
+        </p:nvPicPr>
+        <p:blipFill>
+          <a:blip r:embed="rId4"/>
+          <a:stretch>
+            <a:fillRect/>
+          </a:stretch>
+        </p:blipFill>
+        <p:spPr>
+          <a:xfrm>
+            <a:off x="6537265" y="1942770"/>
+            <a:ext cx="2221393" cy="3470483"/>
+          </a:xfrm>
+          <a:prstGeom prst="rect">
+            <a:avLst/>
+          </a:prstGeom>
+        </p:spPr>
+      </p:pic>
+      <p:sp>
+        <p:nvSpPr>
+          <p:cNvPr id="63" name="직사각형 62">
+            <a:extLst>
+              <a:ext uri="{FF2B5EF4-FFF2-40B4-BE49-F238E27FC236}">
+                <a16:creationId xmlns:a16="http://schemas.microsoft.com/office/drawing/2014/main" id="{026A3579-4EE0-4F29-863C-53418F59DFF7}"/>
+              </a:ext>
+            </a:extLst>
+          </p:cNvPr>
+          <p:cNvSpPr/>
+          <p:nvPr/>
+        </p:nvSpPr>
+        <p:spPr>
+          <a:xfrm>
+            <a:off x="9562564" y="1769373"/>
+            <a:ext cx="2529774" cy="3719512"/>
+          </a:xfrm>
+          <a:prstGeom prst="rect">
+            <a:avLst/>
+          </a:prstGeom>
+        </p:spPr>
+        <p:style>
+          <a:lnRef idx="2">
+            <a:schemeClr val="accent1">
+              <a:shade val="50000"/>
+            </a:schemeClr>
+          </a:lnRef>
+          <a:fillRef idx="1">
+            <a:schemeClr val="accent1"/>
+          </a:fillRef>
+          <a:effectRef idx="0">
+            <a:schemeClr val="accent1"/>
+          </a:effectRef>
+          <a:fontRef idx="minor">
+            <a:schemeClr val="lt1"/>
+          </a:fontRef>
+        </p:style>
+        <p:txBody>
+          <a:bodyPr rtlCol="0" anchor="ctr"/>
+          <a:lstStyle/>
+          <a:p>
+            <a:pPr algn="ctr"/>
+            <a:endParaRPr lang="ko-KR" altLang="en-US"/>
+          </a:p>
+        </p:txBody>
+      </p:sp>
+      <p:pic>
+        <p:nvPicPr>
+          <p:cNvPr id="6" name="그림 5" descr="텍스트이(가) 표시된 사진&#10;&#10;자동 생성된 설명">
+            <a:extLst>
+              <a:ext uri="{FF2B5EF4-FFF2-40B4-BE49-F238E27FC236}">
+                <a16:creationId xmlns:a16="http://schemas.microsoft.com/office/drawing/2014/main" id="{A1C754E5-1CEA-4257-81D9-61EA7B56C45A}"/>
+              </a:ext>
+            </a:extLst>
+          </p:cNvPr>
+          <p:cNvPicPr>
+            <a:picLocks noChangeAspect="1"/>
+          </p:cNvPicPr>
+          <p:nvPr/>
+        </p:nvPicPr>
+        <p:blipFill>
+          <a:blip r:embed="rId5"/>
+          <a:stretch>
+            <a:fillRect/>
+          </a:stretch>
+        </p:blipFill>
+        <p:spPr>
+          <a:xfrm>
+            <a:off x="9640270" y="1873423"/>
+            <a:ext cx="2334482" cy="3557661"/>
+          </a:xfrm>
+          <a:prstGeom prst="rect">
+            <a:avLst/>
+          </a:prstGeom>
+        </p:spPr>
+      </p:pic>
+      <p:pic>
+        <p:nvPicPr>
+          <p:cNvPr id="66" name="그림 65" descr="그리기이(가) 표시된 사진&#10;&#10;자동 생성된 설명">
+            <a:extLst>
+              <a:ext uri="{FF2B5EF4-FFF2-40B4-BE49-F238E27FC236}">
+                <a16:creationId xmlns:a16="http://schemas.microsoft.com/office/drawing/2014/main" id="{8F0F87C8-110F-47EE-8F96-B0538514BBC6}"/>
+              </a:ext>
+            </a:extLst>
+          </p:cNvPr>
+          <p:cNvPicPr>
+            <a:picLocks noChangeAspect="1"/>
+          </p:cNvPicPr>
+          <p:nvPr/>
+        </p:nvPicPr>
+        <p:blipFill>
+          <a:blip r:embed="rId6"/>
+          <a:stretch>
+            <a:fillRect/>
+          </a:stretch>
+        </p:blipFill>
+        <p:spPr>
+          <a:xfrm>
+            <a:off x="448689" y="4322663"/>
+            <a:ext cx="1743192" cy="873613"/>
+          </a:xfrm>
+          <a:prstGeom prst="rect">
+            <a:avLst/>
+          </a:prstGeom>
+        </p:spPr>
+      </p:pic>
     </p:spTree>
     <p:extLst>
       <p:ext uri="{BB962C8B-B14F-4D97-AF65-F5344CB8AC3E}">
-        <p14:creationId xmlns:p14="http://schemas.microsoft.com/office/powerpoint/2010/main" val="855397928"/>
+        <p14:creationId xmlns:p14="http://schemas.microsoft.com/office/powerpoint/2010/main" val="3103502263"/>
       </p:ext>
     </p:extLst>
   </p:cSld>
@@ -20305,7 +23785,7 @@
 </p:sld>
 </file>
 
-<file path=ppt/slides/slide6.xml><?xml version="1.0" encoding="utf-8"?>
+<file path=ppt/slides/slide7.xml><?xml version="1.0" encoding="utf-8"?>
 <p:sld xmlns:a="http://schemas.openxmlformats.org/drawingml/2006/main" xmlns:r="http://schemas.openxmlformats.org/officeDocument/2006/relationships" xmlns:p="http://schemas.openxmlformats.org/presentationml/2006/main">
   <p:cSld>
     <p:spTree>
